--- a/2020_enero/2020 enero.pptx
+++ b/2020_enero/2020 enero.pptx
@@ -9,6 +9,7 @@
     <p:sldId id="257" r:id="rId9"/>
     <p:sldId id="258" r:id="rId10"/>
     <p:sldId id="259" r:id="rId11"/>
+    <p:sldId id="260" r:id="rId12"/>
   </p:sldIdLst>
   <p:sldSz cx="9144000" cy="6858000" type="screen4x3"/>
   <p:notesSz cx="6858000" cy="9144000"/>
@@ -2219,7 +2220,7 @@
       </p:grpSpPr>
       <p:pic xmlns:a="http://schemas.openxmlformats.org/drawingml/2006/main" xmlns:r="http://schemas.openxmlformats.org/officeDocument/2006/relationships" xmlns:p="http://schemas.openxmlformats.org/presentationml/2006/main">
         <p:nvPicPr>
-          <p:cNvPr id="2" name="Content Placeholder 2"/>
+          <p:cNvPr id="2" name=""/>
           <p:cNvPicPr/>
           <p:nvPr/>
         </p:nvPicPr>
@@ -2231,8 +2232,8 @@
         </p:blipFill>
         <p:spPr>
           <a:xfrm>
-            <a:off x="457200" y="1600200"/>
-            <a:ext cx="8229600" cy="4525963"/>
+            <a:off x="0" y="0"/>
+            <a:ext cx="9144000" cy="6858000"/>
           </a:xfrm>
           <a:prstGeom prst="rect">
             <a:avLst/>
@@ -2342,6 +2343,75 @@
 </file>
 
 <file path=ppt/slides/slide4.xml><?xml version="1.0" encoding="utf-8"?>
+<p:sld xmlns:a="http://schemas.openxmlformats.org/drawingml/2006/main" xmlns:r="http://schemas.openxmlformats.org/officeDocument/2006/relationships" xmlns:p="http://schemas.openxmlformats.org/presentationml/2006/main">
+  <p:cSld>
+    <p:spTree>
+      <p:nvGrpSpPr>
+        <p:cNvPr id="1" name=""/>
+        <p:cNvGrpSpPr/>
+        <p:nvPr/>
+      </p:nvGrpSpPr>
+      <p:grpSpPr>
+        <a:xfrm>
+          <a:off x="0" y="0"/>
+          <a:ext cx="0" cy="0"/>
+          <a:chOff x="0" y="0"/>
+          <a:chExt cx="0" cy="0"/>
+        </a:xfrm>
+      </p:grpSpPr>
+      <p:pic xmlns:a="http://schemas.openxmlformats.org/drawingml/2006/main" xmlns:r="http://schemas.openxmlformats.org/officeDocument/2006/relationships" xmlns:p="http://schemas.openxmlformats.org/presentationml/2006/main">
+        <p:nvPicPr>
+          <p:cNvPr id="2" name="Content Placeholder 2"/>
+          <p:cNvPicPr/>
+          <p:nvPr/>
+        </p:nvPicPr>
+        <p:blipFill>
+          <a:blip cstate="print" r:embed="rId2"/>
+          <a:stretch>
+            <a:fillRect/>
+          </a:stretch>
+        </p:blipFill>
+        <p:spPr>
+          <a:xfrm>
+            <a:off x="457200" y="1600200"/>
+            <a:ext cx="4038600" cy="4525963"/>
+          </a:xfrm>
+          <a:prstGeom prst="rect">
+            <a:avLst/>
+          </a:prstGeom>
+        </p:spPr>
+      </p:pic>
+      <p:pic xmlns:a="http://schemas.openxmlformats.org/drawingml/2006/main" xmlns:r="http://schemas.openxmlformats.org/officeDocument/2006/relationships" xmlns:p="http://schemas.openxmlformats.org/presentationml/2006/main">
+        <p:nvPicPr>
+          <p:cNvPr id="3" name="Content Placeholder 3"/>
+          <p:cNvPicPr/>
+          <p:nvPr/>
+        </p:nvPicPr>
+        <p:blipFill>
+          <a:blip cstate="print" r:embed="rId3"/>
+          <a:stretch>
+            <a:fillRect/>
+          </a:stretch>
+        </p:blipFill>
+        <p:spPr>
+          <a:xfrm>
+            <a:off x="4648200" y="1600200"/>
+            <a:ext cx="4038600" cy="4525963"/>
+          </a:xfrm>
+          <a:prstGeom prst="rect">
+            <a:avLst/>
+          </a:prstGeom>
+        </p:spPr>
+      </p:pic>
+    </p:spTree>
+  </p:cSld>
+  <p:clrMapOvr>
+    <a:masterClrMapping/>
+  </p:clrMapOvr>
+</p:sld>
+</file>
+
+<file path=ppt/slides/slide5.xml><?xml version="1.0" encoding="utf-8"?>
 <p:sld xmlns:a="http://schemas.openxmlformats.org/drawingml/2006/main" xmlns:r="http://schemas.openxmlformats.org/officeDocument/2006/relationships" xmlns:p="http://schemas.openxmlformats.org/presentationml/2006/main">
   <p:cSld>
     <p:spTree>

--- a/2020_enero/2020 enero.pptx
+++ b/2020_enero/2020 enero.pptx
@@ -10,6 +10,10 @@
     <p:sldId id="258" r:id="rId10"/>
     <p:sldId id="259" r:id="rId11"/>
     <p:sldId id="260" r:id="rId12"/>
+    <p:sldId id="261" r:id="rId13"/>
+    <p:sldId id="262" r:id="rId14"/>
+    <p:sldId id="263" r:id="rId15"/>
+    <p:sldId id="264" r:id="rId16"/>
   </p:sldIdLst>
   <p:sldSz cx="9144000" cy="6858000" type="screen4x3"/>
   <p:notesSz cx="6858000" cy="9144000"/>
@@ -2267,7 +2271,7 @@
       </p:grpSpPr>
       <p:pic xmlns:a="http://schemas.openxmlformats.org/drawingml/2006/main" xmlns:r="http://schemas.openxmlformats.org/officeDocument/2006/relationships" xmlns:p="http://schemas.openxmlformats.org/presentationml/2006/main">
         <p:nvPicPr>
-          <p:cNvPr id="2" name="Content Placeholder 2"/>
+          <p:cNvPr id="2" name=""/>
           <p:cNvPicPr/>
           <p:nvPr/>
         </p:nvPicPr>
@@ -2279,8 +2283,8 @@
         </p:blipFill>
         <p:spPr>
           <a:xfrm>
-            <a:off x="457200" y="1600200"/>
-            <a:ext cx="8229600" cy="4525963"/>
+            <a:off x="0" y="0"/>
+            <a:ext cx="9144000" cy="6858000"/>
           </a:xfrm>
           <a:prstGeom prst="rect">
             <a:avLst/>
@@ -2314,7 +2318,7 @@
       </p:grpSpPr>
       <p:pic xmlns:a="http://schemas.openxmlformats.org/drawingml/2006/main" xmlns:r="http://schemas.openxmlformats.org/officeDocument/2006/relationships" xmlns:p="http://schemas.openxmlformats.org/presentationml/2006/main">
         <p:nvPicPr>
-          <p:cNvPr id="2" name="Content Placeholder 2"/>
+          <p:cNvPr id="2" name=""/>
           <p:cNvPicPr/>
           <p:nvPr/>
         </p:nvPicPr>
@@ -2326,8 +2330,8 @@
         </p:blipFill>
         <p:spPr>
           <a:xfrm>
-            <a:off x="457200" y="1600200"/>
-            <a:ext cx="8229600" cy="4525963"/>
+            <a:off x="0" y="0"/>
+            <a:ext cx="9144000" cy="6858000"/>
           </a:xfrm>
           <a:prstGeom prst="rect">
             <a:avLst/>
@@ -2430,7 +2434,7 @@
       </p:grpSpPr>
       <p:pic xmlns:a="http://schemas.openxmlformats.org/drawingml/2006/main" xmlns:r="http://schemas.openxmlformats.org/officeDocument/2006/relationships" xmlns:p="http://schemas.openxmlformats.org/presentationml/2006/main">
         <p:nvPicPr>
-          <p:cNvPr id="2" name="Content Placeholder 2"/>
+          <p:cNvPr id="2" name=""/>
           <p:cNvPicPr/>
           <p:nvPr/>
         </p:nvPicPr>
@@ -2442,8 +2446,196 @@
         </p:blipFill>
         <p:spPr>
           <a:xfrm>
-            <a:off x="457200" y="1600200"/>
-            <a:ext cx="8229600" cy="4525963"/>
+            <a:off x="0" y="0"/>
+            <a:ext cx="9144000" cy="6858000"/>
+          </a:xfrm>
+          <a:prstGeom prst="rect">
+            <a:avLst/>
+          </a:prstGeom>
+        </p:spPr>
+      </p:pic>
+    </p:spTree>
+  </p:cSld>
+  <p:clrMapOvr>
+    <a:masterClrMapping/>
+  </p:clrMapOvr>
+</p:sld>
+</file>
+
+<file path=ppt/slides/slide6.xml><?xml version="1.0" encoding="utf-8"?>
+<p:sld xmlns:a="http://schemas.openxmlformats.org/drawingml/2006/main" xmlns:r="http://schemas.openxmlformats.org/officeDocument/2006/relationships" xmlns:p="http://schemas.openxmlformats.org/presentationml/2006/main">
+  <p:cSld>
+    <p:spTree>
+      <p:nvGrpSpPr>
+        <p:cNvPr id="1" name=""/>
+        <p:cNvGrpSpPr/>
+        <p:nvPr/>
+      </p:nvGrpSpPr>
+      <p:grpSpPr>
+        <a:xfrm>
+          <a:off x="0" y="0"/>
+          <a:ext cx="0" cy="0"/>
+          <a:chOff x="0" y="0"/>
+          <a:chExt cx="0" cy="0"/>
+        </a:xfrm>
+      </p:grpSpPr>
+      <p:pic xmlns:a="http://schemas.openxmlformats.org/drawingml/2006/main" xmlns:r="http://schemas.openxmlformats.org/officeDocument/2006/relationships" xmlns:p="http://schemas.openxmlformats.org/presentationml/2006/main">
+        <p:nvPicPr>
+          <p:cNvPr id="2" name=""/>
+          <p:cNvPicPr/>
+          <p:nvPr/>
+        </p:nvPicPr>
+        <p:blipFill>
+          <a:blip cstate="print" r:embed="rId2"/>
+          <a:stretch>
+            <a:fillRect/>
+          </a:stretch>
+        </p:blipFill>
+        <p:spPr>
+          <a:xfrm>
+            <a:off x="0" y="0"/>
+            <a:ext cx="9144000" cy="6858000"/>
+          </a:xfrm>
+          <a:prstGeom prst="rect">
+            <a:avLst/>
+          </a:prstGeom>
+        </p:spPr>
+      </p:pic>
+    </p:spTree>
+  </p:cSld>
+  <p:clrMapOvr>
+    <a:masterClrMapping/>
+  </p:clrMapOvr>
+</p:sld>
+</file>
+
+<file path=ppt/slides/slide7.xml><?xml version="1.0" encoding="utf-8"?>
+<p:sld xmlns:a="http://schemas.openxmlformats.org/drawingml/2006/main" xmlns:r="http://schemas.openxmlformats.org/officeDocument/2006/relationships" xmlns:p="http://schemas.openxmlformats.org/presentationml/2006/main">
+  <p:cSld>
+    <p:spTree>
+      <p:nvGrpSpPr>
+        <p:cNvPr id="1" name=""/>
+        <p:cNvGrpSpPr/>
+        <p:nvPr/>
+      </p:nvGrpSpPr>
+      <p:grpSpPr>
+        <a:xfrm>
+          <a:off x="0" y="0"/>
+          <a:ext cx="0" cy="0"/>
+          <a:chOff x="0" y="0"/>
+          <a:chExt cx="0" cy="0"/>
+        </a:xfrm>
+      </p:grpSpPr>
+      <p:pic xmlns:a="http://schemas.openxmlformats.org/drawingml/2006/main" xmlns:r="http://schemas.openxmlformats.org/officeDocument/2006/relationships" xmlns:p="http://schemas.openxmlformats.org/presentationml/2006/main">
+        <p:nvPicPr>
+          <p:cNvPr id="2" name=""/>
+          <p:cNvPicPr/>
+          <p:nvPr/>
+        </p:nvPicPr>
+        <p:blipFill>
+          <a:blip cstate="print" r:embed="rId2"/>
+          <a:stretch>
+            <a:fillRect/>
+          </a:stretch>
+        </p:blipFill>
+        <p:spPr>
+          <a:xfrm>
+            <a:off x="0" y="0"/>
+            <a:ext cx="9144000" cy="6858000"/>
+          </a:xfrm>
+          <a:prstGeom prst="rect">
+            <a:avLst/>
+          </a:prstGeom>
+        </p:spPr>
+      </p:pic>
+    </p:spTree>
+  </p:cSld>
+  <p:clrMapOvr>
+    <a:masterClrMapping/>
+  </p:clrMapOvr>
+</p:sld>
+</file>
+
+<file path=ppt/slides/slide8.xml><?xml version="1.0" encoding="utf-8"?>
+<p:sld xmlns:a="http://schemas.openxmlformats.org/drawingml/2006/main" xmlns:r="http://schemas.openxmlformats.org/officeDocument/2006/relationships" xmlns:p="http://schemas.openxmlformats.org/presentationml/2006/main">
+  <p:cSld>
+    <p:spTree>
+      <p:nvGrpSpPr>
+        <p:cNvPr id="1" name=""/>
+        <p:cNvGrpSpPr/>
+        <p:nvPr/>
+      </p:nvGrpSpPr>
+      <p:grpSpPr>
+        <a:xfrm>
+          <a:off x="0" y="0"/>
+          <a:ext cx="0" cy="0"/>
+          <a:chOff x="0" y="0"/>
+          <a:chExt cx="0" cy="0"/>
+        </a:xfrm>
+      </p:grpSpPr>
+      <p:pic xmlns:a="http://schemas.openxmlformats.org/drawingml/2006/main" xmlns:r="http://schemas.openxmlformats.org/officeDocument/2006/relationships" xmlns:p="http://schemas.openxmlformats.org/presentationml/2006/main">
+        <p:nvPicPr>
+          <p:cNvPr id="2" name=""/>
+          <p:cNvPicPr/>
+          <p:nvPr/>
+        </p:nvPicPr>
+        <p:blipFill>
+          <a:blip cstate="print" r:embed="rId2"/>
+          <a:stretch>
+            <a:fillRect/>
+          </a:stretch>
+        </p:blipFill>
+        <p:spPr>
+          <a:xfrm>
+            <a:off x="0" y="0"/>
+            <a:ext cx="9144000" cy="6858000"/>
+          </a:xfrm>
+          <a:prstGeom prst="rect">
+            <a:avLst/>
+          </a:prstGeom>
+        </p:spPr>
+      </p:pic>
+    </p:spTree>
+  </p:cSld>
+  <p:clrMapOvr>
+    <a:masterClrMapping/>
+  </p:clrMapOvr>
+</p:sld>
+</file>
+
+<file path=ppt/slides/slide9.xml><?xml version="1.0" encoding="utf-8"?>
+<p:sld xmlns:a="http://schemas.openxmlformats.org/drawingml/2006/main" xmlns:r="http://schemas.openxmlformats.org/officeDocument/2006/relationships" xmlns:p="http://schemas.openxmlformats.org/presentationml/2006/main">
+  <p:cSld>
+    <p:spTree>
+      <p:nvGrpSpPr>
+        <p:cNvPr id="1" name=""/>
+        <p:cNvGrpSpPr/>
+        <p:nvPr/>
+      </p:nvGrpSpPr>
+      <p:grpSpPr>
+        <a:xfrm>
+          <a:off x="0" y="0"/>
+          <a:ext cx="0" cy="0"/>
+          <a:chOff x="0" y="0"/>
+          <a:chExt cx="0" cy="0"/>
+        </a:xfrm>
+      </p:grpSpPr>
+      <p:pic xmlns:a="http://schemas.openxmlformats.org/drawingml/2006/main" xmlns:r="http://schemas.openxmlformats.org/officeDocument/2006/relationships" xmlns:p="http://schemas.openxmlformats.org/presentationml/2006/main">
+        <p:nvPicPr>
+          <p:cNvPr id="2" name=""/>
+          <p:cNvPicPr/>
+          <p:nvPr/>
+        </p:nvPicPr>
+        <p:blipFill>
+          <a:blip cstate="print" r:embed="rId2"/>
+          <a:stretch>
+            <a:fillRect/>
+          </a:stretch>
+        </p:blipFill>
+        <p:spPr>
+          <a:xfrm>
+            <a:off x="0" y="0"/>
+            <a:ext cx="9144000" cy="6858000"/>
           </a:xfrm>
           <a:prstGeom prst="rect">
             <a:avLst/>

--- a/2020_enero/2020 enero.pptx
+++ b/2020_enero/2020 enero.pptx
@@ -14,6 +14,15 @@
     <p:sldId id="262" r:id="rId14"/>
     <p:sldId id="263" r:id="rId15"/>
     <p:sldId id="264" r:id="rId16"/>
+    <p:sldId id="265" r:id="rId17"/>
+    <p:sldId id="266" r:id="rId18"/>
+    <p:sldId id="267" r:id="rId19"/>
+    <p:sldId id="268" r:id="rId20"/>
+    <p:sldId id="269" r:id="rId21"/>
+    <p:sldId id="270" r:id="rId22"/>
+    <p:sldId id="271" r:id="rId23"/>
+    <p:sldId id="272" r:id="rId24"/>
+    <p:sldId id="273" r:id="rId25"/>
   </p:sldIdLst>
   <p:sldSz cx="9144000" cy="6858000" type="screen4x3"/>
   <p:notesSz cx="6858000" cy="9144000"/>
@@ -2222,6 +2231,5738 @@
           <a:chExt cx="0" cy="0"/>
         </a:xfrm>
       </p:grpSpPr>
+      <p:sp xmlns:a="http://schemas.openxmlformats.org/drawingml/2006/main" xmlns:r="http://schemas.openxmlformats.org/officeDocument/2006/relationships" xmlns:p="http://schemas.openxmlformats.org/presentationml/2006/main">
+        <p:nvSpPr>
+          <p:cNvPr id="2" name="Title 1"/>
+          <p:cNvSpPr>
+            <a:spLocks noGrp="1"/>
+          </p:cNvSpPr>
+          <p:nvPr>
+            <p:ph type="title"/>
+          </p:nvPr>
+        </p:nvSpPr>
+        <p:spPr>
+          <a:xfrm rot="-0">
+            <a:off x="457200" y="274638"/>
+            <a:ext cx="8229600" cy="1143000"/>
+          </a:xfrm>
+        </p:spPr>
+        <p:txBody>
+          <a:bodyPr/>
+          <a:lstStyle/>
+          <a:p>
+            <a:r>
+              <a:rPr/>
+              <a:t>Descripción de muestra</a:t>
+            </a:r>
+          </a:p>
+        </p:txBody>
+      </p:sp>
+    </p:spTree>
+  </p:cSld>
+  <p:clrMapOvr>
+    <a:masterClrMapping/>
+  </p:clrMapOvr>
+</p:sld>
+</file>
+
+<file path=ppt/slides/slide10.xml><?xml version="1.0" encoding="utf-8"?>
+<p:sld xmlns:a="http://schemas.openxmlformats.org/drawingml/2006/main" xmlns:r="http://schemas.openxmlformats.org/officeDocument/2006/relationships" xmlns:p="http://schemas.openxmlformats.org/presentationml/2006/main">
+  <p:cSld>
+    <p:spTree>
+      <p:nvGrpSpPr>
+        <p:cNvPr id="1" name=""/>
+        <p:cNvGrpSpPr/>
+        <p:nvPr/>
+      </p:nvGrpSpPr>
+      <p:grpSpPr>
+        <a:xfrm>
+          <a:off x="0" y="0"/>
+          <a:ext cx="0" cy="0"/>
+          <a:chOff x="0" y="0"/>
+          <a:chExt cx="0" cy="0"/>
+        </a:xfrm>
+      </p:grpSpPr>
+      <p:pic xmlns:a="http://schemas.openxmlformats.org/drawingml/2006/main" xmlns:r="http://schemas.openxmlformats.org/officeDocument/2006/relationships" xmlns:p="http://schemas.openxmlformats.org/presentationml/2006/main">
+        <p:nvPicPr>
+          <p:cNvPr id="2" name=""/>
+          <p:cNvPicPr/>
+          <p:nvPr/>
+        </p:nvPicPr>
+        <p:blipFill>
+          <a:blip cstate="print" r:embed="rId2"/>
+          <a:stretch>
+            <a:fillRect/>
+          </a:stretch>
+        </p:blipFill>
+        <p:spPr>
+          <a:xfrm>
+            <a:off x="0" y="0"/>
+            <a:ext cx="9144000" cy="6858000"/>
+          </a:xfrm>
+          <a:prstGeom prst="rect">
+            <a:avLst/>
+          </a:prstGeom>
+        </p:spPr>
+      </p:pic>
+    </p:spTree>
+  </p:cSld>
+  <p:clrMapOvr>
+    <a:masterClrMapping/>
+  </p:clrMapOvr>
+</p:sld>
+</file>
+
+<file path=ppt/slides/slide11.xml><?xml version="1.0" encoding="utf-8"?>
+<p:sld xmlns:a="http://schemas.openxmlformats.org/drawingml/2006/main" xmlns:r="http://schemas.openxmlformats.org/officeDocument/2006/relationships" xmlns:p="http://schemas.openxmlformats.org/presentationml/2006/main">
+  <p:cSld>
+    <p:spTree>
+      <p:nvGrpSpPr>
+        <p:cNvPr id="1" name=""/>
+        <p:cNvGrpSpPr/>
+        <p:nvPr/>
+      </p:nvGrpSpPr>
+      <p:grpSpPr>
+        <a:xfrm>
+          <a:off x="0" y="0"/>
+          <a:ext cx="0" cy="0"/>
+          <a:chOff x="0" y="0"/>
+          <a:chExt cx="0" cy="0"/>
+        </a:xfrm>
+      </p:grpSpPr>
+      <p:pic xmlns:a="http://schemas.openxmlformats.org/drawingml/2006/main" xmlns:r="http://schemas.openxmlformats.org/officeDocument/2006/relationships" xmlns:p="http://schemas.openxmlformats.org/presentationml/2006/main">
+        <p:nvPicPr>
+          <p:cNvPr id="2" name=""/>
+          <p:cNvPicPr/>
+          <p:nvPr/>
+        </p:nvPicPr>
+        <p:blipFill>
+          <a:blip cstate="print" r:embed="rId2"/>
+          <a:stretch>
+            <a:fillRect/>
+          </a:stretch>
+        </p:blipFill>
+        <p:spPr>
+          <a:xfrm>
+            <a:off x="0" y="0"/>
+            <a:ext cx="9144000" cy="6858000"/>
+          </a:xfrm>
+          <a:prstGeom prst="rect">
+            <a:avLst/>
+          </a:prstGeom>
+        </p:spPr>
+      </p:pic>
+    </p:spTree>
+  </p:cSld>
+  <p:clrMapOvr>
+    <a:masterClrMapping/>
+  </p:clrMapOvr>
+</p:sld>
+</file>
+
+<file path=ppt/slides/slide12.xml><?xml version="1.0" encoding="utf-8"?>
+<p:sld xmlns:a="http://schemas.openxmlformats.org/drawingml/2006/main" xmlns:r="http://schemas.openxmlformats.org/officeDocument/2006/relationships" xmlns:p="http://schemas.openxmlformats.org/presentationml/2006/main">
+  <p:cSld>
+    <p:spTree>
+      <p:nvGrpSpPr>
+        <p:cNvPr id="1" name=""/>
+        <p:cNvGrpSpPr/>
+        <p:nvPr/>
+      </p:nvGrpSpPr>
+      <p:grpSpPr>
+        <a:xfrm>
+          <a:off x="0" y="0"/>
+          <a:ext cx="0" cy="0"/>
+          <a:chOff x="0" y="0"/>
+          <a:chExt cx="0" cy="0"/>
+        </a:xfrm>
+      </p:grpSpPr>
+      <p:sp xmlns:a="http://schemas.openxmlformats.org/drawingml/2006/main" xmlns:r="http://schemas.openxmlformats.org/officeDocument/2006/relationships" xmlns:p="http://schemas.openxmlformats.org/presentationml/2006/main">
+        <p:nvSpPr>
+          <p:cNvPr id="2" name="Title 1"/>
+          <p:cNvSpPr>
+            <a:spLocks noGrp="1"/>
+          </p:cNvSpPr>
+          <p:nvPr>
+            <p:ph type="title"/>
+          </p:nvPr>
+        </p:nvSpPr>
+        <p:spPr>
+          <a:xfrm rot="-0">
+            <a:off x="457200" y="274638"/>
+            <a:ext cx="8229600" cy="1143000"/>
+          </a:xfrm>
+        </p:spPr>
+        <p:txBody>
+          <a:bodyPr/>
+          <a:lstStyle/>
+          <a:p>
+            <a:r>
+              <a:rPr/>
+              <a:t>Correlaciones</a:t>
+            </a:r>
+          </a:p>
+        </p:txBody>
+      </p:sp>
+    </p:spTree>
+  </p:cSld>
+  <p:clrMapOvr>
+    <a:masterClrMapping/>
+  </p:clrMapOvr>
+</p:sld>
+</file>
+
+<file path=ppt/slides/slide13.xml><?xml version="1.0" encoding="utf-8"?>
+<p:sld xmlns:a="http://schemas.openxmlformats.org/drawingml/2006/main" xmlns:r="http://schemas.openxmlformats.org/officeDocument/2006/relationships" xmlns:p="http://schemas.openxmlformats.org/presentationml/2006/main">
+  <p:cSld>
+    <p:spTree>
+      <p:nvGrpSpPr>
+        <p:cNvPr id="1" name=""/>
+        <p:cNvGrpSpPr/>
+        <p:nvPr/>
+      </p:nvGrpSpPr>
+      <p:grpSpPr>
+        <a:xfrm>
+          <a:off x="0" y="0"/>
+          <a:ext cx="0" cy="0"/>
+          <a:chOff x="0" y="0"/>
+          <a:chExt cx="0" cy="0"/>
+        </a:xfrm>
+      </p:grpSpPr>
+      <p:sp xmlns:a="http://schemas.openxmlformats.org/drawingml/2006/main" xmlns:r="http://schemas.openxmlformats.org/officeDocument/2006/relationships" xmlns:p="http://schemas.openxmlformats.org/presentationml/2006/main">
+        <p:nvSpPr>
+          <p:cNvPr id="2" name="Title 1"/>
+          <p:cNvSpPr>
+            <a:spLocks noGrp="1"/>
+          </p:cNvSpPr>
+          <p:nvPr>
+            <p:ph type="title"/>
+          </p:nvPr>
+        </p:nvSpPr>
+        <p:spPr>
+          <a:xfrm rot="-0">
+            <a:off x="457200" y="274638"/>
+            <a:ext cx="8229600" cy="1143000"/>
+          </a:xfrm>
+        </p:spPr>
+        <p:txBody>
+          <a:bodyPr/>
+          <a:lstStyle/>
+          <a:p>
+            <a:r>
+              <a:rPr/>
+              <a:t>Confianza en esperanza por cambio de constitución</a:t>
+            </a:r>
+          </a:p>
+        </p:txBody>
+      </p:sp>
+      <p:graphicFrame xmlns:a="http://schemas.openxmlformats.org/drawingml/2006/main" xmlns:r="http://schemas.openxmlformats.org/officeDocument/2006/relationships" xmlns:p="http://schemas.openxmlformats.org/presentationml/2006/main">
+        <p:nvGraphicFramePr>
+          <p:cNvPr id="3" name=""/>
+          <p:cNvGraphicFramePr>
+            <a:graphicFrameLocks noGrp="true"/>
+          </p:cNvGraphicFramePr>
+          <p:nvPr/>
+        </p:nvGraphicFramePr>
+        <p:xfrm rot="0">
+          <a:off x="1828800" y="2743200"/>
+          <a:ext cx="36576000" cy="45720000"/>
+        </p:xfrm>
+        <a:graphic>
+          <a:graphicData uri="http://schemas.openxmlformats.org/drawingml/2006/table">
+            <a:tbl>
+              <a:tblPr/>
+              <a:tblGrid>
+                <a:gridCol w="1371600"/>
+                <a:gridCol w="1371600"/>
+                <a:gridCol w="1371600"/>
+                <a:gridCol w="1371600"/>
+              </a:tblGrid>
+              <a:tr h="457200">
+                <a:tc>
+                  <a:txBody>
+                    <a:bodyPr/>
+                    <a:lstStyle/>
+                    <a:p>
+                      <a:pPr algn="ctr" marL="63500" marR="63500">
+                        <a:spcBef>
+                          <a:spcPts val="200"/>
+                        </a:spcBef>
+                        <a:spcAft>
+                          <a:spcPts val="200"/>
+                        </a:spcAft>
+                        <a:buNone/>
+                      </a:pPr>
+                      <a:r>
+                        <a:rPr sz="1100" b="1">
+                          <a:solidFill>
+                            <a:srgbClr val="111111">
+                              <a:alpha val="100000"/>
+                            </a:srgbClr>
+                          </a:solidFill>
+                          <a:latin typeface="Arial"/>
+                          <a:cs typeface="Arial"/>
+                          <a:highlight>
+                            <a:srgbClr val="FFFFFF">
+                              <a:alpha val="0"/>
+                            </a:srgbClr>
+                          </a:highlight>
+                        </a:rPr>
+                        <a:t>rowname</a:t>
+                      </a:r>
+                    </a:p>
+                  </a:txBody>
+                  <a:tcPr anchor="ctr" marB="0" marT="0" marR="0" marL="0">
+                    <a:lnL w="0" cmpd="sng" algn="ctr" cap="flat">
+                      <a:solidFill>
+                        <a:srgbClr val="FFFFFF">
+                          <a:alpha val="0"/>
+                        </a:srgbClr>
+                      </a:solidFill>
+                      <a:prstDash val="solid"/>
+                    </a:lnL>
+                    <a:lnR w="0" cmpd="sng" algn="ctr" cap="flat">
+                      <a:solidFill>
+                        <a:srgbClr val="FFFFFF">
+                          <a:alpha val="0"/>
+                        </a:srgbClr>
+                      </a:solidFill>
+                      <a:prstDash val="solid"/>
+                    </a:lnR>
+                    <a:lnT w="25400" cmpd="sng" algn="ctr" cap="flat">
+                      <a:solidFill>
+                        <a:srgbClr val="000000">
+                          <a:alpha val="100000"/>
+                        </a:srgbClr>
+                      </a:solidFill>
+                      <a:prstDash val="solid"/>
+                    </a:lnT>
+                    <a:lnB w="25400" cmpd="sng" algn="ctr" cap="flat">
+                      <a:solidFill>
+                        <a:srgbClr val="000000">
+                          <a:alpha val="100000"/>
+                        </a:srgbClr>
+                      </a:solidFill>
+                      <a:prstDash val="solid"/>
+                    </a:lnB>
+                  </a:tcPr>
+                </a:tc>
+                <a:tc>
+                  <a:txBody>
+                    <a:bodyPr/>
+                    <a:lstStyle/>
+                    <a:p>
+                      <a:pPr algn="ctr" marL="63500" marR="63500">
+                        <a:spcBef>
+                          <a:spcPts val="200"/>
+                        </a:spcBef>
+                        <a:spcAft>
+                          <a:spcPts val="200"/>
+                        </a:spcAft>
+                        <a:buNone/>
+                      </a:pPr>
+                      <a:r>
+                        <a:rPr sz="1100" b="1">
+                          <a:solidFill>
+                            <a:srgbClr val="111111">
+                              <a:alpha val="100000"/>
+                            </a:srgbClr>
+                          </a:solidFill>
+                          <a:latin typeface="Arial"/>
+                          <a:cs typeface="Arial"/>
+                          <a:highlight>
+                            <a:srgbClr val="FFFFFF">
+                              <a:alpha val="0"/>
+                            </a:srgbClr>
+                          </a:highlight>
+                        </a:rPr>
+                        <a:t>OR</a:t>
+                      </a:r>
+                    </a:p>
+                  </a:txBody>
+                  <a:tcPr anchor="ctr" marB="0" marT="0" marR="0" marL="0">
+                    <a:lnL w="0" cmpd="sng" algn="ctr" cap="flat">
+                      <a:solidFill>
+                        <a:srgbClr val="FFFFFF">
+                          <a:alpha val="0"/>
+                        </a:srgbClr>
+                      </a:solidFill>
+                      <a:prstDash val="solid"/>
+                    </a:lnL>
+                    <a:lnR w="0" cmpd="sng" algn="ctr" cap="flat">
+                      <a:solidFill>
+                        <a:srgbClr val="FFFFFF">
+                          <a:alpha val="0"/>
+                        </a:srgbClr>
+                      </a:solidFill>
+                      <a:prstDash val="solid"/>
+                    </a:lnR>
+                    <a:lnT w="25400" cmpd="sng" algn="ctr" cap="flat">
+                      <a:solidFill>
+                        <a:srgbClr val="000000">
+                          <a:alpha val="100000"/>
+                        </a:srgbClr>
+                      </a:solidFill>
+                      <a:prstDash val="solid"/>
+                    </a:lnT>
+                    <a:lnB w="25400" cmpd="sng" algn="ctr" cap="flat">
+                      <a:solidFill>
+                        <a:srgbClr val="000000">
+                          <a:alpha val="100000"/>
+                        </a:srgbClr>
+                      </a:solidFill>
+                      <a:prstDash val="solid"/>
+                    </a:lnB>
+                  </a:tcPr>
+                </a:tc>
+                <a:tc>
+                  <a:txBody>
+                    <a:bodyPr/>
+                    <a:lstStyle/>
+                    <a:p>
+                      <a:pPr algn="ctr" marL="63500" marR="63500">
+                        <a:spcBef>
+                          <a:spcPts val="200"/>
+                        </a:spcBef>
+                        <a:spcAft>
+                          <a:spcPts val="200"/>
+                        </a:spcAft>
+                        <a:buNone/>
+                      </a:pPr>
+                      <a:r>
+                        <a:rPr sz="1100" b="1">
+                          <a:solidFill>
+                            <a:srgbClr val="111111">
+                              <a:alpha val="100000"/>
+                            </a:srgbClr>
+                          </a:solidFill>
+                          <a:latin typeface="Arial"/>
+                          <a:cs typeface="Arial"/>
+                          <a:highlight>
+                            <a:srgbClr val="FFFFFF">
+                              <a:alpha val="0"/>
+                            </a:srgbClr>
+                          </a:highlight>
+                        </a:rPr>
+                        <a:t>2.5 %</a:t>
+                      </a:r>
+                    </a:p>
+                  </a:txBody>
+                  <a:tcPr anchor="ctr" marB="0" marT="0" marR="0" marL="0">
+                    <a:lnL w="0" cmpd="sng" algn="ctr" cap="flat">
+                      <a:solidFill>
+                        <a:srgbClr val="FFFFFF">
+                          <a:alpha val="0"/>
+                        </a:srgbClr>
+                      </a:solidFill>
+                      <a:prstDash val="solid"/>
+                    </a:lnL>
+                    <a:lnR w="0" cmpd="sng" algn="ctr" cap="flat">
+                      <a:solidFill>
+                        <a:srgbClr val="FFFFFF">
+                          <a:alpha val="0"/>
+                        </a:srgbClr>
+                      </a:solidFill>
+                      <a:prstDash val="solid"/>
+                    </a:lnR>
+                    <a:lnT w="25400" cmpd="sng" algn="ctr" cap="flat">
+                      <a:solidFill>
+                        <a:srgbClr val="000000">
+                          <a:alpha val="100000"/>
+                        </a:srgbClr>
+                      </a:solidFill>
+                      <a:prstDash val="solid"/>
+                    </a:lnT>
+                    <a:lnB w="25400" cmpd="sng" algn="ctr" cap="flat">
+                      <a:solidFill>
+                        <a:srgbClr val="000000">
+                          <a:alpha val="100000"/>
+                        </a:srgbClr>
+                      </a:solidFill>
+                      <a:prstDash val="solid"/>
+                    </a:lnB>
+                  </a:tcPr>
+                </a:tc>
+                <a:tc>
+                  <a:txBody>
+                    <a:bodyPr/>
+                    <a:lstStyle/>
+                    <a:p>
+                      <a:pPr algn="ctr" marL="63500" marR="63500">
+                        <a:spcBef>
+                          <a:spcPts val="200"/>
+                        </a:spcBef>
+                        <a:spcAft>
+                          <a:spcPts val="200"/>
+                        </a:spcAft>
+                        <a:buNone/>
+                      </a:pPr>
+                      <a:r>
+                        <a:rPr sz="1100" b="1">
+                          <a:solidFill>
+                            <a:srgbClr val="111111">
+                              <a:alpha val="100000"/>
+                            </a:srgbClr>
+                          </a:solidFill>
+                          <a:latin typeface="Arial"/>
+                          <a:cs typeface="Arial"/>
+                          <a:highlight>
+                            <a:srgbClr val="FFFFFF">
+                              <a:alpha val="0"/>
+                            </a:srgbClr>
+                          </a:highlight>
+                        </a:rPr>
+                        <a:t>97.5 %</a:t>
+                      </a:r>
+                    </a:p>
+                  </a:txBody>
+                  <a:tcPr anchor="ctr" marB="0" marT="0" marR="0" marL="0">
+                    <a:lnL w="0" cmpd="sng" algn="ctr" cap="flat">
+                      <a:solidFill>
+                        <a:srgbClr val="FFFFFF">
+                          <a:alpha val="0"/>
+                        </a:srgbClr>
+                      </a:solidFill>
+                      <a:prstDash val="solid"/>
+                    </a:lnL>
+                    <a:lnR w="0" cmpd="sng" algn="ctr" cap="flat">
+                      <a:solidFill>
+                        <a:srgbClr val="FFFFFF">
+                          <a:alpha val="0"/>
+                        </a:srgbClr>
+                      </a:solidFill>
+                      <a:prstDash val="solid"/>
+                    </a:lnR>
+                    <a:lnT w="25400" cmpd="sng" algn="ctr" cap="flat">
+                      <a:solidFill>
+                        <a:srgbClr val="000000">
+                          <a:alpha val="100000"/>
+                        </a:srgbClr>
+                      </a:solidFill>
+                      <a:prstDash val="solid"/>
+                    </a:lnT>
+                    <a:lnB w="25400" cmpd="sng" algn="ctr" cap="flat">
+                      <a:solidFill>
+                        <a:srgbClr val="000000">
+                          <a:alpha val="100000"/>
+                        </a:srgbClr>
+                      </a:solidFill>
+                      <a:prstDash val="solid"/>
+                    </a:lnB>
+                  </a:tcPr>
+                </a:tc>
+              </a:tr>
+              <a:tr h="457200">
+                <a:tc>
+                  <a:txBody>
+                    <a:bodyPr/>
+                    <a:lstStyle/>
+                    <a:p>
+                      <a:pPr algn="ctr" marL="63500" marR="63500">
+                        <a:spcBef>
+                          <a:spcPts val="200"/>
+                        </a:spcBef>
+                        <a:spcAft>
+                          <a:spcPts val="200"/>
+                        </a:spcAft>
+                        <a:buNone/>
+                      </a:pPr>
+                      <a:r>
+                        <a:rPr sz="1100">
+                          <a:solidFill>
+                            <a:srgbClr val="111111">
+                              <a:alpha val="100000"/>
+                            </a:srgbClr>
+                          </a:solidFill>
+                          <a:latin typeface="Arial"/>
+                          <a:cs typeface="Arial"/>
+                          <a:highlight>
+                            <a:srgbClr val="FFFFFF">
+                              <a:alpha val="0"/>
+                            </a:srgbClr>
+                          </a:highlight>
+                        </a:rPr>
+                        <a:t>nse</a:t>
+                      </a:r>
+                    </a:p>
+                  </a:txBody>
+                  <a:tcPr anchor="ctr" marB="0" marT="0" marR="0" marL="0">
+                    <a:lnL w="0" cmpd="sng" algn="ctr" cap="flat">
+                      <a:solidFill>
+                        <a:srgbClr val="FFFFFF">
+                          <a:alpha val="0"/>
+                        </a:srgbClr>
+                      </a:solidFill>
+                      <a:prstDash val="solid"/>
+                    </a:lnL>
+                    <a:lnR w="0" cmpd="sng" algn="ctr" cap="flat">
+                      <a:solidFill>
+                        <a:srgbClr val="FFFFFF">
+                          <a:alpha val="0"/>
+                        </a:srgbClr>
+                      </a:solidFill>
+                      <a:prstDash val="solid"/>
+                    </a:lnR>
+                    <a:lnT w="0" cmpd="sng" algn="ctr" cap="flat">
+                      <a:solidFill>
+                        <a:srgbClr val="FFFFFF">
+                          <a:alpha val="0"/>
+                        </a:srgbClr>
+                      </a:solidFill>
+                      <a:prstDash val="solid"/>
+                    </a:lnT>
+                    <a:lnB w="0" cmpd="sng" algn="ctr" cap="flat">
+                      <a:solidFill>
+                        <a:srgbClr val="FFFFFF">
+                          <a:alpha val="0"/>
+                        </a:srgbClr>
+                      </a:solidFill>
+                      <a:prstDash val="solid"/>
+                    </a:lnB>
+                  </a:tcPr>
+                </a:tc>
+                <a:tc>
+                  <a:txBody>
+                    <a:bodyPr/>
+                    <a:lstStyle/>
+                    <a:p>
+                      <a:pPr algn="ctr" marL="63500" marR="63500">
+                        <a:spcBef>
+                          <a:spcPts val="200"/>
+                        </a:spcBef>
+                        <a:spcAft>
+                          <a:spcPts val="200"/>
+                        </a:spcAft>
+                        <a:buNone/>
+                      </a:pPr>
+                      <a:r>
+                        <a:rPr sz="1100">
+                          <a:solidFill>
+                            <a:srgbClr val="111111">
+                              <a:alpha val="100000"/>
+                            </a:srgbClr>
+                          </a:solidFill>
+                          <a:latin typeface="Arial"/>
+                          <a:cs typeface="Arial"/>
+                          <a:highlight>
+                            <a:srgbClr val="FFFFFF">
+                              <a:alpha val="0"/>
+                            </a:srgbClr>
+                          </a:highlight>
+                        </a:rPr>
+                        <a:t>0.8035536</a:t>
+                      </a:r>
+                    </a:p>
+                  </a:txBody>
+                  <a:tcPr anchor="ctr" marB="0" marT="0" marR="0" marL="0">
+                    <a:lnL w="0" cmpd="sng" algn="ctr" cap="flat">
+                      <a:solidFill>
+                        <a:srgbClr val="FFFFFF">
+                          <a:alpha val="0"/>
+                        </a:srgbClr>
+                      </a:solidFill>
+                      <a:prstDash val="solid"/>
+                    </a:lnL>
+                    <a:lnR w="0" cmpd="sng" algn="ctr" cap="flat">
+                      <a:solidFill>
+                        <a:srgbClr val="FFFFFF">
+                          <a:alpha val="0"/>
+                        </a:srgbClr>
+                      </a:solidFill>
+                      <a:prstDash val="solid"/>
+                    </a:lnR>
+                    <a:lnT w="0" cmpd="sng" algn="ctr" cap="flat">
+                      <a:solidFill>
+                        <a:srgbClr val="FFFFFF">
+                          <a:alpha val="0"/>
+                        </a:srgbClr>
+                      </a:solidFill>
+                      <a:prstDash val="solid"/>
+                    </a:lnT>
+                    <a:lnB w="0" cmpd="sng" algn="ctr" cap="flat">
+                      <a:solidFill>
+                        <a:srgbClr val="FFFFFF">
+                          <a:alpha val="0"/>
+                        </a:srgbClr>
+                      </a:solidFill>
+                      <a:prstDash val="solid"/>
+                    </a:lnB>
+                  </a:tcPr>
+                </a:tc>
+                <a:tc>
+                  <a:txBody>
+                    <a:bodyPr/>
+                    <a:lstStyle/>
+                    <a:p>
+                      <a:pPr algn="ctr" marL="63500" marR="63500">
+                        <a:spcBef>
+                          <a:spcPts val="200"/>
+                        </a:spcBef>
+                        <a:spcAft>
+                          <a:spcPts val="200"/>
+                        </a:spcAft>
+                        <a:buNone/>
+                      </a:pPr>
+                      <a:r>
+                        <a:rPr sz="1100">
+                          <a:solidFill>
+                            <a:srgbClr val="111111">
+                              <a:alpha val="100000"/>
+                            </a:srgbClr>
+                          </a:solidFill>
+                          <a:latin typeface="Arial"/>
+                          <a:cs typeface="Arial"/>
+                          <a:highlight>
+                            <a:srgbClr val="FFFFFF">
+                              <a:alpha val="0"/>
+                            </a:srgbClr>
+                          </a:highlight>
+                        </a:rPr>
+                        <a:t>-0.44692370</a:t>
+                      </a:r>
+                    </a:p>
+                  </a:txBody>
+                  <a:tcPr anchor="ctr" marB="0" marT="0" marR="0" marL="0">
+                    <a:lnL w="0" cmpd="sng" algn="ctr" cap="flat">
+                      <a:solidFill>
+                        <a:srgbClr val="FFFFFF">
+                          <a:alpha val="0"/>
+                        </a:srgbClr>
+                      </a:solidFill>
+                      <a:prstDash val="solid"/>
+                    </a:lnL>
+                    <a:lnR w="0" cmpd="sng" algn="ctr" cap="flat">
+                      <a:solidFill>
+                        <a:srgbClr val="FFFFFF">
+                          <a:alpha val="0"/>
+                        </a:srgbClr>
+                      </a:solidFill>
+                      <a:prstDash val="solid"/>
+                    </a:lnR>
+                    <a:lnT w="0" cmpd="sng" algn="ctr" cap="flat">
+                      <a:solidFill>
+                        <a:srgbClr val="FFFFFF">
+                          <a:alpha val="0"/>
+                        </a:srgbClr>
+                      </a:solidFill>
+                      <a:prstDash val="solid"/>
+                    </a:lnT>
+                    <a:lnB w="0" cmpd="sng" algn="ctr" cap="flat">
+                      <a:solidFill>
+                        <a:srgbClr val="FFFFFF">
+                          <a:alpha val="0"/>
+                        </a:srgbClr>
+                      </a:solidFill>
+                      <a:prstDash val="solid"/>
+                    </a:lnB>
+                  </a:tcPr>
+                </a:tc>
+                <a:tc>
+                  <a:txBody>
+                    <a:bodyPr/>
+                    <a:lstStyle/>
+                    <a:p>
+                      <a:pPr algn="ctr" marL="63500" marR="63500">
+                        <a:spcBef>
+                          <a:spcPts val="200"/>
+                        </a:spcBef>
+                        <a:spcAft>
+                          <a:spcPts val="200"/>
+                        </a:spcAft>
+                        <a:buNone/>
+                      </a:pPr>
+                      <a:r>
+                        <a:rPr sz="1100">
+                          <a:solidFill>
+                            <a:srgbClr val="111111">
+                              <a:alpha val="100000"/>
+                            </a:srgbClr>
+                          </a:solidFill>
+                          <a:latin typeface="Arial"/>
+                          <a:cs typeface="Arial"/>
+                          <a:highlight>
+                            <a:srgbClr val="FFFFFF">
+                              <a:alpha val="0"/>
+                            </a:srgbClr>
+                          </a:highlight>
+                        </a:rPr>
+                        <a:t>0.005879808</a:t>
+                      </a:r>
+                    </a:p>
+                  </a:txBody>
+                  <a:tcPr anchor="ctr" marB="0" marT="0" marR="0" marL="0">
+                    <a:lnL w="0" cmpd="sng" algn="ctr" cap="flat">
+                      <a:solidFill>
+                        <a:srgbClr val="FFFFFF">
+                          <a:alpha val="0"/>
+                        </a:srgbClr>
+                      </a:solidFill>
+                      <a:prstDash val="solid"/>
+                    </a:lnL>
+                    <a:lnR w="0" cmpd="sng" algn="ctr" cap="flat">
+                      <a:solidFill>
+                        <a:srgbClr val="FFFFFF">
+                          <a:alpha val="0"/>
+                        </a:srgbClr>
+                      </a:solidFill>
+                      <a:prstDash val="solid"/>
+                    </a:lnR>
+                    <a:lnT w="0" cmpd="sng" algn="ctr" cap="flat">
+                      <a:solidFill>
+                        <a:srgbClr val="FFFFFF">
+                          <a:alpha val="0"/>
+                        </a:srgbClr>
+                      </a:solidFill>
+                      <a:prstDash val="solid"/>
+                    </a:lnT>
+                    <a:lnB w="0" cmpd="sng" algn="ctr" cap="flat">
+                      <a:solidFill>
+                        <a:srgbClr val="FFFFFF">
+                          <a:alpha val="0"/>
+                        </a:srgbClr>
+                      </a:solidFill>
+                      <a:prstDash val="solid"/>
+                    </a:lnB>
+                  </a:tcPr>
+                </a:tc>
+              </a:tr>
+              <a:tr h="457200">
+                <a:tc>
+                  <a:txBody>
+                    <a:bodyPr/>
+                    <a:lstStyle/>
+                    <a:p>
+                      <a:pPr algn="ctr" marL="63500" marR="63500">
+                        <a:spcBef>
+                          <a:spcPts val="200"/>
+                        </a:spcBef>
+                        <a:spcAft>
+                          <a:spcPts val="200"/>
+                        </a:spcAft>
+                        <a:buNone/>
+                      </a:pPr>
+                      <a:r>
+                        <a:rPr sz="1100">
+                          <a:solidFill>
+                            <a:srgbClr val="111111">
+                              <a:alpha val="100000"/>
+                            </a:srgbClr>
+                          </a:solidFill>
+                          <a:latin typeface="Arial"/>
+                          <a:cs typeface="Arial"/>
+                          <a:highlight>
+                            <a:srgbClr val="FFFFFF">
+                              <a:alpha val="0"/>
+                            </a:srgbClr>
+                          </a:highlight>
+                        </a:rPr>
+                        <a:t>esc</a:t>
+                      </a:r>
+                    </a:p>
+                  </a:txBody>
+                  <a:tcPr anchor="ctr" marB="0" marT="0" marR="0" marL="0">
+                    <a:lnL w="0" cmpd="sng" algn="ctr" cap="flat">
+                      <a:solidFill>
+                        <a:srgbClr val="FFFFFF">
+                          <a:alpha val="0"/>
+                        </a:srgbClr>
+                      </a:solidFill>
+                      <a:prstDash val="solid"/>
+                    </a:lnL>
+                    <a:lnR w="0" cmpd="sng" algn="ctr" cap="flat">
+                      <a:solidFill>
+                        <a:srgbClr val="FFFFFF">
+                          <a:alpha val="0"/>
+                        </a:srgbClr>
+                      </a:solidFill>
+                      <a:prstDash val="solid"/>
+                    </a:lnR>
+                    <a:lnT w="0" cmpd="sng" algn="ctr" cap="flat">
+                      <a:solidFill>
+                        <a:srgbClr val="FFFFFF">
+                          <a:alpha val="0"/>
+                        </a:srgbClr>
+                      </a:solidFill>
+                      <a:prstDash val="solid"/>
+                    </a:lnT>
+                    <a:lnB w="0" cmpd="sng" algn="ctr" cap="flat">
+                      <a:solidFill>
+                        <a:srgbClr val="FFFFFF">
+                          <a:alpha val="0"/>
+                        </a:srgbClr>
+                      </a:solidFill>
+                      <a:prstDash val="solid"/>
+                    </a:lnB>
+                  </a:tcPr>
+                </a:tc>
+                <a:tc>
+                  <a:txBody>
+                    <a:bodyPr/>
+                    <a:lstStyle/>
+                    <a:p>
+                      <a:pPr algn="ctr" marL="63500" marR="63500">
+                        <a:spcBef>
+                          <a:spcPts val="200"/>
+                        </a:spcBef>
+                        <a:spcAft>
+                          <a:spcPts val="200"/>
+                        </a:spcAft>
+                        <a:buNone/>
+                      </a:pPr>
+                      <a:r>
+                        <a:rPr sz="1100">
+                          <a:solidFill>
+                            <a:srgbClr val="111111">
+                              <a:alpha val="100000"/>
+                            </a:srgbClr>
+                          </a:solidFill>
+                          <a:latin typeface="Arial"/>
+                          <a:cs typeface="Arial"/>
+                          <a:highlight>
+                            <a:srgbClr val="FFFFFF">
+                              <a:alpha val="0"/>
+                            </a:srgbClr>
+                          </a:highlight>
+                        </a:rPr>
+                        <a:t>1.0311387</a:t>
+                      </a:r>
+                    </a:p>
+                  </a:txBody>
+                  <a:tcPr anchor="ctr" marB="0" marT="0" marR="0" marL="0">
+                    <a:lnL w="0" cmpd="sng" algn="ctr" cap="flat">
+                      <a:solidFill>
+                        <a:srgbClr val="FFFFFF">
+                          <a:alpha val="0"/>
+                        </a:srgbClr>
+                      </a:solidFill>
+                      <a:prstDash val="solid"/>
+                    </a:lnL>
+                    <a:lnR w="0" cmpd="sng" algn="ctr" cap="flat">
+                      <a:solidFill>
+                        <a:srgbClr val="FFFFFF">
+                          <a:alpha val="0"/>
+                        </a:srgbClr>
+                      </a:solidFill>
+                      <a:prstDash val="solid"/>
+                    </a:lnR>
+                    <a:lnT w="0" cmpd="sng" algn="ctr" cap="flat">
+                      <a:solidFill>
+                        <a:srgbClr val="FFFFFF">
+                          <a:alpha val="0"/>
+                        </a:srgbClr>
+                      </a:solidFill>
+                      <a:prstDash val="solid"/>
+                    </a:lnT>
+                    <a:lnB w="0" cmpd="sng" algn="ctr" cap="flat">
+                      <a:solidFill>
+                        <a:srgbClr val="FFFFFF">
+                          <a:alpha val="0"/>
+                        </a:srgbClr>
+                      </a:solidFill>
+                      <a:prstDash val="solid"/>
+                    </a:lnB>
+                  </a:tcPr>
+                </a:tc>
+                <a:tc>
+                  <a:txBody>
+                    <a:bodyPr/>
+                    <a:lstStyle/>
+                    <a:p>
+                      <a:pPr algn="ctr" marL="63500" marR="63500">
+                        <a:spcBef>
+                          <a:spcPts val="200"/>
+                        </a:spcBef>
+                        <a:spcAft>
+                          <a:spcPts val="200"/>
+                        </a:spcAft>
+                        <a:buNone/>
+                      </a:pPr>
+                      <a:r>
+                        <a:rPr sz="1100">
+                          <a:solidFill>
+                            <a:srgbClr val="111111">
+                              <a:alpha val="100000"/>
+                            </a:srgbClr>
+                          </a:solidFill>
+                          <a:latin typeface="Arial"/>
+                          <a:cs typeface="Arial"/>
+                          <a:highlight>
+                            <a:srgbClr val="FFFFFF">
+                              <a:alpha val="0"/>
+                            </a:srgbClr>
+                          </a:highlight>
+                        </a:rPr>
+                        <a:t>-0.03401010</a:t>
+                      </a:r>
+                    </a:p>
+                  </a:txBody>
+                  <a:tcPr anchor="ctr" marB="0" marT="0" marR="0" marL="0">
+                    <a:lnL w="0" cmpd="sng" algn="ctr" cap="flat">
+                      <a:solidFill>
+                        <a:srgbClr val="FFFFFF">
+                          <a:alpha val="0"/>
+                        </a:srgbClr>
+                      </a:solidFill>
+                      <a:prstDash val="solid"/>
+                    </a:lnL>
+                    <a:lnR w="0" cmpd="sng" algn="ctr" cap="flat">
+                      <a:solidFill>
+                        <a:srgbClr val="FFFFFF">
+                          <a:alpha val="0"/>
+                        </a:srgbClr>
+                      </a:solidFill>
+                      <a:prstDash val="solid"/>
+                    </a:lnR>
+                    <a:lnT w="0" cmpd="sng" algn="ctr" cap="flat">
+                      <a:solidFill>
+                        <a:srgbClr val="FFFFFF">
+                          <a:alpha val="0"/>
+                        </a:srgbClr>
+                      </a:solidFill>
+                      <a:prstDash val="solid"/>
+                    </a:lnT>
+                    <a:lnB w="0" cmpd="sng" algn="ctr" cap="flat">
+                      <a:solidFill>
+                        <a:srgbClr val="FFFFFF">
+                          <a:alpha val="0"/>
+                        </a:srgbClr>
+                      </a:solidFill>
+                      <a:prstDash val="solid"/>
+                    </a:lnB>
+                  </a:tcPr>
+                </a:tc>
+                <a:tc>
+                  <a:txBody>
+                    <a:bodyPr/>
+                    <a:lstStyle/>
+                    <a:p>
+                      <a:pPr algn="ctr" marL="63500" marR="63500">
+                        <a:spcBef>
+                          <a:spcPts val="200"/>
+                        </a:spcBef>
+                        <a:spcAft>
+                          <a:spcPts val="200"/>
+                        </a:spcAft>
+                        <a:buNone/>
+                      </a:pPr>
+                      <a:r>
+                        <a:rPr sz="1100">
+                          <a:solidFill>
+                            <a:srgbClr val="111111">
+                              <a:alpha val="100000"/>
+                            </a:srgbClr>
+                          </a:solidFill>
+                          <a:latin typeface="Arial"/>
+                          <a:cs typeface="Arial"/>
+                          <a:highlight>
+                            <a:srgbClr val="FFFFFF">
+                              <a:alpha val="0"/>
+                            </a:srgbClr>
+                          </a:highlight>
+                        </a:rPr>
+                        <a:t>0.095794168</a:t>
+                      </a:r>
+                    </a:p>
+                  </a:txBody>
+                  <a:tcPr anchor="ctr" marB="0" marT="0" marR="0" marL="0">
+                    <a:lnL w="0" cmpd="sng" algn="ctr" cap="flat">
+                      <a:solidFill>
+                        <a:srgbClr val="FFFFFF">
+                          <a:alpha val="0"/>
+                        </a:srgbClr>
+                      </a:solidFill>
+                      <a:prstDash val="solid"/>
+                    </a:lnL>
+                    <a:lnR w="0" cmpd="sng" algn="ctr" cap="flat">
+                      <a:solidFill>
+                        <a:srgbClr val="FFFFFF">
+                          <a:alpha val="0"/>
+                        </a:srgbClr>
+                      </a:solidFill>
+                      <a:prstDash val="solid"/>
+                    </a:lnR>
+                    <a:lnT w="0" cmpd="sng" algn="ctr" cap="flat">
+                      <a:solidFill>
+                        <a:srgbClr val="FFFFFF">
+                          <a:alpha val="0"/>
+                        </a:srgbClr>
+                      </a:solidFill>
+                      <a:prstDash val="solid"/>
+                    </a:lnT>
+                    <a:lnB w="0" cmpd="sng" algn="ctr" cap="flat">
+                      <a:solidFill>
+                        <a:srgbClr val="FFFFFF">
+                          <a:alpha val="0"/>
+                        </a:srgbClr>
+                      </a:solidFill>
+                      <a:prstDash val="solid"/>
+                    </a:lnB>
+                  </a:tcPr>
+                </a:tc>
+              </a:tr>
+              <a:tr h="457200">
+                <a:tc>
+                  <a:txBody>
+                    <a:bodyPr/>
+                    <a:lstStyle/>
+                    <a:p>
+                      <a:pPr algn="ctr" marL="63500" marR="63500">
+                        <a:spcBef>
+                          <a:spcPts val="200"/>
+                        </a:spcBef>
+                        <a:spcAft>
+                          <a:spcPts val="200"/>
+                        </a:spcAft>
+                        <a:buNone/>
+                      </a:pPr>
+                      <a:r>
+                        <a:rPr sz="1100">
+                          <a:solidFill>
+                            <a:srgbClr val="111111">
+                              <a:alpha val="100000"/>
+                            </a:srgbClr>
+                          </a:solidFill>
+                          <a:latin typeface="Arial"/>
+                          <a:cs typeface="Arial"/>
+                          <a:highlight>
+                            <a:srgbClr val="FFFFFF">
+                              <a:alpha val="0"/>
+                            </a:srgbClr>
+                          </a:highlight>
+                        </a:rPr>
+                        <a:t>realidad.std</a:t>
+                      </a:r>
+                    </a:p>
+                  </a:txBody>
+                  <a:tcPr anchor="ctr" marB="0" marT="0" marR="0" marL="0">
+                    <a:lnL w="0" cmpd="sng" algn="ctr" cap="flat">
+                      <a:solidFill>
+                        <a:srgbClr val="FFFFFF">
+                          <a:alpha val="0"/>
+                        </a:srgbClr>
+                      </a:solidFill>
+                      <a:prstDash val="solid"/>
+                    </a:lnL>
+                    <a:lnR w="0" cmpd="sng" algn="ctr" cap="flat">
+                      <a:solidFill>
+                        <a:srgbClr val="FFFFFF">
+                          <a:alpha val="0"/>
+                        </a:srgbClr>
+                      </a:solidFill>
+                      <a:prstDash val="solid"/>
+                    </a:lnR>
+                    <a:lnT w="0" cmpd="sng" algn="ctr" cap="flat">
+                      <a:solidFill>
+                        <a:srgbClr val="FFFFFF">
+                          <a:alpha val="0"/>
+                        </a:srgbClr>
+                      </a:solidFill>
+                      <a:prstDash val="solid"/>
+                    </a:lnT>
+                    <a:lnB w="0" cmpd="sng" algn="ctr" cap="flat">
+                      <a:solidFill>
+                        <a:srgbClr val="FFFFFF">
+                          <a:alpha val="0"/>
+                        </a:srgbClr>
+                      </a:solidFill>
+                      <a:prstDash val="solid"/>
+                    </a:lnB>
+                  </a:tcPr>
+                </a:tc>
+                <a:tc>
+                  <a:txBody>
+                    <a:bodyPr/>
+                    <a:lstStyle/>
+                    <a:p>
+                      <a:pPr algn="ctr" marL="63500" marR="63500">
+                        <a:spcBef>
+                          <a:spcPts val="200"/>
+                        </a:spcBef>
+                        <a:spcAft>
+                          <a:spcPts val="200"/>
+                        </a:spcAft>
+                        <a:buNone/>
+                      </a:pPr>
+                      <a:r>
+                        <a:rPr sz="1100">
+                          <a:solidFill>
+                            <a:srgbClr val="111111">
+                              <a:alpha val="100000"/>
+                            </a:srgbClr>
+                          </a:solidFill>
+                          <a:latin typeface="Arial"/>
+                          <a:cs typeface="Arial"/>
+                          <a:highlight>
+                            <a:srgbClr val="FFFFFF">
+                              <a:alpha val="0"/>
+                            </a:srgbClr>
+                          </a:highlight>
+                        </a:rPr>
+                        <a:t>1.0725661</a:t>
+                      </a:r>
+                    </a:p>
+                  </a:txBody>
+                  <a:tcPr anchor="ctr" marB="0" marT="0" marR="0" marL="0">
+                    <a:lnL w="0" cmpd="sng" algn="ctr" cap="flat">
+                      <a:solidFill>
+                        <a:srgbClr val="FFFFFF">
+                          <a:alpha val="0"/>
+                        </a:srgbClr>
+                      </a:solidFill>
+                      <a:prstDash val="solid"/>
+                    </a:lnL>
+                    <a:lnR w="0" cmpd="sng" algn="ctr" cap="flat">
+                      <a:solidFill>
+                        <a:srgbClr val="FFFFFF">
+                          <a:alpha val="0"/>
+                        </a:srgbClr>
+                      </a:solidFill>
+                      <a:prstDash val="solid"/>
+                    </a:lnR>
+                    <a:lnT w="0" cmpd="sng" algn="ctr" cap="flat">
+                      <a:solidFill>
+                        <a:srgbClr val="FFFFFF">
+                          <a:alpha val="0"/>
+                        </a:srgbClr>
+                      </a:solidFill>
+                      <a:prstDash val="solid"/>
+                    </a:lnT>
+                    <a:lnB w="0" cmpd="sng" algn="ctr" cap="flat">
+                      <a:solidFill>
+                        <a:srgbClr val="FFFFFF">
+                          <a:alpha val="0"/>
+                        </a:srgbClr>
+                      </a:solidFill>
+                      <a:prstDash val="solid"/>
+                    </a:lnB>
+                  </a:tcPr>
+                </a:tc>
+                <a:tc>
+                  <a:txBody>
+                    <a:bodyPr/>
+                    <a:lstStyle/>
+                    <a:p>
+                      <a:pPr algn="ctr" marL="63500" marR="63500">
+                        <a:spcBef>
+                          <a:spcPts val="200"/>
+                        </a:spcBef>
+                        <a:spcAft>
+                          <a:spcPts val="200"/>
+                        </a:spcAft>
+                        <a:buNone/>
+                      </a:pPr>
+                      <a:r>
+                        <a:rPr sz="1100">
+                          <a:solidFill>
+                            <a:srgbClr val="111111">
+                              <a:alpha val="100000"/>
+                            </a:srgbClr>
+                          </a:solidFill>
+                          <a:latin typeface="Arial"/>
+                          <a:cs typeface="Arial"/>
+                          <a:highlight>
+                            <a:srgbClr val="FFFFFF">
+                              <a:alpha val="0"/>
+                            </a:srgbClr>
+                          </a:highlight>
+                        </a:rPr>
+                        <a:t>-0.12405796</a:t>
+                      </a:r>
+                    </a:p>
+                  </a:txBody>
+                  <a:tcPr anchor="ctr" marB="0" marT="0" marR="0" marL="0">
+                    <a:lnL w="0" cmpd="sng" algn="ctr" cap="flat">
+                      <a:solidFill>
+                        <a:srgbClr val="FFFFFF">
+                          <a:alpha val="0"/>
+                        </a:srgbClr>
+                      </a:solidFill>
+                      <a:prstDash val="solid"/>
+                    </a:lnL>
+                    <a:lnR w="0" cmpd="sng" algn="ctr" cap="flat">
+                      <a:solidFill>
+                        <a:srgbClr val="FFFFFF">
+                          <a:alpha val="0"/>
+                        </a:srgbClr>
+                      </a:solidFill>
+                      <a:prstDash val="solid"/>
+                    </a:lnR>
+                    <a:lnT w="0" cmpd="sng" algn="ctr" cap="flat">
+                      <a:solidFill>
+                        <a:srgbClr val="FFFFFF">
+                          <a:alpha val="0"/>
+                        </a:srgbClr>
+                      </a:solidFill>
+                      <a:prstDash val="solid"/>
+                    </a:lnT>
+                    <a:lnB w="0" cmpd="sng" algn="ctr" cap="flat">
+                      <a:solidFill>
+                        <a:srgbClr val="FFFFFF">
+                          <a:alpha val="0"/>
+                        </a:srgbClr>
+                      </a:solidFill>
+                      <a:prstDash val="solid"/>
+                    </a:lnB>
+                  </a:tcPr>
+                </a:tc>
+                <a:tc>
+                  <a:txBody>
+                    <a:bodyPr/>
+                    <a:lstStyle/>
+                    <a:p>
+                      <a:pPr algn="ctr" marL="63500" marR="63500">
+                        <a:spcBef>
+                          <a:spcPts val="200"/>
+                        </a:spcBef>
+                        <a:spcAft>
+                          <a:spcPts val="200"/>
+                        </a:spcAft>
+                        <a:buNone/>
+                      </a:pPr>
+                      <a:r>
+                        <a:rPr sz="1100">
+                          <a:solidFill>
+                            <a:srgbClr val="111111">
+                              <a:alpha val="100000"/>
+                            </a:srgbClr>
+                          </a:solidFill>
+                          <a:latin typeface="Arial"/>
+                          <a:cs typeface="Arial"/>
+                          <a:highlight>
+                            <a:srgbClr val="FFFFFF">
+                              <a:alpha val="0"/>
+                            </a:srgbClr>
+                          </a:highlight>
+                        </a:rPr>
+                        <a:t>0.263979296</a:t>
+                      </a:r>
+                    </a:p>
+                  </a:txBody>
+                  <a:tcPr anchor="ctr" marB="0" marT="0" marR="0" marL="0">
+                    <a:lnL w="0" cmpd="sng" algn="ctr" cap="flat">
+                      <a:solidFill>
+                        <a:srgbClr val="FFFFFF">
+                          <a:alpha val="0"/>
+                        </a:srgbClr>
+                      </a:solidFill>
+                      <a:prstDash val="solid"/>
+                    </a:lnL>
+                    <a:lnR w="0" cmpd="sng" algn="ctr" cap="flat">
+                      <a:solidFill>
+                        <a:srgbClr val="FFFFFF">
+                          <a:alpha val="0"/>
+                        </a:srgbClr>
+                      </a:solidFill>
+                      <a:prstDash val="solid"/>
+                    </a:lnR>
+                    <a:lnT w="0" cmpd="sng" algn="ctr" cap="flat">
+                      <a:solidFill>
+                        <a:srgbClr val="FFFFFF">
+                          <a:alpha val="0"/>
+                        </a:srgbClr>
+                      </a:solidFill>
+                      <a:prstDash val="solid"/>
+                    </a:lnT>
+                    <a:lnB w="0" cmpd="sng" algn="ctr" cap="flat">
+                      <a:solidFill>
+                        <a:srgbClr val="FFFFFF">
+                          <a:alpha val="0"/>
+                        </a:srgbClr>
+                      </a:solidFill>
+                      <a:prstDash val="solid"/>
+                    </a:lnB>
+                  </a:tcPr>
+                </a:tc>
+              </a:tr>
+              <a:tr h="457200">
+                <a:tc>
+                  <a:txBody>
+                    <a:bodyPr/>
+                    <a:lstStyle/>
+                    <a:p>
+                      <a:pPr algn="ctr" marL="63500" marR="63500">
+                        <a:spcBef>
+                          <a:spcPts val="200"/>
+                        </a:spcBef>
+                        <a:spcAft>
+                          <a:spcPts val="200"/>
+                        </a:spcAft>
+                        <a:buNone/>
+                      </a:pPr>
+                      <a:r>
+                        <a:rPr sz="1100">
+                          <a:solidFill>
+                            <a:srgbClr val="111111">
+                              <a:alpha val="100000"/>
+                            </a:srgbClr>
+                          </a:solidFill>
+                          <a:latin typeface="Arial"/>
+                          <a:cs typeface="Arial"/>
+                          <a:highlight>
+                            <a:srgbClr val="FFFFFF">
+                              <a:alpha val="0"/>
+                            </a:srgbClr>
+                          </a:highlight>
+                        </a:rPr>
+                        <a:t>pos.politico.std</a:t>
+                      </a:r>
+                    </a:p>
+                  </a:txBody>
+                  <a:tcPr anchor="ctr" marB="0" marT="0" marR="0" marL="0">
+                    <a:lnL w="0" cmpd="sng" algn="ctr" cap="flat">
+                      <a:solidFill>
+                        <a:srgbClr val="FFFFFF">
+                          <a:alpha val="0"/>
+                        </a:srgbClr>
+                      </a:solidFill>
+                      <a:prstDash val="solid"/>
+                    </a:lnL>
+                    <a:lnR w="0" cmpd="sng" algn="ctr" cap="flat">
+                      <a:solidFill>
+                        <a:srgbClr val="FFFFFF">
+                          <a:alpha val="0"/>
+                        </a:srgbClr>
+                      </a:solidFill>
+                      <a:prstDash val="solid"/>
+                    </a:lnR>
+                    <a:lnT w="0" cmpd="sng" algn="ctr" cap="flat">
+                      <a:solidFill>
+                        <a:srgbClr val="FFFFFF">
+                          <a:alpha val="0"/>
+                        </a:srgbClr>
+                      </a:solidFill>
+                      <a:prstDash val="solid"/>
+                    </a:lnT>
+                    <a:lnB w="0" cmpd="sng" algn="ctr" cap="flat">
+                      <a:solidFill>
+                        <a:srgbClr val="FFFFFF">
+                          <a:alpha val="0"/>
+                        </a:srgbClr>
+                      </a:solidFill>
+                      <a:prstDash val="solid"/>
+                    </a:lnB>
+                  </a:tcPr>
+                </a:tc>
+                <a:tc>
+                  <a:txBody>
+                    <a:bodyPr/>
+                    <a:lstStyle/>
+                    <a:p>
+                      <a:pPr algn="ctr" marL="63500" marR="63500">
+                        <a:spcBef>
+                          <a:spcPts val="200"/>
+                        </a:spcBef>
+                        <a:spcAft>
+                          <a:spcPts val="200"/>
+                        </a:spcAft>
+                        <a:buNone/>
+                      </a:pPr>
+                      <a:r>
+                        <a:rPr sz="1100">
+                          <a:solidFill>
+                            <a:srgbClr val="111111">
+                              <a:alpha val="100000"/>
+                            </a:srgbClr>
+                          </a:solidFill>
+                          <a:latin typeface="Arial"/>
+                          <a:cs typeface="Arial"/>
+                          <a:highlight>
+                            <a:srgbClr val="FFFFFF">
+                              <a:alpha val="0"/>
+                            </a:srgbClr>
+                          </a:highlight>
+                        </a:rPr>
+                        <a:t>0.8950999</a:t>
+                      </a:r>
+                    </a:p>
+                  </a:txBody>
+                  <a:tcPr anchor="ctr" marB="0" marT="0" marR="0" marL="0">
+                    <a:lnL w="0" cmpd="sng" algn="ctr" cap="flat">
+                      <a:solidFill>
+                        <a:srgbClr val="FFFFFF">
+                          <a:alpha val="0"/>
+                        </a:srgbClr>
+                      </a:solidFill>
+                      <a:prstDash val="solid"/>
+                    </a:lnL>
+                    <a:lnR w="0" cmpd="sng" algn="ctr" cap="flat">
+                      <a:solidFill>
+                        <a:srgbClr val="FFFFFF">
+                          <a:alpha val="0"/>
+                        </a:srgbClr>
+                      </a:solidFill>
+                      <a:prstDash val="solid"/>
+                    </a:lnR>
+                    <a:lnT w="0" cmpd="sng" algn="ctr" cap="flat">
+                      <a:solidFill>
+                        <a:srgbClr val="FFFFFF">
+                          <a:alpha val="0"/>
+                        </a:srgbClr>
+                      </a:solidFill>
+                      <a:prstDash val="solid"/>
+                    </a:lnT>
+                    <a:lnB w="0" cmpd="sng" algn="ctr" cap="flat">
+                      <a:solidFill>
+                        <a:srgbClr val="FFFFFF">
+                          <a:alpha val="0"/>
+                        </a:srgbClr>
+                      </a:solidFill>
+                      <a:prstDash val="solid"/>
+                    </a:lnB>
+                  </a:tcPr>
+                </a:tc>
+                <a:tc>
+                  <a:txBody>
+                    <a:bodyPr/>
+                    <a:lstStyle/>
+                    <a:p>
+                      <a:pPr algn="ctr" marL="63500" marR="63500">
+                        <a:spcBef>
+                          <a:spcPts val="200"/>
+                        </a:spcBef>
+                        <a:spcAft>
+                          <a:spcPts val="200"/>
+                        </a:spcAft>
+                        <a:buNone/>
+                      </a:pPr>
+                      <a:r>
+                        <a:rPr sz="1100">
+                          <a:solidFill>
+                            <a:srgbClr val="111111">
+                              <a:alpha val="100000"/>
+                            </a:srgbClr>
+                          </a:solidFill>
+                          <a:latin typeface="Arial"/>
+                          <a:cs typeface="Arial"/>
+                          <a:highlight>
+                            <a:srgbClr val="FFFFFF">
+                              <a:alpha val="0"/>
+                            </a:srgbClr>
+                          </a:highlight>
+                        </a:rPr>
+                        <a:t>-0.32665978</a:t>
+                      </a:r>
+                    </a:p>
+                  </a:txBody>
+                  <a:tcPr anchor="ctr" marB="0" marT="0" marR="0" marL="0">
+                    <a:lnL w="0" cmpd="sng" algn="ctr" cap="flat">
+                      <a:solidFill>
+                        <a:srgbClr val="FFFFFF">
+                          <a:alpha val="0"/>
+                        </a:srgbClr>
+                      </a:solidFill>
+                      <a:prstDash val="solid"/>
+                    </a:lnL>
+                    <a:lnR w="0" cmpd="sng" algn="ctr" cap="flat">
+                      <a:solidFill>
+                        <a:srgbClr val="FFFFFF">
+                          <a:alpha val="0"/>
+                        </a:srgbClr>
+                      </a:solidFill>
+                      <a:prstDash val="solid"/>
+                    </a:lnR>
+                    <a:lnT w="0" cmpd="sng" algn="ctr" cap="flat">
+                      <a:solidFill>
+                        <a:srgbClr val="FFFFFF">
+                          <a:alpha val="0"/>
+                        </a:srgbClr>
+                      </a:solidFill>
+                      <a:prstDash val="solid"/>
+                    </a:lnT>
+                    <a:lnB w="0" cmpd="sng" algn="ctr" cap="flat">
+                      <a:solidFill>
+                        <a:srgbClr val="FFFFFF">
+                          <a:alpha val="0"/>
+                        </a:srgbClr>
+                      </a:solidFill>
+                      <a:prstDash val="solid"/>
+                    </a:lnB>
+                  </a:tcPr>
+                </a:tc>
+                <a:tc>
+                  <a:txBody>
+                    <a:bodyPr/>
+                    <a:lstStyle/>
+                    <a:p>
+                      <a:pPr algn="ctr" marL="63500" marR="63500">
+                        <a:spcBef>
+                          <a:spcPts val="200"/>
+                        </a:spcBef>
+                        <a:spcAft>
+                          <a:spcPts val="200"/>
+                        </a:spcAft>
+                        <a:buNone/>
+                      </a:pPr>
+                      <a:r>
+                        <a:rPr sz="1100">
+                          <a:solidFill>
+                            <a:srgbClr val="111111">
+                              <a:alpha val="100000"/>
+                            </a:srgbClr>
+                          </a:solidFill>
+                          <a:latin typeface="Arial"/>
+                          <a:cs typeface="Arial"/>
+                          <a:highlight>
+                            <a:srgbClr val="FFFFFF">
+                              <a:alpha val="0"/>
+                            </a:srgbClr>
+                          </a:highlight>
+                        </a:rPr>
+                        <a:t>0.099549190</a:t>
+                      </a:r>
+                    </a:p>
+                  </a:txBody>
+                  <a:tcPr anchor="ctr" marB="0" marT="0" marR="0" marL="0">
+                    <a:lnL w="0" cmpd="sng" algn="ctr" cap="flat">
+                      <a:solidFill>
+                        <a:srgbClr val="FFFFFF">
+                          <a:alpha val="0"/>
+                        </a:srgbClr>
+                      </a:solidFill>
+                      <a:prstDash val="solid"/>
+                    </a:lnL>
+                    <a:lnR w="0" cmpd="sng" algn="ctr" cap="flat">
+                      <a:solidFill>
+                        <a:srgbClr val="FFFFFF">
+                          <a:alpha val="0"/>
+                        </a:srgbClr>
+                      </a:solidFill>
+                      <a:prstDash val="solid"/>
+                    </a:lnR>
+                    <a:lnT w="0" cmpd="sng" algn="ctr" cap="flat">
+                      <a:solidFill>
+                        <a:srgbClr val="FFFFFF">
+                          <a:alpha val="0"/>
+                        </a:srgbClr>
+                      </a:solidFill>
+                      <a:prstDash val="solid"/>
+                    </a:lnT>
+                    <a:lnB w="0" cmpd="sng" algn="ctr" cap="flat">
+                      <a:solidFill>
+                        <a:srgbClr val="FFFFFF">
+                          <a:alpha val="0"/>
+                        </a:srgbClr>
+                      </a:solidFill>
+                      <a:prstDash val="solid"/>
+                    </a:lnB>
+                  </a:tcPr>
+                </a:tc>
+              </a:tr>
+              <a:tr h="457200">
+                <a:tc>
+                  <a:txBody>
+                    <a:bodyPr/>
+                    <a:lstStyle/>
+                    <a:p>
+                      <a:pPr algn="ctr" marL="63500" marR="63500">
+                        <a:spcBef>
+                          <a:spcPts val="200"/>
+                        </a:spcBef>
+                        <a:spcAft>
+                          <a:spcPts val="200"/>
+                        </a:spcAft>
+                        <a:buNone/>
+                      </a:pPr>
+                      <a:r>
+                        <a:rPr sz="1100">
+                          <a:solidFill>
+                            <a:srgbClr val="00FF00">
+                              <a:alpha val="100000"/>
+                            </a:srgbClr>
+                          </a:solidFill>
+                          <a:latin typeface="Arial"/>
+                          <a:cs typeface="Arial"/>
+                          <a:highlight>
+                            <a:srgbClr val="FFFFFF">
+                              <a:alpha val="0"/>
+                            </a:srgbClr>
+                          </a:highlight>
+                        </a:rPr>
+                        <a:t>org.econ.std</a:t>
+                      </a:r>
+                    </a:p>
+                  </a:txBody>
+                  <a:tcPr anchor="ctr" marB="0" marT="0" marR="0" marL="0">
+                    <a:lnL w="0" cmpd="sng" algn="ctr" cap="flat">
+                      <a:solidFill>
+                        <a:srgbClr val="FFFFFF">
+                          <a:alpha val="0"/>
+                        </a:srgbClr>
+                      </a:solidFill>
+                      <a:prstDash val="solid"/>
+                    </a:lnL>
+                    <a:lnR w="0" cmpd="sng" algn="ctr" cap="flat">
+                      <a:solidFill>
+                        <a:srgbClr val="FFFFFF">
+                          <a:alpha val="0"/>
+                        </a:srgbClr>
+                      </a:solidFill>
+                      <a:prstDash val="solid"/>
+                    </a:lnR>
+                    <a:lnT w="0" cmpd="sng" algn="ctr" cap="flat">
+                      <a:solidFill>
+                        <a:srgbClr val="FFFFFF">
+                          <a:alpha val="0"/>
+                        </a:srgbClr>
+                      </a:solidFill>
+                      <a:prstDash val="solid"/>
+                    </a:lnT>
+                    <a:lnB w="0" cmpd="sng" algn="ctr" cap="flat">
+                      <a:solidFill>
+                        <a:srgbClr val="FFFFFF">
+                          <a:alpha val="0"/>
+                        </a:srgbClr>
+                      </a:solidFill>
+                      <a:prstDash val="solid"/>
+                    </a:lnB>
+                  </a:tcPr>
+                </a:tc>
+                <a:tc>
+                  <a:txBody>
+                    <a:bodyPr/>
+                    <a:lstStyle/>
+                    <a:p>
+                      <a:pPr algn="ctr" marL="63500" marR="63500">
+                        <a:spcBef>
+                          <a:spcPts val="200"/>
+                        </a:spcBef>
+                        <a:spcAft>
+                          <a:spcPts val="200"/>
+                        </a:spcAft>
+                        <a:buNone/>
+                      </a:pPr>
+                      <a:r>
+                        <a:rPr sz="1100">
+                          <a:solidFill>
+                            <a:srgbClr val="00FF00">
+                              <a:alpha val="100000"/>
+                            </a:srgbClr>
+                          </a:solidFill>
+                          <a:latin typeface="Arial"/>
+                          <a:cs typeface="Arial"/>
+                          <a:highlight>
+                            <a:srgbClr val="FFFFFF">
+                              <a:alpha val="0"/>
+                            </a:srgbClr>
+                          </a:highlight>
+                        </a:rPr>
+                        <a:t>0.6373365</a:t>
+                      </a:r>
+                    </a:p>
+                  </a:txBody>
+                  <a:tcPr anchor="ctr" marB="0" marT="0" marR="0" marL="0">
+                    <a:lnL w="0" cmpd="sng" algn="ctr" cap="flat">
+                      <a:solidFill>
+                        <a:srgbClr val="FFFFFF">
+                          <a:alpha val="0"/>
+                        </a:srgbClr>
+                      </a:solidFill>
+                      <a:prstDash val="solid"/>
+                    </a:lnL>
+                    <a:lnR w="0" cmpd="sng" algn="ctr" cap="flat">
+                      <a:solidFill>
+                        <a:srgbClr val="FFFFFF">
+                          <a:alpha val="0"/>
+                        </a:srgbClr>
+                      </a:solidFill>
+                      <a:prstDash val="solid"/>
+                    </a:lnR>
+                    <a:lnT w="0" cmpd="sng" algn="ctr" cap="flat">
+                      <a:solidFill>
+                        <a:srgbClr val="FFFFFF">
+                          <a:alpha val="0"/>
+                        </a:srgbClr>
+                      </a:solidFill>
+                      <a:prstDash val="solid"/>
+                    </a:lnT>
+                    <a:lnB w="0" cmpd="sng" algn="ctr" cap="flat">
+                      <a:solidFill>
+                        <a:srgbClr val="FFFFFF">
+                          <a:alpha val="0"/>
+                        </a:srgbClr>
+                      </a:solidFill>
+                      <a:prstDash val="solid"/>
+                    </a:lnB>
+                  </a:tcPr>
+                </a:tc>
+                <a:tc>
+                  <a:txBody>
+                    <a:bodyPr/>
+                    <a:lstStyle/>
+                    <a:p>
+                      <a:pPr algn="ctr" marL="63500" marR="63500">
+                        <a:spcBef>
+                          <a:spcPts val="200"/>
+                        </a:spcBef>
+                        <a:spcAft>
+                          <a:spcPts val="200"/>
+                        </a:spcAft>
+                        <a:buNone/>
+                      </a:pPr>
+                      <a:r>
+                        <a:rPr sz="1100">
+                          <a:solidFill>
+                            <a:srgbClr val="00FF00">
+                              <a:alpha val="100000"/>
+                            </a:srgbClr>
+                          </a:solidFill>
+                          <a:latin typeface="Arial"/>
+                          <a:cs typeface="Arial"/>
+                          <a:highlight>
+                            <a:srgbClr val="FFFFFF">
+                              <a:alpha val="0"/>
+                            </a:srgbClr>
+                          </a:highlight>
+                        </a:rPr>
+                        <a:t>-0.66706926</a:t>
+                      </a:r>
+                    </a:p>
+                  </a:txBody>
+                  <a:tcPr anchor="ctr" marB="0" marT="0" marR="0" marL="0">
+                    <a:lnL w="0" cmpd="sng" algn="ctr" cap="flat">
+                      <a:solidFill>
+                        <a:srgbClr val="FFFFFF">
+                          <a:alpha val="0"/>
+                        </a:srgbClr>
+                      </a:solidFill>
+                      <a:prstDash val="solid"/>
+                    </a:lnL>
+                    <a:lnR w="0" cmpd="sng" algn="ctr" cap="flat">
+                      <a:solidFill>
+                        <a:srgbClr val="FFFFFF">
+                          <a:alpha val="0"/>
+                        </a:srgbClr>
+                      </a:solidFill>
+                      <a:prstDash val="solid"/>
+                    </a:lnR>
+                    <a:lnT w="0" cmpd="sng" algn="ctr" cap="flat">
+                      <a:solidFill>
+                        <a:srgbClr val="FFFFFF">
+                          <a:alpha val="0"/>
+                        </a:srgbClr>
+                      </a:solidFill>
+                      <a:prstDash val="solid"/>
+                    </a:lnT>
+                    <a:lnB w="0" cmpd="sng" algn="ctr" cap="flat">
+                      <a:solidFill>
+                        <a:srgbClr val="FFFFFF">
+                          <a:alpha val="0"/>
+                        </a:srgbClr>
+                      </a:solidFill>
+                      <a:prstDash val="solid"/>
+                    </a:lnB>
+                  </a:tcPr>
+                </a:tc>
+                <a:tc>
+                  <a:txBody>
+                    <a:bodyPr/>
+                    <a:lstStyle/>
+                    <a:p>
+                      <a:pPr algn="ctr" marL="63500" marR="63500">
+                        <a:spcBef>
+                          <a:spcPts val="200"/>
+                        </a:spcBef>
+                        <a:spcAft>
+                          <a:spcPts val="200"/>
+                        </a:spcAft>
+                        <a:buNone/>
+                      </a:pPr>
+                      <a:r>
+                        <a:rPr sz="1100">
+                          <a:solidFill>
+                            <a:srgbClr val="00FF00">
+                              <a:alpha val="100000"/>
+                            </a:srgbClr>
+                          </a:solidFill>
+                          <a:latin typeface="Arial"/>
+                          <a:cs typeface="Arial"/>
+                          <a:highlight>
+                            <a:srgbClr val="FFFFFF">
+                              <a:alpha val="0"/>
+                            </a:srgbClr>
+                          </a:highlight>
+                        </a:rPr>
+                        <a:t>-0.239953265</a:t>
+                      </a:r>
+                    </a:p>
+                  </a:txBody>
+                  <a:tcPr anchor="ctr" marB="0" marT="0" marR="0" marL="0">
+                    <a:lnL w="0" cmpd="sng" algn="ctr" cap="flat">
+                      <a:solidFill>
+                        <a:srgbClr val="FFFFFF">
+                          <a:alpha val="0"/>
+                        </a:srgbClr>
+                      </a:solidFill>
+                      <a:prstDash val="solid"/>
+                    </a:lnL>
+                    <a:lnR w="0" cmpd="sng" algn="ctr" cap="flat">
+                      <a:solidFill>
+                        <a:srgbClr val="FFFFFF">
+                          <a:alpha val="0"/>
+                        </a:srgbClr>
+                      </a:solidFill>
+                      <a:prstDash val="solid"/>
+                    </a:lnR>
+                    <a:lnT w="0" cmpd="sng" algn="ctr" cap="flat">
+                      <a:solidFill>
+                        <a:srgbClr val="FFFFFF">
+                          <a:alpha val="0"/>
+                        </a:srgbClr>
+                      </a:solidFill>
+                      <a:prstDash val="solid"/>
+                    </a:lnT>
+                    <a:lnB w="0" cmpd="sng" algn="ctr" cap="flat">
+                      <a:solidFill>
+                        <a:srgbClr val="FFFFFF">
+                          <a:alpha val="0"/>
+                        </a:srgbClr>
+                      </a:solidFill>
+                      <a:prstDash val="solid"/>
+                    </a:lnB>
+                  </a:tcPr>
+                </a:tc>
+              </a:tr>
+              <a:tr h="457200">
+                <a:tc>
+                  <a:txBody>
+                    <a:bodyPr/>
+                    <a:lstStyle/>
+                    <a:p>
+                      <a:pPr algn="ctr" marL="63500" marR="63500">
+                        <a:spcBef>
+                          <a:spcPts val="200"/>
+                        </a:spcBef>
+                        <a:spcAft>
+                          <a:spcPts val="200"/>
+                        </a:spcAft>
+                        <a:buNone/>
+                      </a:pPr>
+                      <a:r>
+                        <a:rPr sz="1100">
+                          <a:solidFill>
+                            <a:srgbClr val="111111">
+                              <a:alpha val="100000"/>
+                            </a:srgbClr>
+                          </a:solidFill>
+                          <a:latin typeface="Arial"/>
+                          <a:cs typeface="Arial"/>
+                          <a:highlight>
+                            <a:srgbClr val="FFFFFF">
+                              <a:alpha val="0"/>
+                            </a:srgbClr>
+                          </a:highlight>
+                        </a:rPr>
+                        <a:t>org.pol.std</a:t>
+                      </a:r>
+                    </a:p>
+                  </a:txBody>
+                  <a:tcPr anchor="ctr" marB="0" marT="0" marR="0" marL="0">
+                    <a:lnL w="0" cmpd="sng" algn="ctr" cap="flat">
+                      <a:solidFill>
+                        <a:srgbClr val="FFFFFF">
+                          <a:alpha val="0"/>
+                        </a:srgbClr>
+                      </a:solidFill>
+                      <a:prstDash val="solid"/>
+                    </a:lnL>
+                    <a:lnR w="0" cmpd="sng" algn="ctr" cap="flat">
+                      <a:solidFill>
+                        <a:srgbClr val="FFFFFF">
+                          <a:alpha val="0"/>
+                        </a:srgbClr>
+                      </a:solidFill>
+                      <a:prstDash val="solid"/>
+                    </a:lnR>
+                    <a:lnT w="0" cmpd="sng" algn="ctr" cap="flat">
+                      <a:solidFill>
+                        <a:srgbClr val="FFFFFF">
+                          <a:alpha val="0"/>
+                        </a:srgbClr>
+                      </a:solidFill>
+                      <a:prstDash val="solid"/>
+                    </a:lnT>
+                    <a:lnB w="25400" cmpd="sng" algn="ctr" cap="flat">
+                      <a:solidFill>
+                        <a:srgbClr val="000000">
+                          <a:alpha val="100000"/>
+                        </a:srgbClr>
+                      </a:solidFill>
+                      <a:prstDash val="solid"/>
+                    </a:lnB>
+                  </a:tcPr>
+                </a:tc>
+                <a:tc>
+                  <a:txBody>
+                    <a:bodyPr/>
+                    <a:lstStyle/>
+                    <a:p>
+                      <a:pPr algn="ctr" marL="63500" marR="63500">
+                        <a:spcBef>
+                          <a:spcPts val="200"/>
+                        </a:spcBef>
+                        <a:spcAft>
+                          <a:spcPts val="200"/>
+                        </a:spcAft>
+                        <a:buNone/>
+                      </a:pPr>
+                      <a:r>
+                        <a:rPr sz="1100">
+                          <a:solidFill>
+                            <a:srgbClr val="111111">
+                              <a:alpha val="100000"/>
+                            </a:srgbClr>
+                          </a:solidFill>
+                          <a:latin typeface="Arial"/>
+                          <a:cs typeface="Arial"/>
+                          <a:highlight>
+                            <a:srgbClr val="FFFFFF">
+                              <a:alpha val="0"/>
+                            </a:srgbClr>
+                          </a:highlight>
+                        </a:rPr>
+                        <a:t>1.1410020</a:t>
+                      </a:r>
+                    </a:p>
+                  </a:txBody>
+                  <a:tcPr anchor="ctr" marB="0" marT="0" marR="0" marL="0">
+                    <a:lnL w="0" cmpd="sng" algn="ctr" cap="flat">
+                      <a:solidFill>
+                        <a:srgbClr val="FFFFFF">
+                          <a:alpha val="0"/>
+                        </a:srgbClr>
+                      </a:solidFill>
+                      <a:prstDash val="solid"/>
+                    </a:lnL>
+                    <a:lnR w="0" cmpd="sng" algn="ctr" cap="flat">
+                      <a:solidFill>
+                        <a:srgbClr val="FFFFFF">
+                          <a:alpha val="0"/>
+                        </a:srgbClr>
+                      </a:solidFill>
+                      <a:prstDash val="solid"/>
+                    </a:lnR>
+                    <a:lnT w="0" cmpd="sng" algn="ctr" cap="flat">
+                      <a:solidFill>
+                        <a:srgbClr val="FFFFFF">
+                          <a:alpha val="0"/>
+                        </a:srgbClr>
+                      </a:solidFill>
+                      <a:prstDash val="solid"/>
+                    </a:lnT>
+                    <a:lnB w="25400" cmpd="sng" algn="ctr" cap="flat">
+                      <a:solidFill>
+                        <a:srgbClr val="000000">
+                          <a:alpha val="100000"/>
+                        </a:srgbClr>
+                      </a:solidFill>
+                      <a:prstDash val="solid"/>
+                    </a:lnB>
+                  </a:tcPr>
+                </a:tc>
+                <a:tc>
+                  <a:txBody>
+                    <a:bodyPr/>
+                    <a:lstStyle/>
+                    <a:p>
+                      <a:pPr algn="ctr" marL="63500" marR="63500">
+                        <a:spcBef>
+                          <a:spcPts val="200"/>
+                        </a:spcBef>
+                        <a:spcAft>
+                          <a:spcPts val="200"/>
+                        </a:spcAft>
+                        <a:buNone/>
+                      </a:pPr>
+                      <a:r>
+                        <a:rPr sz="1100">
+                          <a:solidFill>
+                            <a:srgbClr val="111111">
+                              <a:alpha val="100000"/>
+                            </a:srgbClr>
+                          </a:solidFill>
+                          <a:latin typeface="Arial"/>
+                          <a:cs typeface="Arial"/>
+                          <a:highlight>
+                            <a:srgbClr val="FFFFFF">
+                              <a:alpha val="0"/>
+                            </a:srgbClr>
+                          </a:highlight>
+                        </a:rPr>
+                        <a:t>-0.06718238</a:t>
+                      </a:r>
+                    </a:p>
+                  </a:txBody>
+                  <a:tcPr anchor="ctr" marB="0" marT="0" marR="0" marL="0">
+                    <a:lnL w="0" cmpd="sng" algn="ctr" cap="flat">
+                      <a:solidFill>
+                        <a:srgbClr val="FFFFFF">
+                          <a:alpha val="0"/>
+                        </a:srgbClr>
+                      </a:solidFill>
+                      <a:prstDash val="solid"/>
+                    </a:lnL>
+                    <a:lnR w="0" cmpd="sng" algn="ctr" cap="flat">
+                      <a:solidFill>
+                        <a:srgbClr val="FFFFFF">
+                          <a:alpha val="0"/>
+                        </a:srgbClr>
+                      </a:solidFill>
+                      <a:prstDash val="solid"/>
+                    </a:lnR>
+                    <a:lnT w="0" cmpd="sng" algn="ctr" cap="flat">
+                      <a:solidFill>
+                        <a:srgbClr val="FFFFFF">
+                          <a:alpha val="0"/>
+                        </a:srgbClr>
+                      </a:solidFill>
+                      <a:prstDash val="solid"/>
+                    </a:lnT>
+                    <a:lnB w="25400" cmpd="sng" algn="ctr" cap="flat">
+                      <a:solidFill>
+                        <a:srgbClr val="000000">
+                          <a:alpha val="100000"/>
+                        </a:srgbClr>
+                      </a:solidFill>
+                      <a:prstDash val="solid"/>
+                    </a:lnB>
+                  </a:tcPr>
+                </a:tc>
+                <a:tc>
+                  <a:txBody>
+                    <a:bodyPr/>
+                    <a:lstStyle/>
+                    <a:p>
+                      <a:pPr algn="ctr" marL="63500" marR="63500">
+                        <a:spcBef>
+                          <a:spcPts val="200"/>
+                        </a:spcBef>
+                        <a:spcAft>
+                          <a:spcPts val="200"/>
+                        </a:spcAft>
+                        <a:buNone/>
+                      </a:pPr>
+                      <a:r>
+                        <a:rPr sz="1100">
+                          <a:solidFill>
+                            <a:srgbClr val="111111">
+                              <a:alpha val="100000"/>
+                            </a:srgbClr>
+                          </a:solidFill>
+                          <a:latin typeface="Arial"/>
+                          <a:cs typeface="Arial"/>
+                          <a:highlight>
+                            <a:srgbClr val="FFFFFF">
+                              <a:alpha val="0"/>
+                            </a:srgbClr>
+                          </a:highlight>
+                        </a:rPr>
+                        <a:t>0.331288123</a:t>
+                      </a:r>
+                    </a:p>
+                  </a:txBody>
+                  <a:tcPr anchor="ctr" marB="0" marT="0" marR="0" marL="0">
+                    <a:lnL w="0" cmpd="sng" algn="ctr" cap="flat">
+                      <a:solidFill>
+                        <a:srgbClr val="FFFFFF">
+                          <a:alpha val="0"/>
+                        </a:srgbClr>
+                      </a:solidFill>
+                      <a:prstDash val="solid"/>
+                    </a:lnL>
+                    <a:lnR w="0" cmpd="sng" algn="ctr" cap="flat">
+                      <a:solidFill>
+                        <a:srgbClr val="FFFFFF">
+                          <a:alpha val="0"/>
+                        </a:srgbClr>
+                      </a:solidFill>
+                      <a:prstDash val="solid"/>
+                    </a:lnR>
+                    <a:lnT w="0" cmpd="sng" algn="ctr" cap="flat">
+                      <a:solidFill>
+                        <a:srgbClr val="FFFFFF">
+                          <a:alpha val="0"/>
+                        </a:srgbClr>
+                      </a:solidFill>
+                      <a:prstDash val="solid"/>
+                    </a:lnT>
+                    <a:lnB w="25400" cmpd="sng" algn="ctr" cap="flat">
+                      <a:solidFill>
+                        <a:srgbClr val="000000">
+                          <a:alpha val="100000"/>
+                        </a:srgbClr>
+                      </a:solidFill>
+                      <a:prstDash val="solid"/>
+                    </a:lnB>
+                  </a:tcPr>
+                </a:tc>
+              </a:tr>
+            </a:tbl>
+          </a:graphicData>
+        </a:graphic>
+      </p:graphicFrame>
+    </p:spTree>
+  </p:cSld>
+  <p:clrMapOvr>
+    <a:masterClrMapping/>
+  </p:clrMapOvr>
+</p:sld>
+</file>
+
+<file path=ppt/slides/slide14.xml><?xml version="1.0" encoding="utf-8"?>
+<p:sld xmlns:a="http://schemas.openxmlformats.org/drawingml/2006/main" xmlns:r="http://schemas.openxmlformats.org/officeDocument/2006/relationships" xmlns:p="http://schemas.openxmlformats.org/presentationml/2006/main">
+  <p:cSld>
+    <p:spTree>
+      <p:nvGrpSpPr>
+        <p:cNvPr id="1" name=""/>
+        <p:cNvGrpSpPr/>
+        <p:nvPr/>
+      </p:nvGrpSpPr>
+      <p:grpSpPr>
+        <a:xfrm>
+          <a:off x="0" y="0"/>
+          <a:ext cx="0" cy="0"/>
+          <a:chOff x="0" y="0"/>
+          <a:chExt cx="0" cy="0"/>
+        </a:xfrm>
+      </p:grpSpPr>
+      <p:pic xmlns:a="http://schemas.openxmlformats.org/drawingml/2006/main" xmlns:r="http://schemas.openxmlformats.org/officeDocument/2006/relationships" xmlns:p="http://schemas.openxmlformats.org/presentationml/2006/main">
+        <p:nvPicPr>
+          <p:cNvPr id="2" name=""/>
+          <p:cNvPicPr/>
+          <p:nvPr/>
+        </p:nvPicPr>
+        <p:blipFill>
+          <a:blip cstate="print" r:embed="rId2"/>
+          <a:stretch>
+            <a:fillRect/>
+          </a:stretch>
+        </p:blipFill>
+        <p:spPr>
+          <a:xfrm>
+            <a:off x="0" y="0"/>
+            <a:ext cx="9144000" cy="6858000"/>
+          </a:xfrm>
+          <a:prstGeom prst="rect">
+            <a:avLst/>
+          </a:prstGeom>
+        </p:spPr>
+      </p:pic>
+    </p:spTree>
+  </p:cSld>
+  <p:clrMapOvr>
+    <a:masterClrMapping/>
+  </p:clrMapOvr>
+</p:sld>
+</file>
+
+<file path=ppt/slides/slide15.xml><?xml version="1.0" encoding="utf-8"?>
+<p:sld xmlns:a="http://schemas.openxmlformats.org/drawingml/2006/main" xmlns:r="http://schemas.openxmlformats.org/officeDocument/2006/relationships" xmlns:p="http://schemas.openxmlformats.org/presentationml/2006/main">
+  <p:cSld>
+    <p:spTree>
+      <p:nvGrpSpPr>
+        <p:cNvPr id="1" name=""/>
+        <p:cNvGrpSpPr/>
+        <p:nvPr/>
+      </p:nvGrpSpPr>
+      <p:grpSpPr>
+        <a:xfrm>
+          <a:off x="0" y="0"/>
+          <a:ext cx="0" cy="0"/>
+          <a:chOff x="0" y="0"/>
+          <a:chExt cx="0" cy="0"/>
+        </a:xfrm>
+      </p:grpSpPr>
+      <p:sp xmlns:a="http://schemas.openxmlformats.org/drawingml/2006/main" xmlns:r="http://schemas.openxmlformats.org/officeDocument/2006/relationships" xmlns:p="http://schemas.openxmlformats.org/presentationml/2006/main">
+        <p:nvSpPr>
+          <p:cNvPr id="2" name="Title 1"/>
+          <p:cNvSpPr>
+            <a:spLocks noGrp="1"/>
+          </p:cNvSpPr>
+          <p:nvPr>
+            <p:ph type="title"/>
+          </p:nvPr>
+        </p:nvSpPr>
+        <p:spPr>
+          <a:xfrm rot="-0">
+            <a:off x="457200" y="274638"/>
+            <a:ext cx="8229600" cy="1143000"/>
+          </a:xfrm>
+        </p:spPr>
+        <p:txBody>
+          <a:bodyPr/>
+          <a:lstStyle/>
+          <a:p>
+            <a:r>
+              <a:rPr/>
+              <a:t>Confianza en transparencia y justicia de acuerdo para cambio de constitución</a:t>
+            </a:r>
+          </a:p>
+        </p:txBody>
+      </p:sp>
+      <p:graphicFrame xmlns:a="http://schemas.openxmlformats.org/drawingml/2006/main" xmlns:r="http://schemas.openxmlformats.org/officeDocument/2006/relationships" xmlns:p="http://schemas.openxmlformats.org/presentationml/2006/main">
+        <p:nvGraphicFramePr>
+          <p:cNvPr id="3" name=""/>
+          <p:cNvGraphicFramePr>
+            <a:graphicFrameLocks noGrp="true"/>
+          </p:cNvGraphicFramePr>
+          <p:nvPr/>
+        </p:nvGraphicFramePr>
+        <p:xfrm rot="0">
+          <a:off x="1828800" y="2743200"/>
+          <a:ext cx="36576000" cy="45720000"/>
+        </p:xfrm>
+        <a:graphic>
+          <a:graphicData uri="http://schemas.openxmlformats.org/drawingml/2006/table">
+            <a:tbl>
+              <a:tblPr/>
+              <a:tblGrid>
+                <a:gridCol w="1371600"/>
+                <a:gridCol w="1371600"/>
+                <a:gridCol w="1371600"/>
+                <a:gridCol w="1371600"/>
+              </a:tblGrid>
+              <a:tr h="457200">
+                <a:tc>
+                  <a:txBody>
+                    <a:bodyPr/>
+                    <a:lstStyle/>
+                    <a:p>
+                      <a:pPr algn="ctr" marL="63500" marR="63500">
+                        <a:spcBef>
+                          <a:spcPts val="200"/>
+                        </a:spcBef>
+                        <a:spcAft>
+                          <a:spcPts val="200"/>
+                        </a:spcAft>
+                        <a:buNone/>
+                      </a:pPr>
+                      <a:r>
+                        <a:rPr sz="1100" b="1">
+                          <a:solidFill>
+                            <a:srgbClr val="111111">
+                              <a:alpha val="100000"/>
+                            </a:srgbClr>
+                          </a:solidFill>
+                          <a:latin typeface="Arial"/>
+                          <a:cs typeface="Arial"/>
+                          <a:highlight>
+                            <a:srgbClr val="FFFFFF">
+                              <a:alpha val="0"/>
+                            </a:srgbClr>
+                          </a:highlight>
+                        </a:rPr>
+                        <a:t>rowname</a:t>
+                      </a:r>
+                    </a:p>
+                  </a:txBody>
+                  <a:tcPr anchor="ctr" marB="0" marT="0" marR="0" marL="0">
+                    <a:lnL w="0" cmpd="sng" algn="ctr" cap="flat">
+                      <a:solidFill>
+                        <a:srgbClr val="FFFFFF">
+                          <a:alpha val="0"/>
+                        </a:srgbClr>
+                      </a:solidFill>
+                      <a:prstDash val="solid"/>
+                    </a:lnL>
+                    <a:lnR w="0" cmpd="sng" algn="ctr" cap="flat">
+                      <a:solidFill>
+                        <a:srgbClr val="FFFFFF">
+                          <a:alpha val="0"/>
+                        </a:srgbClr>
+                      </a:solidFill>
+                      <a:prstDash val="solid"/>
+                    </a:lnR>
+                    <a:lnT w="25400" cmpd="sng" algn="ctr" cap="flat">
+                      <a:solidFill>
+                        <a:srgbClr val="000000">
+                          <a:alpha val="100000"/>
+                        </a:srgbClr>
+                      </a:solidFill>
+                      <a:prstDash val="solid"/>
+                    </a:lnT>
+                    <a:lnB w="25400" cmpd="sng" algn="ctr" cap="flat">
+                      <a:solidFill>
+                        <a:srgbClr val="000000">
+                          <a:alpha val="100000"/>
+                        </a:srgbClr>
+                      </a:solidFill>
+                      <a:prstDash val="solid"/>
+                    </a:lnB>
+                  </a:tcPr>
+                </a:tc>
+                <a:tc>
+                  <a:txBody>
+                    <a:bodyPr/>
+                    <a:lstStyle/>
+                    <a:p>
+                      <a:pPr algn="ctr" marL="63500" marR="63500">
+                        <a:spcBef>
+                          <a:spcPts val="200"/>
+                        </a:spcBef>
+                        <a:spcAft>
+                          <a:spcPts val="200"/>
+                        </a:spcAft>
+                        <a:buNone/>
+                      </a:pPr>
+                      <a:r>
+                        <a:rPr sz="1100" b="1">
+                          <a:solidFill>
+                            <a:srgbClr val="111111">
+                              <a:alpha val="100000"/>
+                            </a:srgbClr>
+                          </a:solidFill>
+                          <a:latin typeface="Arial"/>
+                          <a:cs typeface="Arial"/>
+                          <a:highlight>
+                            <a:srgbClr val="FFFFFF">
+                              <a:alpha val="0"/>
+                            </a:srgbClr>
+                          </a:highlight>
+                        </a:rPr>
+                        <a:t>OR</a:t>
+                      </a:r>
+                    </a:p>
+                  </a:txBody>
+                  <a:tcPr anchor="ctr" marB="0" marT="0" marR="0" marL="0">
+                    <a:lnL w="0" cmpd="sng" algn="ctr" cap="flat">
+                      <a:solidFill>
+                        <a:srgbClr val="FFFFFF">
+                          <a:alpha val="0"/>
+                        </a:srgbClr>
+                      </a:solidFill>
+                      <a:prstDash val="solid"/>
+                    </a:lnL>
+                    <a:lnR w="0" cmpd="sng" algn="ctr" cap="flat">
+                      <a:solidFill>
+                        <a:srgbClr val="FFFFFF">
+                          <a:alpha val="0"/>
+                        </a:srgbClr>
+                      </a:solidFill>
+                      <a:prstDash val="solid"/>
+                    </a:lnR>
+                    <a:lnT w="25400" cmpd="sng" algn="ctr" cap="flat">
+                      <a:solidFill>
+                        <a:srgbClr val="000000">
+                          <a:alpha val="100000"/>
+                        </a:srgbClr>
+                      </a:solidFill>
+                      <a:prstDash val="solid"/>
+                    </a:lnT>
+                    <a:lnB w="25400" cmpd="sng" algn="ctr" cap="flat">
+                      <a:solidFill>
+                        <a:srgbClr val="000000">
+                          <a:alpha val="100000"/>
+                        </a:srgbClr>
+                      </a:solidFill>
+                      <a:prstDash val="solid"/>
+                    </a:lnB>
+                  </a:tcPr>
+                </a:tc>
+                <a:tc>
+                  <a:txBody>
+                    <a:bodyPr/>
+                    <a:lstStyle/>
+                    <a:p>
+                      <a:pPr algn="ctr" marL="63500" marR="63500">
+                        <a:spcBef>
+                          <a:spcPts val="200"/>
+                        </a:spcBef>
+                        <a:spcAft>
+                          <a:spcPts val="200"/>
+                        </a:spcAft>
+                        <a:buNone/>
+                      </a:pPr>
+                      <a:r>
+                        <a:rPr sz="1100" b="1">
+                          <a:solidFill>
+                            <a:srgbClr val="111111">
+                              <a:alpha val="100000"/>
+                            </a:srgbClr>
+                          </a:solidFill>
+                          <a:latin typeface="Arial"/>
+                          <a:cs typeface="Arial"/>
+                          <a:highlight>
+                            <a:srgbClr val="FFFFFF">
+                              <a:alpha val="0"/>
+                            </a:srgbClr>
+                          </a:highlight>
+                        </a:rPr>
+                        <a:t>2.5 %</a:t>
+                      </a:r>
+                    </a:p>
+                  </a:txBody>
+                  <a:tcPr anchor="ctr" marB="0" marT="0" marR="0" marL="0">
+                    <a:lnL w="0" cmpd="sng" algn="ctr" cap="flat">
+                      <a:solidFill>
+                        <a:srgbClr val="FFFFFF">
+                          <a:alpha val="0"/>
+                        </a:srgbClr>
+                      </a:solidFill>
+                      <a:prstDash val="solid"/>
+                    </a:lnL>
+                    <a:lnR w="0" cmpd="sng" algn="ctr" cap="flat">
+                      <a:solidFill>
+                        <a:srgbClr val="FFFFFF">
+                          <a:alpha val="0"/>
+                        </a:srgbClr>
+                      </a:solidFill>
+                      <a:prstDash val="solid"/>
+                    </a:lnR>
+                    <a:lnT w="25400" cmpd="sng" algn="ctr" cap="flat">
+                      <a:solidFill>
+                        <a:srgbClr val="000000">
+                          <a:alpha val="100000"/>
+                        </a:srgbClr>
+                      </a:solidFill>
+                      <a:prstDash val="solid"/>
+                    </a:lnT>
+                    <a:lnB w="25400" cmpd="sng" algn="ctr" cap="flat">
+                      <a:solidFill>
+                        <a:srgbClr val="000000">
+                          <a:alpha val="100000"/>
+                        </a:srgbClr>
+                      </a:solidFill>
+                      <a:prstDash val="solid"/>
+                    </a:lnB>
+                  </a:tcPr>
+                </a:tc>
+                <a:tc>
+                  <a:txBody>
+                    <a:bodyPr/>
+                    <a:lstStyle/>
+                    <a:p>
+                      <a:pPr algn="ctr" marL="63500" marR="63500">
+                        <a:spcBef>
+                          <a:spcPts val="200"/>
+                        </a:spcBef>
+                        <a:spcAft>
+                          <a:spcPts val="200"/>
+                        </a:spcAft>
+                        <a:buNone/>
+                      </a:pPr>
+                      <a:r>
+                        <a:rPr sz="1100" b="1">
+                          <a:solidFill>
+                            <a:srgbClr val="111111">
+                              <a:alpha val="100000"/>
+                            </a:srgbClr>
+                          </a:solidFill>
+                          <a:latin typeface="Arial"/>
+                          <a:cs typeface="Arial"/>
+                          <a:highlight>
+                            <a:srgbClr val="FFFFFF">
+                              <a:alpha val="0"/>
+                            </a:srgbClr>
+                          </a:highlight>
+                        </a:rPr>
+                        <a:t>97.5 %</a:t>
+                      </a:r>
+                    </a:p>
+                  </a:txBody>
+                  <a:tcPr anchor="ctr" marB="0" marT="0" marR="0" marL="0">
+                    <a:lnL w="0" cmpd="sng" algn="ctr" cap="flat">
+                      <a:solidFill>
+                        <a:srgbClr val="FFFFFF">
+                          <a:alpha val="0"/>
+                        </a:srgbClr>
+                      </a:solidFill>
+                      <a:prstDash val="solid"/>
+                    </a:lnL>
+                    <a:lnR w="0" cmpd="sng" algn="ctr" cap="flat">
+                      <a:solidFill>
+                        <a:srgbClr val="FFFFFF">
+                          <a:alpha val="0"/>
+                        </a:srgbClr>
+                      </a:solidFill>
+                      <a:prstDash val="solid"/>
+                    </a:lnR>
+                    <a:lnT w="25400" cmpd="sng" algn="ctr" cap="flat">
+                      <a:solidFill>
+                        <a:srgbClr val="000000">
+                          <a:alpha val="100000"/>
+                        </a:srgbClr>
+                      </a:solidFill>
+                      <a:prstDash val="solid"/>
+                    </a:lnT>
+                    <a:lnB w="25400" cmpd="sng" algn="ctr" cap="flat">
+                      <a:solidFill>
+                        <a:srgbClr val="000000">
+                          <a:alpha val="100000"/>
+                        </a:srgbClr>
+                      </a:solidFill>
+                      <a:prstDash val="solid"/>
+                    </a:lnB>
+                  </a:tcPr>
+                </a:tc>
+              </a:tr>
+              <a:tr h="457200">
+                <a:tc>
+                  <a:txBody>
+                    <a:bodyPr/>
+                    <a:lstStyle/>
+                    <a:p>
+                      <a:pPr algn="ctr" marL="63500" marR="63500">
+                        <a:spcBef>
+                          <a:spcPts val="200"/>
+                        </a:spcBef>
+                        <a:spcAft>
+                          <a:spcPts val="200"/>
+                        </a:spcAft>
+                        <a:buNone/>
+                      </a:pPr>
+                      <a:r>
+                        <a:rPr sz="1100">
+                          <a:solidFill>
+                            <a:srgbClr val="111111">
+                              <a:alpha val="100000"/>
+                            </a:srgbClr>
+                          </a:solidFill>
+                          <a:latin typeface="Arial"/>
+                          <a:cs typeface="Arial"/>
+                          <a:highlight>
+                            <a:srgbClr val="FFFFFF">
+                              <a:alpha val="0"/>
+                            </a:srgbClr>
+                          </a:highlight>
+                        </a:rPr>
+                        <a:t>nse</a:t>
+                      </a:r>
+                    </a:p>
+                  </a:txBody>
+                  <a:tcPr anchor="ctr" marB="0" marT="0" marR="0" marL="0">
+                    <a:lnL w="0" cmpd="sng" algn="ctr" cap="flat">
+                      <a:solidFill>
+                        <a:srgbClr val="FFFFFF">
+                          <a:alpha val="0"/>
+                        </a:srgbClr>
+                      </a:solidFill>
+                      <a:prstDash val="solid"/>
+                    </a:lnL>
+                    <a:lnR w="0" cmpd="sng" algn="ctr" cap="flat">
+                      <a:solidFill>
+                        <a:srgbClr val="FFFFFF">
+                          <a:alpha val="0"/>
+                        </a:srgbClr>
+                      </a:solidFill>
+                      <a:prstDash val="solid"/>
+                    </a:lnR>
+                    <a:lnT w="0" cmpd="sng" algn="ctr" cap="flat">
+                      <a:solidFill>
+                        <a:srgbClr val="FFFFFF">
+                          <a:alpha val="0"/>
+                        </a:srgbClr>
+                      </a:solidFill>
+                      <a:prstDash val="solid"/>
+                    </a:lnT>
+                    <a:lnB w="0" cmpd="sng" algn="ctr" cap="flat">
+                      <a:solidFill>
+                        <a:srgbClr val="FFFFFF">
+                          <a:alpha val="0"/>
+                        </a:srgbClr>
+                      </a:solidFill>
+                      <a:prstDash val="solid"/>
+                    </a:lnB>
+                  </a:tcPr>
+                </a:tc>
+                <a:tc>
+                  <a:txBody>
+                    <a:bodyPr/>
+                    <a:lstStyle/>
+                    <a:p>
+                      <a:pPr algn="ctr" marL="63500" marR="63500">
+                        <a:spcBef>
+                          <a:spcPts val="200"/>
+                        </a:spcBef>
+                        <a:spcAft>
+                          <a:spcPts val="200"/>
+                        </a:spcAft>
+                        <a:buNone/>
+                      </a:pPr>
+                      <a:r>
+                        <a:rPr sz="1100">
+                          <a:solidFill>
+                            <a:srgbClr val="111111">
+                              <a:alpha val="100000"/>
+                            </a:srgbClr>
+                          </a:solidFill>
+                          <a:latin typeface="Arial"/>
+                          <a:cs typeface="Arial"/>
+                          <a:highlight>
+                            <a:srgbClr val="FFFFFF">
+                              <a:alpha val="0"/>
+                            </a:srgbClr>
+                          </a:highlight>
+                        </a:rPr>
+                        <a:t>0.8316555</a:t>
+                      </a:r>
+                    </a:p>
+                  </a:txBody>
+                  <a:tcPr anchor="ctr" marB="0" marT="0" marR="0" marL="0">
+                    <a:lnL w="0" cmpd="sng" algn="ctr" cap="flat">
+                      <a:solidFill>
+                        <a:srgbClr val="FFFFFF">
+                          <a:alpha val="0"/>
+                        </a:srgbClr>
+                      </a:solidFill>
+                      <a:prstDash val="solid"/>
+                    </a:lnL>
+                    <a:lnR w="0" cmpd="sng" algn="ctr" cap="flat">
+                      <a:solidFill>
+                        <a:srgbClr val="FFFFFF">
+                          <a:alpha val="0"/>
+                        </a:srgbClr>
+                      </a:solidFill>
+                      <a:prstDash val="solid"/>
+                    </a:lnR>
+                    <a:lnT w="0" cmpd="sng" algn="ctr" cap="flat">
+                      <a:solidFill>
+                        <a:srgbClr val="FFFFFF">
+                          <a:alpha val="0"/>
+                        </a:srgbClr>
+                      </a:solidFill>
+                      <a:prstDash val="solid"/>
+                    </a:lnT>
+                    <a:lnB w="0" cmpd="sng" algn="ctr" cap="flat">
+                      <a:solidFill>
+                        <a:srgbClr val="FFFFFF">
+                          <a:alpha val="0"/>
+                        </a:srgbClr>
+                      </a:solidFill>
+                      <a:prstDash val="solid"/>
+                    </a:lnB>
+                  </a:tcPr>
+                </a:tc>
+                <a:tc>
+                  <a:txBody>
+                    <a:bodyPr/>
+                    <a:lstStyle/>
+                    <a:p>
+                      <a:pPr algn="ctr" marL="63500" marR="63500">
+                        <a:spcBef>
+                          <a:spcPts val="200"/>
+                        </a:spcBef>
+                        <a:spcAft>
+                          <a:spcPts val="200"/>
+                        </a:spcAft>
+                        <a:buNone/>
+                      </a:pPr>
+                      <a:r>
+                        <a:rPr sz="1100">
+                          <a:solidFill>
+                            <a:srgbClr val="111111">
+                              <a:alpha val="100000"/>
+                            </a:srgbClr>
+                          </a:solidFill>
+                          <a:latin typeface="Arial"/>
+                          <a:cs typeface="Arial"/>
+                          <a:highlight>
+                            <a:srgbClr val="FFFFFF">
+                              <a:alpha val="0"/>
+                            </a:srgbClr>
+                          </a:highlight>
+                        </a:rPr>
+                        <a:t>-0.4250091</a:t>
+                      </a:r>
+                    </a:p>
+                  </a:txBody>
+                  <a:tcPr anchor="ctr" marB="0" marT="0" marR="0" marL="0">
+                    <a:lnL w="0" cmpd="sng" algn="ctr" cap="flat">
+                      <a:solidFill>
+                        <a:srgbClr val="FFFFFF">
+                          <a:alpha val="0"/>
+                        </a:srgbClr>
+                      </a:solidFill>
+                      <a:prstDash val="solid"/>
+                    </a:lnL>
+                    <a:lnR w="0" cmpd="sng" algn="ctr" cap="flat">
+                      <a:solidFill>
+                        <a:srgbClr val="FFFFFF">
+                          <a:alpha val="0"/>
+                        </a:srgbClr>
+                      </a:solidFill>
+                      <a:prstDash val="solid"/>
+                    </a:lnR>
+                    <a:lnT w="0" cmpd="sng" algn="ctr" cap="flat">
+                      <a:solidFill>
+                        <a:srgbClr val="FFFFFF">
+                          <a:alpha val="0"/>
+                        </a:srgbClr>
+                      </a:solidFill>
+                      <a:prstDash val="solid"/>
+                    </a:lnT>
+                    <a:lnB w="0" cmpd="sng" algn="ctr" cap="flat">
+                      <a:solidFill>
+                        <a:srgbClr val="FFFFFF">
+                          <a:alpha val="0"/>
+                        </a:srgbClr>
+                      </a:solidFill>
+                      <a:prstDash val="solid"/>
+                    </a:lnB>
+                  </a:tcPr>
+                </a:tc>
+                <a:tc>
+                  <a:txBody>
+                    <a:bodyPr/>
+                    <a:lstStyle/>
+                    <a:p>
+                      <a:pPr algn="ctr" marL="63500" marR="63500">
+                        <a:spcBef>
+                          <a:spcPts val="200"/>
+                        </a:spcBef>
+                        <a:spcAft>
+                          <a:spcPts val="200"/>
+                        </a:spcAft>
+                        <a:buNone/>
+                      </a:pPr>
+                      <a:r>
+                        <a:rPr sz="1100">
+                          <a:solidFill>
+                            <a:srgbClr val="111111">
+                              <a:alpha val="100000"/>
+                            </a:srgbClr>
+                          </a:solidFill>
+                          <a:latin typeface="Arial"/>
+                          <a:cs typeface="Arial"/>
+                          <a:highlight>
+                            <a:srgbClr val="FFFFFF">
+                              <a:alpha val="0"/>
+                            </a:srgbClr>
+                          </a:highlight>
+                        </a:rPr>
+                        <a:t>0.05400142</a:t>
+                      </a:r>
+                    </a:p>
+                  </a:txBody>
+                  <a:tcPr anchor="ctr" marB="0" marT="0" marR="0" marL="0">
+                    <a:lnL w="0" cmpd="sng" algn="ctr" cap="flat">
+                      <a:solidFill>
+                        <a:srgbClr val="FFFFFF">
+                          <a:alpha val="0"/>
+                        </a:srgbClr>
+                      </a:solidFill>
+                      <a:prstDash val="solid"/>
+                    </a:lnL>
+                    <a:lnR w="0" cmpd="sng" algn="ctr" cap="flat">
+                      <a:solidFill>
+                        <a:srgbClr val="FFFFFF">
+                          <a:alpha val="0"/>
+                        </a:srgbClr>
+                      </a:solidFill>
+                      <a:prstDash val="solid"/>
+                    </a:lnR>
+                    <a:lnT w="0" cmpd="sng" algn="ctr" cap="flat">
+                      <a:solidFill>
+                        <a:srgbClr val="FFFFFF">
+                          <a:alpha val="0"/>
+                        </a:srgbClr>
+                      </a:solidFill>
+                      <a:prstDash val="solid"/>
+                    </a:lnT>
+                    <a:lnB w="0" cmpd="sng" algn="ctr" cap="flat">
+                      <a:solidFill>
+                        <a:srgbClr val="FFFFFF">
+                          <a:alpha val="0"/>
+                        </a:srgbClr>
+                      </a:solidFill>
+                      <a:prstDash val="solid"/>
+                    </a:lnB>
+                  </a:tcPr>
+                </a:tc>
+              </a:tr>
+              <a:tr h="457200">
+                <a:tc>
+                  <a:txBody>
+                    <a:bodyPr/>
+                    <a:lstStyle/>
+                    <a:p>
+                      <a:pPr algn="ctr" marL="63500" marR="63500">
+                        <a:spcBef>
+                          <a:spcPts val="200"/>
+                        </a:spcBef>
+                        <a:spcAft>
+                          <a:spcPts val="200"/>
+                        </a:spcAft>
+                        <a:buNone/>
+                      </a:pPr>
+                      <a:r>
+                        <a:rPr sz="1100">
+                          <a:solidFill>
+                            <a:srgbClr val="111111">
+                              <a:alpha val="100000"/>
+                            </a:srgbClr>
+                          </a:solidFill>
+                          <a:latin typeface="Arial"/>
+                          <a:cs typeface="Arial"/>
+                          <a:highlight>
+                            <a:srgbClr val="FFFFFF">
+                              <a:alpha val="0"/>
+                            </a:srgbClr>
+                          </a:highlight>
+                        </a:rPr>
+                        <a:t>esc</a:t>
+                      </a:r>
+                    </a:p>
+                  </a:txBody>
+                  <a:tcPr anchor="ctr" marB="0" marT="0" marR="0" marL="0">
+                    <a:lnL w="0" cmpd="sng" algn="ctr" cap="flat">
+                      <a:solidFill>
+                        <a:srgbClr val="FFFFFF">
+                          <a:alpha val="0"/>
+                        </a:srgbClr>
+                      </a:solidFill>
+                      <a:prstDash val="solid"/>
+                    </a:lnL>
+                    <a:lnR w="0" cmpd="sng" algn="ctr" cap="flat">
+                      <a:solidFill>
+                        <a:srgbClr val="FFFFFF">
+                          <a:alpha val="0"/>
+                        </a:srgbClr>
+                      </a:solidFill>
+                      <a:prstDash val="solid"/>
+                    </a:lnR>
+                    <a:lnT w="0" cmpd="sng" algn="ctr" cap="flat">
+                      <a:solidFill>
+                        <a:srgbClr val="FFFFFF">
+                          <a:alpha val="0"/>
+                        </a:srgbClr>
+                      </a:solidFill>
+                      <a:prstDash val="solid"/>
+                    </a:lnT>
+                    <a:lnB w="0" cmpd="sng" algn="ctr" cap="flat">
+                      <a:solidFill>
+                        <a:srgbClr val="FFFFFF">
+                          <a:alpha val="0"/>
+                        </a:srgbClr>
+                      </a:solidFill>
+                      <a:prstDash val="solid"/>
+                    </a:lnB>
+                  </a:tcPr>
+                </a:tc>
+                <a:tc>
+                  <a:txBody>
+                    <a:bodyPr/>
+                    <a:lstStyle/>
+                    <a:p>
+                      <a:pPr algn="ctr" marL="63500" marR="63500">
+                        <a:spcBef>
+                          <a:spcPts val="200"/>
+                        </a:spcBef>
+                        <a:spcAft>
+                          <a:spcPts val="200"/>
+                        </a:spcAft>
+                        <a:buNone/>
+                      </a:pPr>
+                      <a:r>
+                        <a:rPr sz="1100">
+                          <a:solidFill>
+                            <a:srgbClr val="111111">
+                              <a:alpha val="100000"/>
+                            </a:srgbClr>
+                          </a:solidFill>
+                          <a:latin typeface="Arial"/>
+                          <a:cs typeface="Arial"/>
+                          <a:highlight>
+                            <a:srgbClr val="FFFFFF">
+                              <a:alpha val="0"/>
+                            </a:srgbClr>
+                          </a:highlight>
+                        </a:rPr>
+                        <a:t>1.0555971</a:t>
+                      </a:r>
+                    </a:p>
+                  </a:txBody>
+                  <a:tcPr anchor="ctr" marB="0" marT="0" marR="0" marL="0">
+                    <a:lnL w="0" cmpd="sng" algn="ctr" cap="flat">
+                      <a:solidFill>
+                        <a:srgbClr val="FFFFFF">
+                          <a:alpha val="0"/>
+                        </a:srgbClr>
+                      </a:solidFill>
+                      <a:prstDash val="solid"/>
+                    </a:lnL>
+                    <a:lnR w="0" cmpd="sng" algn="ctr" cap="flat">
+                      <a:solidFill>
+                        <a:srgbClr val="FFFFFF">
+                          <a:alpha val="0"/>
+                        </a:srgbClr>
+                      </a:solidFill>
+                      <a:prstDash val="solid"/>
+                    </a:lnR>
+                    <a:lnT w="0" cmpd="sng" algn="ctr" cap="flat">
+                      <a:solidFill>
+                        <a:srgbClr val="FFFFFF">
+                          <a:alpha val="0"/>
+                        </a:srgbClr>
+                      </a:solidFill>
+                      <a:prstDash val="solid"/>
+                    </a:lnT>
+                    <a:lnB w="0" cmpd="sng" algn="ctr" cap="flat">
+                      <a:solidFill>
+                        <a:srgbClr val="FFFFFF">
+                          <a:alpha val="0"/>
+                        </a:srgbClr>
+                      </a:solidFill>
+                      <a:prstDash val="solid"/>
+                    </a:lnB>
+                  </a:tcPr>
+                </a:tc>
+                <a:tc>
+                  <a:txBody>
+                    <a:bodyPr/>
+                    <a:lstStyle/>
+                    <a:p>
+                      <a:pPr algn="ctr" marL="63500" marR="63500">
+                        <a:spcBef>
+                          <a:spcPts val="200"/>
+                        </a:spcBef>
+                        <a:spcAft>
+                          <a:spcPts val="200"/>
+                        </a:spcAft>
+                        <a:buNone/>
+                      </a:pPr>
+                      <a:r>
+                        <a:rPr sz="1100">
+                          <a:solidFill>
+                            <a:srgbClr val="111111">
+                              <a:alpha val="100000"/>
+                            </a:srgbClr>
+                          </a:solidFill>
+                          <a:latin typeface="Arial"/>
+                          <a:cs typeface="Arial"/>
+                          <a:highlight>
+                            <a:srgbClr val="FFFFFF">
+                              <a:alpha val="0"/>
+                            </a:srgbClr>
+                          </a:highlight>
+                        </a:rPr>
+                        <a:t>-0.0170838</a:t>
+                      </a:r>
+                    </a:p>
+                  </a:txBody>
+                  <a:tcPr anchor="ctr" marB="0" marT="0" marR="0" marL="0">
+                    <a:lnL w="0" cmpd="sng" algn="ctr" cap="flat">
+                      <a:solidFill>
+                        <a:srgbClr val="FFFFFF">
+                          <a:alpha val="0"/>
+                        </a:srgbClr>
+                      </a:solidFill>
+                      <a:prstDash val="solid"/>
+                    </a:lnL>
+                    <a:lnR w="0" cmpd="sng" algn="ctr" cap="flat">
+                      <a:solidFill>
+                        <a:srgbClr val="FFFFFF">
+                          <a:alpha val="0"/>
+                        </a:srgbClr>
+                      </a:solidFill>
+                      <a:prstDash val="solid"/>
+                    </a:lnR>
+                    <a:lnT w="0" cmpd="sng" algn="ctr" cap="flat">
+                      <a:solidFill>
+                        <a:srgbClr val="FFFFFF">
+                          <a:alpha val="0"/>
+                        </a:srgbClr>
+                      </a:solidFill>
+                      <a:prstDash val="solid"/>
+                    </a:lnT>
+                    <a:lnB w="0" cmpd="sng" algn="ctr" cap="flat">
+                      <a:solidFill>
+                        <a:srgbClr val="FFFFFF">
+                          <a:alpha val="0"/>
+                        </a:srgbClr>
+                      </a:solidFill>
+                      <a:prstDash val="solid"/>
+                    </a:lnB>
+                  </a:tcPr>
+                </a:tc>
+                <a:tc>
+                  <a:txBody>
+                    <a:bodyPr/>
+                    <a:lstStyle/>
+                    <a:p>
+                      <a:pPr algn="ctr" marL="63500" marR="63500">
+                        <a:spcBef>
+                          <a:spcPts val="200"/>
+                        </a:spcBef>
+                        <a:spcAft>
+                          <a:spcPts val="200"/>
+                        </a:spcAft>
+                        <a:buNone/>
+                      </a:pPr>
+                      <a:r>
+                        <a:rPr sz="1100">
+                          <a:solidFill>
+                            <a:srgbClr val="111111">
+                              <a:alpha val="100000"/>
+                            </a:srgbClr>
+                          </a:solidFill>
+                          <a:latin typeface="Arial"/>
+                          <a:cs typeface="Arial"/>
+                          <a:highlight>
+                            <a:srgbClr val="FFFFFF">
+                              <a:alpha val="0"/>
+                            </a:srgbClr>
+                          </a:highlight>
+                        </a:rPr>
+                        <a:t>0.12702021</a:t>
+                      </a:r>
+                    </a:p>
+                  </a:txBody>
+                  <a:tcPr anchor="ctr" marB="0" marT="0" marR="0" marL="0">
+                    <a:lnL w="0" cmpd="sng" algn="ctr" cap="flat">
+                      <a:solidFill>
+                        <a:srgbClr val="FFFFFF">
+                          <a:alpha val="0"/>
+                        </a:srgbClr>
+                      </a:solidFill>
+                      <a:prstDash val="solid"/>
+                    </a:lnL>
+                    <a:lnR w="0" cmpd="sng" algn="ctr" cap="flat">
+                      <a:solidFill>
+                        <a:srgbClr val="FFFFFF">
+                          <a:alpha val="0"/>
+                        </a:srgbClr>
+                      </a:solidFill>
+                      <a:prstDash val="solid"/>
+                    </a:lnR>
+                    <a:lnT w="0" cmpd="sng" algn="ctr" cap="flat">
+                      <a:solidFill>
+                        <a:srgbClr val="FFFFFF">
+                          <a:alpha val="0"/>
+                        </a:srgbClr>
+                      </a:solidFill>
+                      <a:prstDash val="solid"/>
+                    </a:lnT>
+                    <a:lnB w="0" cmpd="sng" algn="ctr" cap="flat">
+                      <a:solidFill>
+                        <a:srgbClr val="FFFFFF">
+                          <a:alpha val="0"/>
+                        </a:srgbClr>
+                      </a:solidFill>
+                      <a:prstDash val="solid"/>
+                    </a:lnB>
+                  </a:tcPr>
+                </a:tc>
+              </a:tr>
+              <a:tr h="457200">
+                <a:tc>
+                  <a:txBody>
+                    <a:bodyPr/>
+                    <a:lstStyle/>
+                    <a:p>
+                      <a:pPr algn="ctr" marL="63500" marR="63500">
+                        <a:spcBef>
+                          <a:spcPts val="200"/>
+                        </a:spcBef>
+                        <a:spcAft>
+                          <a:spcPts val="200"/>
+                        </a:spcAft>
+                        <a:buNone/>
+                      </a:pPr>
+                      <a:r>
+                        <a:rPr sz="1100">
+                          <a:solidFill>
+                            <a:srgbClr val="111111">
+                              <a:alpha val="100000"/>
+                            </a:srgbClr>
+                          </a:solidFill>
+                          <a:latin typeface="Arial"/>
+                          <a:cs typeface="Arial"/>
+                          <a:highlight>
+                            <a:srgbClr val="FFFFFF">
+                              <a:alpha val="0"/>
+                            </a:srgbClr>
+                          </a:highlight>
+                        </a:rPr>
+                        <a:t>realidad.std</a:t>
+                      </a:r>
+                    </a:p>
+                  </a:txBody>
+                  <a:tcPr anchor="ctr" marB="0" marT="0" marR="0" marL="0">
+                    <a:lnL w="0" cmpd="sng" algn="ctr" cap="flat">
+                      <a:solidFill>
+                        <a:srgbClr val="FFFFFF">
+                          <a:alpha val="0"/>
+                        </a:srgbClr>
+                      </a:solidFill>
+                      <a:prstDash val="solid"/>
+                    </a:lnL>
+                    <a:lnR w="0" cmpd="sng" algn="ctr" cap="flat">
+                      <a:solidFill>
+                        <a:srgbClr val="FFFFFF">
+                          <a:alpha val="0"/>
+                        </a:srgbClr>
+                      </a:solidFill>
+                      <a:prstDash val="solid"/>
+                    </a:lnR>
+                    <a:lnT w="0" cmpd="sng" algn="ctr" cap="flat">
+                      <a:solidFill>
+                        <a:srgbClr val="FFFFFF">
+                          <a:alpha val="0"/>
+                        </a:srgbClr>
+                      </a:solidFill>
+                      <a:prstDash val="solid"/>
+                    </a:lnT>
+                    <a:lnB w="0" cmpd="sng" algn="ctr" cap="flat">
+                      <a:solidFill>
+                        <a:srgbClr val="FFFFFF">
+                          <a:alpha val="0"/>
+                        </a:srgbClr>
+                      </a:solidFill>
+                      <a:prstDash val="solid"/>
+                    </a:lnB>
+                  </a:tcPr>
+                </a:tc>
+                <a:tc>
+                  <a:txBody>
+                    <a:bodyPr/>
+                    <a:lstStyle/>
+                    <a:p>
+                      <a:pPr algn="ctr" marL="63500" marR="63500">
+                        <a:spcBef>
+                          <a:spcPts val="200"/>
+                        </a:spcBef>
+                        <a:spcAft>
+                          <a:spcPts val="200"/>
+                        </a:spcAft>
+                        <a:buNone/>
+                      </a:pPr>
+                      <a:r>
+                        <a:rPr sz="1100">
+                          <a:solidFill>
+                            <a:srgbClr val="111111">
+                              <a:alpha val="100000"/>
+                            </a:srgbClr>
+                          </a:solidFill>
+                          <a:latin typeface="Arial"/>
+                          <a:cs typeface="Arial"/>
+                          <a:highlight>
+                            <a:srgbClr val="FFFFFF">
+                              <a:alpha val="0"/>
+                            </a:srgbClr>
+                          </a:highlight>
+                        </a:rPr>
+                        <a:t>0.9793206</a:t>
+                      </a:r>
+                    </a:p>
+                  </a:txBody>
+                  <a:tcPr anchor="ctr" marB="0" marT="0" marR="0" marL="0">
+                    <a:lnL w="0" cmpd="sng" algn="ctr" cap="flat">
+                      <a:solidFill>
+                        <a:srgbClr val="FFFFFF">
+                          <a:alpha val="0"/>
+                        </a:srgbClr>
+                      </a:solidFill>
+                      <a:prstDash val="solid"/>
+                    </a:lnL>
+                    <a:lnR w="0" cmpd="sng" algn="ctr" cap="flat">
+                      <a:solidFill>
+                        <a:srgbClr val="FFFFFF">
+                          <a:alpha val="0"/>
+                        </a:srgbClr>
+                      </a:solidFill>
+                      <a:prstDash val="solid"/>
+                    </a:lnR>
+                    <a:lnT w="0" cmpd="sng" algn="ctr" cap="flat">
+                      <a:solidFill>
+                        <a:srgbClr val="FFFFFF">
+                          <a:alpha val="0"/>
+                        </a:srgbClr>
+                      </a:solidFill>
+                      <a:prstDash val="solid"/>
+                    </a:lnT>
+                    <a:lnB w="0" cmpd="sng" algn="ctr" cap="flat">
+                      <a:solidFill>
+                        <a:srgbClr val="FFFFFF">
+                          <a:alpha val="0"/>
+                        </a:srgbClr>
+                      </a:solidFill>
+                      <a:prstDash val="solid"/>
+                    </a:lnB>
+                  </a:tcPr>
+                </a:tc>
+                <a:tc>
+                  <a:txBody>
+                    <a:bodyPr/>
+                    <a:lstStyle/>
+                    <a:p>
+                      <a:pPr algn="ctr" marL="63500" marR="63500">
+                        <a:spcBef>
+                          <a:spcPts val="200"/>
+                        </a:spcBef>
+                        <a:spcAft>
+                          <a:spcPts val="200"/>
+                        </a:spcAft>
+                        <a:buNone/>
+                      </a:pPr>
+                      <a:r>
+                        <a:rPr sz="1100">
+                          <a:solidFill>
+                            <a:srgbClr val="111111">
+                              <a:alpha val="100000"/>
+                            </a:srgbClr>
+                          </a:solidFill>
+                          <a:latin typeface="Arial"/>
+                          <a:cs typeface="Arial"/>
+                          <a:highlight>
+                            <a:srgbClr val="FFFFFF">
+                              <a:alpha val="0"/>
+                            </a:srgbClr>
+                          </a:highlight>
+                        </a:rPr>
+                        <a:t>-0.2335209</a:t>
+                      </a:r>
+                    </a:p>
+                  </a:txBody>
+                  <a:tcPr anchor="ctr" marB="0" marT="0" marR="0" marL="0">
+                    <a:lnL w="0" cmpd="sng" algn="ctr" cap="flat">
+                      <a:solidFill>
+                        <a:srgbClr val="FFFFFF">
+                          <a:alpha val="0"/>
+                        </a:srgbClr>
+                      </a:solidFill>
+                      <a:prstDash val="solid"/>
+                    </a:lnL>
+                    <a:lnR w="0" cmpd="sng" algn="ctr" cap="flat">
+                      <a:solidFill>
+                        <a:srgbClr val="FFFFFF">
+                          <a:alpha val="0"/>
+                        </a:srgbClr>
+                      </a:solidFill>
+                      <a:prstDash val="solid"/>
+                    </a:lnR>
+                    <a:lnT w="0" cmpd="sng" algn="ctr" cap="flat">
+                      <a:solidFill>
+                        <a:srgbClr val="FFFFFF">
+                          <a:alpha val="0"/>
+                        </a:srgbClr>
+                      </a:solidFill>
+                      <a:prstDash val="solid"/>
+                    </a:lnT>
+                    <a:lnB w="0" cmpd="sng" algn="ctr" cap="flat">
+                      <a:solidFill>
+                        <a:srgbClr val="FFFFFF">
+                          <a:alpha val="0"/>
+                        </a:srgbClr>
+                      </a:solidFill>
+                      <a:prstDash val="solid"/>
+                    </a:lnB>
+                  </a:tcPr>
+                </a:tc>
+                <a:tc>
+                  <a:txBody>
+                    <a:bodyPr/>
+                    <a:lstStyle/>
+                    <a:p>
+                      <a:pPr algn="ctr" marL="63500" marR="63500">
+                        <a:spcBef>
+                          <a:spcPts val="200"/>
+                        </a:spcBef>
+                        <a:spcAft>
+                          <a:spcPts val="200"/>
+                        </a:spcAft>
+                        <a:buNone/>
+                      </a:pPr>
+                      <a:r>
+                        <a:rPr sz="1100">
+                          <a:solidFill>
+                            <a:srgbClr val="111111">
+                              <a:alpha val="100000"/>
+                            </a:srgbClr>
+                          </a:solidFill>
+                          <a:latin typeface="Arial"/>
+                          <a:cs typeface="Arial"/>
+                          <a:highlight>
+                            <a:srgbClr val="FFFFFF">
+                              <a:alpha val="0"/>
+                            </a:srgbClr>
+                          </a:highlight>
+                        </a:rPr>
+                        <a:t>0.19292759</a:t>
+                      </a:r>
+                    </a:p>
+                  </a:txBody>
+                  <a:tcPr anchor="ctr" marB="0" marT="0" marR="0" marL="0">
+                    <a:lnL w="0" cmpd="sng" algn="ctr" cap="flat">
+                      <a:solidFill>
+                        <a:srgbClr val="FFFFFF">
+                          <a:alpha val="0"/>
+                        </a:srgbClr>
+                      </a:solidFill>
+                      <a:prstDash val="solid"/>
+                    </a:lnL>
+                    <a:lnR w="0" cmpd="sng" algn="ctr" cap="flat">
+                      <a:solidFill>
+                        <a:srgbClr val="FFFFFF">
+                          <a:alpha val="0"/>
+                        </a:srgbClr>
+                      </a:solidFill>
+                      <a:prstDash val="solid"/>
+                    </a:lnR>
+                    <a:lnT w="0" cmpd="sng" algn="ctr" cap="flat">
+                      <a:solidFill>
+                        <a:srgbClr val="FFFFFF">
+                          <a:alpha val="0"/>
+                        </a:srgbClr>
+                      </a:solidFill>
+                      <a:prstDash val="solid"/>
+                    </a:lnT>
+                    <a:lnB w="0" cmpd="sng" algn="ctr" cap="flat">
+                      <a:solidFill>
+                        <a:srgbClr val="FFFFFF">
+                          <a:alpha val="0"/>
+                        </a:srgbClr>
+                      </a:solidFill>
+                      <a:prstDash val="solid"/>
+                    </a:lnB>
+                  </a:tcPr>
+                </a:tc>
+              </a:tr>
+              <a:tr h="457200">
+                <a:tc>
+                  <a:txBody>
+                    <a:bodyPr/>
+                    <a:lstStyle/>
+                    <a:p>
+                      <a:pPr algn="ctr" marL="63500" marR="63500">
+                        <a:spcBef>
+                          <a:spcPts val="200"/>
+                        </a:spcBef>
+                        <a:spcAft>
+                          <a:spcPts val="200"/>
+                        </a:spcAft>
+                        <a:buNone/>
+                      </a:pPr>
+                      <a:r>
+                        <a:rPr sz="1100">
+                          <a:solidFill>
+                            <a:srgbClr val="00FF00">
+                              <a:alpha val="100000"/>
+                            </a:srgbClr>
+                          </a:solidFill>
+                          <a:latin typeface="Arial"/>
+                          <a:cs typeface="Arial"/>
+                          <a:highlight>
+                            <a:srgbClr val="FFFFFF">
+                              <a:alpha val="0"/>
+                            </a:srgbClr>
+                          </a:highlight>
+                        </a:rPr>
+                        <a:t>pos.politico.std</a:t>
+                      </a:r>
+                    </a:p>
+                  </a:txBody>
+                  <a:tcPr anchor="ctr" marB="0" marT="0" marR="0" marL="0">
+                    <a:lnL w="0" cmpd="sng" algn="ctr" cap="flat">
+                      <a:solidFill>
+                        <a:srgbClr val="FFFFFF">
+                          <a:alpha val="0"/>
+                        </a:srgbClr>
+                      </a:solidFill>
+                      <a:prstDash val="solid"/>
+                    </a:lnL>
+                    <a:lnR w="0" cmpd="sng" algn="ctr" cap="flat">
+                      <a:solidFill>
+                        <a:srgbClr val="FFFFFF">
+                          <a:alpha val="0"/>
+                        </a:srgbClr>
+                      </a:solidFill>
+                      <a:prstDash val="solid"/>
+                    </a:lnR>
+                    <a:lnT w="0" cmpd="sng" algn="ctr" cap="flat">
+                      <a:solidFill>
+                        <a:srgbClr val="FFFFFF">
+                          <a:alpha val="0"/>
+                        </a:srgbClr>
+                      </a:solidFill>
+                      <a:prstDash val="solid"/>
+                    </a:lnT>
+                    <a:lnB w="0" cmpd="sng" algn="ctr" cap="flat">
+                      <a:solidFill>
+                        <a:srgbClr val="FFFFFF">
+                          <a:alpha val="0"/>
+                        </a:srgbClr>
+                      </a:solidFill>
+                      <a:prstDash val="solid"/>
+                    </a:lnB>
+                  </a:tcPr>
+                </a:tc>
+                <a:tc>
+                  <a:txBody>
+                    <a:bodyPr/>
+                    <a:lstStyle/>
+                    <a:p>
+                      <a:pPr algn="ctr" marL="63500" marR="63500">
+                        <a:spcBef>
+                          <a:spcPts val="200"/>
+                        </a:spcBef>
+                        <a:spcAft>
+                          <a:spcPts val="200"/>
+                        </a:spcAft>
+                        <a:buNone/>
+                      </a:pPr>
+                      <a:r>
+                        <a:rPr sz="1100">
+                          <a:solidFill>
+                            <a:srgbClr val="00FF00">
+                              <a:alpha val="100000"/>
+                            </a:srgbClr>
+                          </a:solidFill>
+                          <a:latin typeface="Arial"/>
+                          <a:cs typeface="Arial"/>
+                          <a:highlight>
+                            <a:srgbClr val="FFFFFF">
+                              <a:alpha val="0"/>
+                            </a:srgbClr>
+                          </a:highlight>
+                        </a:rPr>
+                        <a:t>0.7071428</a:t>
+                      </a:r>
+                    </a:p>
+                  </a:txBody>
+                  <a:tcPr anchor="ctr" marB="0" marT="0" marR="0" marL="0">
+                    <a:lnL w="0" cmpd="sng" algn="ctr" cap="flat">
+                      <a:solidFill>
+                        <a:srgbClr val="FFFFFF">
+                          <a:alpha val="0"/>
+                        </a:srgbClr>
+                      </a:solidFill>
+                      <a:prstDash val="solid"/>
+                    </a:lnL>
+                    <a:lnR w="0" cmpd="sng" algn="ctr" cap="flat">
+                      <a:solidFill>
+                        <a:srgbClr val="FFFFFF">
+                          <a:alpha val="0"/>
+                        </a:srgbClr>
+                      </a:solidFill>
+                      <a:prstDash val="solid"/>
+                    </a:lnR>
+                    <a:lnT w="0" cmpd="sng" algn="ctr" cap="flat">
+                      <a:solidFill>
+                        <a:srgbClr val="FFFFFF">
+                          <a:alpha val="0"/>
+                        </a:srgbClr>
+                      </a:solidFill>
+                      <a:prstDash val="solid"/>
+                    </a:lnT>
+                    <a:lnB w="0" cmpd="sng" algn="ctr" cap="flat">
+                      <a:solidFill>
+                        <a:srgbClr val="FFFFFF">
+                          <a:alpha val="0"/>
+                        </a:srgbClr>
+                      </a:solidFill>
+                      <a:prstDash val="solid"/>
+                    </a:lnB>
+                  </a:tcPr>
+                </a:tc>
+                <a:tc>
+                  <a:txBody>
+                    <a:bodyPr/>
+                    <a:lstStyle/>
+                    <a:p>
+                      <a:pPr algn="ctr" marL="63500" marR="63500">
+                        <a:spcBef>
+                          <a:spcPts val="200"/>
+                        </a:spcBef>
+                        <a:spcAft>
+                          <a:spcPts val="200"/>
+                        </a:spcAft>
+                        <a:buNone/>
+                      </a:pPr>
+                      <a:r>
+                        <a:rPr sz="1100">
+                          <a:solidFill>
+                            <a:srgbClr val="00FF00">
+                              <a:alpha val="100000"/>
+                            </a:srgbClr>
+                          </a:solidFill>
+                          <a:latin typeface="Arial"/>
+                          <a:cs typeface="Arial"/>
+                          <a:highlight>
+                            <a:srgbClr val="FFFFFF">
+                              <a:alpha val="0"/>
+                            </a:srgbClr>
+                          </a:highlight>
+                        </a:rPr>
+                        <a:t>-0.5794314</a:t>
+                      </a:r>
+                    </a:p>
+                  </a:txBody>
+                  <a:tcPr anchor="ctr" marB="0" marT="0" marR="0" marL="0">
+                    <a:lnL w="0" cmpd="sng" algn="ctr" cap="flat">
+                      <a:solidFill>
+                        <a:srgbClr val="FFFFFF">
+                          <a:alpha val="0"/>
+                        </a:srgbClr>
+                      </a:solidFill>
+                      <a:prstDash val="solid"/>
+                    </a:lnL>
+                    <a:lnR w="0" cmpd="sng" algn="ctr" cap="flat">
+                      <a:solidFill>
+                        <a:srgbClr val="FFFFFF">
+                          <a:alpha val="0"/>
+                        </a:srgbClr>
+                      </a:solidFill>
+                      <a:prstDash val="solid"/>
+                    </a:lnR>
+                    <a:lnT w="0" cmpd="sng" algn="ctr" cap="flat">
+                      <a:solidFill>
+                        <a:srgbClr val="FFFFFF">
+                          <a:alpha val="0"/>
+                        </a:srgbClr>
+                      </a:solidFill>
+                      <a:prstDash val="solid"/>
+                    </a:lnT>
+                    <a:lnB w="0" cmpd="sng" algn="ctr" cap="flat">
+                      <a:solidFill>
+                        <a:srgbClr val="FFFFFF">
+                          <a:alpha val="0"/>
+                        </a:srgbClr>
+                      </a:solidFill>
+                      <a:prstDash val="solid"/>
+                    </a:lnB>
+                  </a:tcPr>
+                </a:tc>
+                <a:tc>
+                  <a:txBody>
+                    <a:bodyPr/>
+                    <a:lstStyle/>
+                    <a:p>
+                      <a:pPr algn="ctr" marL="63500" marR="63500">
+                        <a:spcBef>
+                          <a:spcPts val="200"/>
+                        </a:spcBef>
+                        <a:spcAft>
+                          <a:spcPts val="200"/>
+                        </a:spcAft>
+                        <a:buNone/>
+                      </a:pPr>
+                      <a:r>
+                        <a:rPr sz="1100">
+                          <a:solidFill>
+                            <a:srgbClr val="00FF00">
+                              <a:alpha val="100000"/>
+                            </a:srgbClr>
+                          </a:solidFill>
+                          <a:latin typeface="Arial"/>
+                          <a:cs typeface="Arial"/>
+                          <a:highlight>
+                            <a:srgbClr val="FFFFFF">
+                              <a:alpha val="0"/>
+                            </a:srgbClr>
+                          </a:highlight>
+                        </a:rPr>
+                        <a:t>-0.11879886</a:t>
+                      </a:r>
+                    </a:p>
+                  </a:txBody>
+                  <a:tcPr anchor="ctr" marB="0" marT="0" marR="0" marL="0">
+                    <a:lnL w="0" cmpd="sng" algn="ctr" cap="flat">
+                      <a:solidFill>
+                        <a:srgbClr val="FFFFFF">
+                          <a:alpha val="0"/>
+                        </a:srgbClr>
+                      </a:solidFill>
+                      <a:prstDash val="solid"/>
+                    </a:lnL>
+                    <a:lnR w="0" cmpd="sng" algn="ctr" cap="flat">
+                      <a:solidFill>
+                        <a:srgbClr val="FFFFFF">
+                          <a:alpha val="0"/>
+                        </a:srgbClr>
+                      </a:solidFill>
+                      <a:prstDash val="solid"/>
+                    </a:lnR>
+                    <a:lnT w="0" cmpd="sng" algn="ctr" cap="flat">
+                      <a:solidFill>
+                        <a:srgbClr val="FFFFFF">
+                          <a:alpha val="0"/>
+                        </a:srgbClr>
+                      </a:solidFill>
+                      <a:prstDash val="solid"/>
+                    </a:lnT>
+                    <a:lnB w="0" cmpd="sng" algn="ctr" cap="flat">
+                      <a:solidFill>
+                        <a:srgbClr val="FFFFFF">
+                          <a:alpha val="0"/>
+                        </a:srgbClr>
+                      </a:solidFill>
+                      <a:prstDash val="solid"/>
+                    </a:lnB>
+                  </a:tcPr>
+                </a:tc>
+              </a:tr>
+              <a:tr h="457200">
+                <a:tc>
+                  <a:txBody>
+                    <a:bodyPr/>
+                    <a:lstStyle/>
+                    <a:p>
+                      <a:pPr algn="ctr" marL="63500" marR="63500">
+                        <a:spcBef>
+                          <a:spcPts val="200"/>
+                        </a:spcBef>
+                        <a:spcAft>
+                          <a:spcPts val="200"/>
+                        </a:spcAft>
+                        <a:buNone/>
+                      </a:pPr>
+                      <a:r>
+                        <a:rPr sz="1100">
+                          <a:solidFill>
+                            <a:srgbClr val="111111">
+                              <a:alpha val="100000"/>
+                            </a:srgbClr>
+                          </a:solidFill>
+                          <a:latin typeface="Arial"/>
+                          <a:cs typeface="Arial"/>
+                          <a:highlight>
+                            <a:srgbClr val="FFFFFF">
+                              <a:alpha val="0"/>
+                            </a:srgbClr>
+                          </a:highlight>
+                        </a:rPr>
+                        <a:t>org.econ.std</a:t>
+                      </a:r>
+                    </a:p>
+                  </a:txBody>
+                  <a:tcPr anchor="ctr" marB="0" marT="0" marR="0" marL="0">
+                    <a:lnL w="0" cmpd="sng" algn="ctr" cap="flat">
+                      <a:solidFill>
+                        <a:srgbClr val="FFFFFF">
+                          <a:alpha val="0"/>
+                        </a:srgbClr>
+                      </a:solidFill>
+                      <a:prstDash val="solid"/>
+                    </a:lnL>
+                    <a:lnR w="0" cmpd="sng" algn="ctr" cap="flat">
+                      <a:solidFill>
+                        <a:srgbClr val="FFFFFF">
+                          <a:alpha val="0"/>
+                        </a:srgbClr>
+                      </a:solidFill>
+                      <a:prstDash val="solid"/>
+                    </a:lnR>
+                    <a:lnT w="0" cmpd="sng" algn="ctr" cap="flat">
+                      <a:solidFill>
+                        <a:srgbClr val="FFFFFF">
+                          <a:alpha val="0"/>
+                        </a:srgbClr>
+                      </a:solidFill>
+                      <a:prstDash val="solid"/>
+                    </a:lnT>
+                    <a:lnB w="0" cmpd="sng" algn="ctr" cap="flat">
+                      <a:solidFill>
+                        <a:srgbClr val="FFFFFF">
+                          <a:alpha val="0"/>
+                        </a:srgbClr>
+                      </a:solidFill>
+                      <a:prstDash val="solid"/>
+                    </a:lnB>
+                  </a:tcPr>
+                </a:tc>
+                <a:tc>
+                  <a:txBody>
+                    <a:bodyPr/>
+                    <a:lstStyle/>
+                    <a:p>
+                      <a:pPr algn="ctr" marL="63500" marR="63500">
+                        <a:spcBef>
+                          <a:spcPts val="200"/>
+                        </a:spcBef>
+                        <a:spcAft>
+                          <a:spcPts val="200"/>
+                        </a:spcAft>
+                        <a:buNone/>
+                      </a:pPr>
+                      <a:r>
+                        <a:rPr sz="1100">
+                          <a:solidFill>
+                            <a:srgbClr val="111111">
+                              <a:alpha val="100000"/>
+                            </a:srgbClr>
+                          </a:solidFill>
+                          <a:latin typeface="Arial"/>
+                          <a:cs typeface="Arial"/>
+                          <a:highlight>
+                            <a:srgbClr val="FFFFFF">
+                              <a:alpha val="0"/>
+                            </a:srgbClr>
+                          </a:highlight>
+                        </a:rPr>
+                        <a:t>1.0966147</a:t>
+                      </a:r>
+                    </a:p>
+                  </a:txBody>
+                  <a:tcPr anchor="ctr" marB="0" marT="0" marR="0" marL="0">
+                    <a:lnL w="0" cmpd="sng" algn="ctr" cap="flat">
+                      <a:solidFill>
+                        <a:srgbClr val="FFFFFF">
+                          <a:alpha val="0"/>
+                        </a:srgbClr>
+                      </a:solidFill>
+                      <a:prstDash val="solid"/>
+                    </a:lnL>
+                    <a:lnR w="0" cmpd="sng" algn="ctr" cap="flat">
+                      <a:solidFill>
+                        <a:srgbClr val="FFFFFF">
+                          <a:alpha val="0"/>
+                        </a:srgbClr>
+                      </a:solidFill>
+                      <a:prstDash val="solid"/>
+                    </a:lnR>
+                    <a:lnT w="0" cmpd="sng" algn="ctr" cap="flat">
+                      <a:solidFill>
+                        <a:srgbClr val="FFFFFF">
+                          <a:alpha val="0"/>
+                        </a:srgbClr>
+                      </a:solidFill>
+                      <a:prstDash val="solid"/>
+                    </a:lnT>
+                    <a:lnB w="0" cmpd="sng" algn="ctr" cap="flat">
+                      <a:solidFill>
+                        <a:srgbClr val="FFFFFF">
+                          <a:alpha val="0"/>
+                        </a:srgbClr>
+                      </a:solidFill>
+                      <a:prstDash val="solid"/>
+                    </a:lnB>
+                  </a:tcPr>
+                </a:tc>
+                <a:tc>
+                  <a:txBody>
+                    <a:bodyPr/>
+                    <a:lstStyle/>
+                    <a:p>
+                      <a:pPr algn="ctr" marL="63500" marR="63500">
+                        <a:spcBef>
+                          <a:spcPts val="200"/>
+                        </a:spcBef>
+                        <a:spcAft>
+                          <a:spcPts val="200"/>
+                        </a:spcAft>
+                        <a:buNone/>
+                      </a:pPr>
+                      <a:r>
+                        <a:rPr sz="1100">
+                          <a:solidFill>
+                            <a:srgbClr val="111111">
+                              <a:alpha val="100000"/>
+                            </a:srgbClr>
+                          </a:solidFill>
+                          <a:latin typeface="Arial"/>
+                          <a:cs typeface="Arial"/>
+                          <a:highlight>
+                            <a:srgbClr val="FFFFFF">
+                              <a:alpha val="0"/>
+                            </a:srgbClr>
+                          </a:highlight>
+                        </a:rPr>
+                        <a:t>-0.1335757</a:t>
+                      </a:r>
+                    </a:p>
+                  </a:txBody>
+                  <a:tcPr anchor="ctr" marB="0" marT="0" marR="0" marL="0">
+                    <a:lnL w="0" cmpd="sng" algn="ctr" cap="flat">
+                      <a:solidFill>
+                        <a:srgbClr val="FFFFFF">
+                          <a:alpha val="0"/>
+                        </a:srgbClr>
+                      </a:solidFill>
+                      <a:prstDash val="solid"/>
+                    </a:lnL>
+                    <a:lnR w="0" cmpd="sng" algn="ctr" cap="flat">
+                      <a:solidFill>
+                        <a:srgbClr val="FFFFFF">
+                          <a:alpha val="0"/>
+                        </a:srgbClr>
+                      </a:solidFill>
+                      <a:prstDash val="solid"/>
+                    </a:lnR>
+                    <a:lnT w="0" cmpd="sng" algn="ctr" cap="flat">
+                      <a:solidFill>
+                        <a:srgbClr val="FFFFFF">
+                          <a:alpha val="0"/>
+                        </a:srgbClr>
+                      </a:solidFill>
+                      <a:prstDash val="solid"/>
+                    </a:lnT>
+                    <a:lnB w="0" cmpd="sng" algn="ctr" cap="flat">
+                      <a:solidFill>
+                        <a:srgbClr val="FFFFFF">
+                          <a:alpha val="0"/>
+                        </a:srgbClr>
+                      </a:solidFill>
+                      <a:prstDash val="solid"/>
+                    </a:lnB>
+                  </a:tcPr>
+                </a:tc>
+                <a:tc>
+                  <a:txBody>
+                    <a:bodyPr/>
+                    <a:lstStyle/>
+                    <a:p>
+                      <a:pPr algn="ctr" marL="63500" marR="63500">
+                        <a:spcBef>
+                          <a:spcPts val="200"/>
+                        </a:spcBef>
+                        <a:spcAft>
+                          <a:spcPts val="200"/>
+                        </a:spcAft>
+                        <a:buNone/>
+                      </a:pPr>
+                      <a:r>
+                        <a:rPr sz="1100">
+                          <a:solidFill>
+                            <a:srgbClr val="111111">
+                              <a:alpha val="100000"/>
+                            </a:srgbClr>
+                          </a:solidFill>
+                          <a:latin typeface="Arial"/>
+                          <a:cs typeface="Arial"/>
+                          <a:highlight>
+                            <a:srgbClr val="FFFFFF">
+                              <a:alpha val="0"/>
+                            </a:srgbClr>
+                          </a:highlight>
+                        </a:rPr>
+                        <a:t>0.31435204</a:t>
+                      </a:r>
+                    </a:p>
+                  </a:txBody>
+                  <a:tcPr anchor="ctr" marB="0" marT="0" marR="0" marL="0">
+                    <a:lnL w="0" cmpd="sng" algn="ctr" cap="flat">
+                      <a:solidFill>
+                        <a:srgbClr val="FFFFFF">
+                          <a:alpha val="0"/>
+                        </a:srgbClr>
+                      </a:solidFill>
+                      <a:prstDash val="solid"/>
+                    </a:lnL>
+                    <a:lnR w="0" cmpd="sng" algn="ctr" cap="flat">
+                      <a:solidFill>
+                        <a:srgbClr val="FFFFFF">
+                          <a:alpha val="0"/>
+                        </a:srgbClr>
+                      </a:solidFill>
+                      <a:prstDash val="solid"/>
+                    </a:lnR>
+                    <a:lnT w="0" cmpd="sng" algn="ctr" cap="flat">
+                      <a:solidFill>
+                        <a:srgbClr val="FFFFFF">
+                          <a:alpha val="0"/>
+                        </a:srgbClr>
+                      </a:solidFill>
+                      <a:prstDash val="solid"/>
+                    </a:lnT>
+                    <a:lnB w="0" cmpd="sng" algn="ctr" cap="flat">
+                      <a:solidFill>
+                        <a:srgbClr val="FFFFFF">
+                          <a:alpha val="0"/>
+                        </a:srgbClr>
+                      </a:solidFill>
+                      <a:prstDash val="solid"/>
+                    </a:lnB>
+                  </a:tcPr>
+                </a:tc>
+              </a:tr>
+              <a:tr h="457200">
+                <a:tc>
+                  <a:txBody>
+                    <a:bodyPr/>
+                    <a:lstStyle/>
+                    <a:p>
+                      <a:pPr algn="ctr" marL="63500" marR="63500">
+                        <a:spcBef>
+                          <a:spcPts val="200"/>
+                        </a:spcBef>
+                        <a:spcAft>
+                          <a:spcPts val="200"/>
+                        </a:spcAft>
+                        <a:buNone/>
+                      </a:pPr>
+                      <a:r>
+                        <a:rPr sz="1100">
+                          <a:solidFill>
+                            <a:srgbClr val="111111">
+                              <a:alpha val="100000"/>
+                            </a:srgbClr>
+                          </a:solidFill>
+                          <a:latin typeface="Arial"/>
+                          <a:cs typeface="Arial"/>
+                          <a:highlight>
+                            <a:srgbClr val="FFFFFF">
+                              <a:alpha val="0"/>
+                            </a:srgbClr>
+                          </a:highlight>
+                        </a:rPr>
+                        <a:t>org.pol.std</a:t>
+                      </a:r>
+                    </a:p>
+                  </a:txBody>
+                  <a:tcPr anchor="ctr" marB="0" marT="0" marR="0" marL="0">
+                    <a:lnL w="0" cmpd="sng" algn="ctr" cap="flat">
+                      <a:solidFill>
+                        <a:srgbClr val="FFFFFF">
+                          <a:alpha val="0"/>
+                        </a:srgbClr>
+                      </a:solidFill>
+                      <a:prstDash val="solid"/>
+                    </a:lnL>
+                    <a:lnR w="0" cmpd="sng" algn="ctr" cap="flat">
+                      <a:solidFill>
+                        <a:srgbClr val="FFFFFF">
+                          <a:alpha val="0"/>
+                        </a:srgbClr>
+                      </a:solidFill>
+                      <a:prstDash val="solid"/>
+                    </a:lnR>
+                    <a:lnT w="0" cmpd="sng" algn="ctr" cap="flat">
+                      <a:solidFill>
+                        <a:srgbClr val="FFFFFF">
+                          <a:alpha val="0"/>
+                        </a:srgbClr>
+                      </a:solidFill>
+                      <a:prstDash val="solid"/>
+                    </a:lnT>
+                    <a:lnB w="25400" cmpd="sng" algn="ctr" cap="flat">
+                      <a:solidFill>
+                        <a:srgbClr val="000000">
+                          <a:alpha val="100000"/>
+                        </a:srgbClr>
+                      </a:solidFill>
+                      <a:prstDash val="solid"/>
+                    </a:lnB>
+                  </a:tcPr>
+                </a:tc>
+                <a:tc>
+                  <a:txBody>
+                    <a:bodyPr/>
+                    <a:lstStyle/>
+                    <a:p>
+                      <a:pPr algn="ctr" marL="63500" marR="63500">
+                        <a:spcBef>
+                          <a:spcPts val="200"/>
+                        </a:spcBef>
+                        <a:spcAft>
+                          <a:spcPts val="200"/>
+                        </a:spcAft>
+                        <a:buNone/>
+                      </a:pPr>
+                      <a:r>
+                        <a:rPr sz="1100">
+                          <a:solidFill>
+                            <a:srgbClr val="111111">
+                              <a:alpha val="100000"/>
+                            </a:srgbClr>
+                          </a:solidFill>
+                          <a:latin typeface="Arial"/>
+                          <a:cs typeface="Arial"/>
+                          <a:highlight>
+                            <a:srgbClr val="FFFFFF">
+                              <a:alpha val="0"/>
+                            </a:srgbClr>
+                          </a:highlight>
+                        </a:rPr>
+                        <a:t>1.0260978</a:t>
+                      </a:r>
+                    </a:p>
+                  </a:txBody>
+                  <a:tcPr anchor="ctr" marB="0" marT="0" marR="0" marL="0">
+                    <a:lnL w="0" cmpd="sng" algn="ctr" cap="flat">
+                      <a:solidFill>
+                        <a:srgbClr val="FFFFFF">
+                          <a:alpha val="0"/>
+                        </a:srgbClr>
+                      </a:solidFill>
+                      <a:prstDash val="solid"/>
+                    </a:lnL>
+                    <a:lnR w="0" cmpd="sng" algn="ctr" cap="flat">
+                      <a:solidFill>
+                        <a:srgbClr val="FFFFFF">
+                          <a:alpha val="0"/>
+                        </a:srgbClr>
+                      </a:solidFill>
+                      <a:prstDash val="solid"/>
+                    </a:lnR>
+                    <a:lnT w="0" cmpd="sng" algn="ctr" cap="flat">
+                      <a:solidFill>
+                        <a:srgbClr val="FFFFFF">
+                          <a:alpha val="0"/>
+                        </a:srgbClr>
+                      </a:solidFill>
+                      <a:prstDash val="solid"/>
+                    </a:lnT>
+                    <a:lnB w="25400" cmpd="sng" algn="ctr" cap="flat">
+                      <a:solidFill>
+                        <a:srgbClr val="000000">
+                          <a:alpha val="100000"/>
+                        </a:srgbClr>
+                      </a:solidFill>
+                      <a:prstDash val="solid"/>
+                    </a:lnB>
+                  </a:tcPr>
+                </a:tc>
+                <a:tc>
+                  <a:txBody>
+                    <a:bodyPr/>
+                    <a:lstStyle/>
+                    <a:p>
+                      <a:pPr algn="ctr" marL="63500" marR="63500">
+                        <a:spcBef>
+                          <a:spcPts val="200"/>
+                        </a:spcBef>
+                        <a:spcAft>
+                          <a:spcPts val="200"/>
+                        </a:spcAft>
+                        <a:buNone/>
+                      </a:pPr>
+                      <a:r>
+                        <a:rPr sz="1100">
+                          <a:solidFill>
+                            <a:srgbClr val="111111">
+                              <a:alpha val="100000"/>
+                            </a:srgbClr>
+                          </a:solidFill>
+                          <a:latin typeface="Arial"/>
+                          <a:cs typeface="Arial"/>
+                          <a:highlight>
+                            <a:srgbClr val="FFFFFF">
+                              <a:alpha val="0"/>
+                            </a:srgbClr>
+                          </a:highlight>
+                        </a:rPr>
+                        <a:t>-0.1920245</a:t>
+                      </a:r>
+                    </a:p>
+                  </a:txBody>
+                  <a:tcPr anchor="ctr" marB="0" marT="0" marR="0" marL="0">
+                    <a:lnL w="0" cmpd="sng" algn="ctr" cap="flat">
+                      <a:solidFill>
+                        <a:srgbClr val="FFFFFF">
+                          <a:alpha val="0"/>
+                        </a:srgbClr>
+                      </a:solidFill>
+                      <a:prstDash val="solid"/>
+                    </a:lnL>
+                    <a:lnR w="0" cmpd="sng" algn="ctr" cap="flat">
+                      <a:solidFill>
+                        <a:srgbClr val="FFFFFF">
+                          <a:alpha val="0"/>
+                        </a:srgbClr>
+                      </a:solidFill>
+                      <a:prstDash val="solid"/>
+                    </a:lnR>
+                    <a:lnT w="0" cmpd="sng" algn="ctr" cap="flat">
+                      <a:solidFill>
+                        <a:srgbClr val="FFFFFF">
+                          <a:alpha val="0"/>
+                        </a:srgbClr>
+                      </a:solidFill>
+                      <a:prstDash val="solid"/>
+                    </a:lnT>
+                    <a:lnB w="25400" cmpd="sng" algn="ctr" cap="flat">
+                      <a:solidFill>
+                        <a:srgbClr val="000000">
+                          <a:alpha val="100000"/>
+                        </a:srgbClr>
+                      </a:solidFill>
+                      <a:prstDash val="solid"/>
+                    </a:lnB>
+                  </a:tcPr>
+                </a:tc>
+                <a:tc>
+                  <a:txBody>
+                    <a:bodyPr/>
+                    <a:lstStyle/>
+                    <a:p>
+                      <a:pPr algn="ctr" marL="63500" marR="63500">
+                        <a:spcBef>
+                          <a:spcPts val="200"/>
+                        </a:spcBef>
+                        <a:spcAft>
+                          <a:spcPts val="200"/>
+                        </a:spcAft>
+                        <a:buNone/>
+                      </a:pPr>
+                      <a:r>
+                        <a:rPr sz="1100">
+                          <a:solidFill>
+                            <a:srgbClr val="111111">
+                              <a:alpha val="100000"/>
+                            </a:srgbClr>
+                          </a:solidFill>
+                          <a:latin typeface="Arial"/>
+                          <a:cs typeface="Arial"/>
+                          <a:highlight>
+                            <a:srgbClr val="FFFFFF">
+                              <a:alpha val="0"/>
+                            </a:srgbClr>
+                          </a:highlight>
+                        </a:rPr>
+                        <a:t>0.24882710</a:t>
+                      </a:r>
+                    </a:p>
+                  </a:txBody>
+                  <a:tcPr anchor="ctr" marB="0" marT="0" marR="0" marL="0">
+                    <a:lnL w="0" cmpd="sng" algn="ctr" cap="flat">
+                      <a:solidFill>
+                        <a:srgbClr val="FFFFFF">
+                          <a:alpha val="0"/>
+                        </a:srgbClr>
+                      </a:solidFill>
+                      <a:prstDash val="solid"/>
+                    </a:lnL>
+                    <a:lnR w="0" cmpd="sng" algn="ctr" cap="flat">
+                      <a:solidFill>
+                        <a:srgbClr val="FFFFFF">
+                          <a:alpha val="0"/>
+                        </a:srgbClr>
+                      </a:solidFill>
+                      <a:prstDash val="solid"/>
+                    </a:lnR>
+                    <a:lnT w="0" cmpd="sng" algn="ctr" cap="flat">
+                      <a:solidFill>
+                        <a:srgbClr val="FFFFFF">
+                          <a:alpha val="0"/>
+                        </a:srgbClr>
+                      </a:solidFill>
+                      <a:prstDash val="solid"/>
+                    </a:lnT>
+                    <a:lnB w="25400" cmpd="sng" algn="ctr" cap="flat">
+                      <a:solidFill>
+                        <a:srgbClr val="000000">
+                          <a:alpha val="100000"/>
+                        </a:srgbClr>
+                      </a:solidFill>
+                      <a:prstDash val="solid"/>
+                    </a:lnB>
+                  </a:tcPr>
+                </a:tc>
+              </a:tr>
+            </a:tbl>
+          </a:graphicData>
+        </a:graphic>
+      </p:graphicFrame>
+    </p:spTree>
+  </p:cSld>
+  <p:clrMapOvr>
+    <a:masterClrMapping/>
+  </p:clrMapOvr>
+</p:sld>
+</file>
+
+<file path=ppt/slides/slide16.xml><?xml version="1.0" encoding="utf-8"?>
+<p:sld xmlns:a="http://schemas.openxmlformats.org/drawingml/2006/main" xmlns:r="http://schemas.openxmlformats.org/officeDocument/2006/relationships" xmlns:p="http://schemas.openxmlformats.org/presentationml/2006/main">
+  <p:cSld>
+    <p:spTree>
+      <p:nvGrpSpPr>
+        <p:cNvPr id="1" name=""/>
+        <p:cNvGrpSpPr/>
+        <p:nvPr/>
+      </p:nvGrpSpPr>
+      <p:grpSpPr>
+        <a:xfrm>
+          <a:off x="0" y="0"/>
+          <a:ext cx="0" cy="0"/>
+          <a:chOff x="0" y="0"/>
+          <a:chExt cx="0" cy="0"/>
+        </a:xfrm>
+      </p:grpSpPr>
+      <p:pic xmlns:a="http://schemas.openxmlformats.org/drawingml/2006/main" xmlns:r="http://schemas.openxmlformats.org/officeDocument/2006/relationships" xmlns:p="http://schemas.openxmlformats.org/presentationml/2006/main">
+        <p:nvPicPr>
+          <p:cNvPr id="2" name=""/>
+          <p:cNvPicPr/>
+          <p:nvPr/>
+        </p:nvPicPr>
+        <p:blipFill>
+          <a:blip cstate="print" r:embed="rId2"/>
+          <a:stretch>
+            <a:fillRect/>
+          </a:stretch>
+        </p:blipFill>
+        <p:spPr>
+          <a:xfrm>
+            <a:off x="0" y="0"/>
+            <a:ext cx="9144000" cy="6858000"/>
+          </a:xfrm>
+          <a:prstGeom prst="rect">
+            <a:avLst/>
+          </a:prstGeom>
+        </p:spPr>
+      </p:pic>
+    </p:spTree>
+  </p:cSld>
+  <p:clrMapOvr>
+    <a:masterClrMapping/>
+  </p:clrMapOvr>
+</p:sld>
+</file>
+
+<file path=ppt/slides/slide17.xml><?xml version="1.0" encoding="utf-8"?>
+<p:sld xmlns:a="http://schemas.openxmlformats.org/drawingml/2006/main" xmlns:r="http://schemas.openxmlformats.org/officeDocument/2006/relationships" xmlns:p="http://schemas.openxmlformats.org/presentationml/2006/main">
+  <p:cSld>
+    <p:spTree>
+      <p:nvGrpSpPr>
+        <p:cNvPr id="1" name=""/>
+        <p:cNvGrpSpPr/>
+        <p:nvPr/>
+      </p:nvGrpSpPr>
+      <p:grpSpPr>
+        <a:xfrm>
+          <a:off x="0" y="0"/>
+          <a:ext cx="0" cy="0"/>
+          <a:chOff x="0" y="0"/>
+          <a:chExt cx="0" cy="0"/>
+        </a:xfrm>
+      </p:grpSpPr>
+      <p:sp xmlns:a="http://schemas.openxmlformats.org/drawingml/2006/main" xmlns:r="http://schemas.openxmlformats.org/officeDocument/2006/relationships" xmlns:p="http://schemas.openxmlformats.org/presentationml/2006/main">
+        <p:nvSpPr>
+          <p:cNvPr id="2" name="Title 1"/>
+          <p:cNvSpPr>
+            <a:spLocks noGrp="1"/>
+          </p:cNvSpPr>
+          <p:nvPr>
+            <p:ph type="title"/>
+          </p:nvPr>
+        </p:nvSpPr>
+        <p:spPr>
+          <a:xfrm rot="-0">
+            <a:off x="457200" y="274638"/>
+            <a:ext cx="8229600" cy="1143000"/>
+          </a:xfrm>
+        </p:spPr>
+        <p:txBody>
+          <a:bodyPr/>
+          <a:lstStyle/>
+          <a:p>
+            <a:r>
+              <a:rPr/>
+              <a:t>Esperanza por cambio de constitución y confianza sobre transparencia de proceso</a:t>
+            </a:r>
+          </a:p>
+        </p:txBody>
+      </p:sp>
+      <p:graphicFrame xmlns:a="http://schemas.openxmlformats.org/drawingml/2006/main" xmlns:r="http://schemas.openxmlformats.org/officeDocument/2006/relationships" xmlns:p="http://schemas.openxmlformats.org/presentationml/2006/main">
+        <p:nvGraphicFramePr>
+          <p:cNvPr id="3" name=""/>
+          <p:cNvGraphicFramePr>
+            <a:graphicFrameLocks noGrp="true"/>
+          </p:cNvGraphicFramePr>
+          <p:nvPr/>
+        </p:nvGraphicFramePr>
+        <p:xfrm rot="0">
+          <a:off x="1828800" y="2743200"/>
+          <a:ext cx="36576000" cy="45720000"/>
+        </p:xfrm>
+        <a:graphic>
+          <a:graphicData uri="http://schemas.openxmlformats.org/drawingml/2006/table">
+            <a:tbl>
+              <a:tblPr/>
+              <a:tblGrid>
+                <a:gridCol w="1371600"/>
+                <a:gridCol w="1371600"/>
+                <a:gridCol w="1371600"/>
+                <a:gridCol w="1371600"/>
+              </a:tblGrid>
+              <a:tr h="457200">
+                <a:tc>
+                  <a:txBody>
+                    <a:bodyPr/>
+                    <a:lstStyle/>
+                    <a:p>
+                      <a:pPr algn="ctr" marL="63500" marR="63500">
+                        <a:spcBef>
+                          <a:spcPts val="200"/>
+                        </a:spcBef>
+                        <a:spcAft>
+                          <a:spcPts val="200"/>
+                        </a:spcAft>
+                        <a:buNone/>
+                      </a:pPr>
+                      <a:r>
+                        <a:rPr sz="1100" b="1">
+                          <a:solidFill>
+                            <a:srgbClr val="111111">
+                              <a:alpha val="100000"/>
+                            </a:srgbClr>
+                          </a:solidFill>
+                          <a:latin typeface="Arial"/>
+                          <a:cs typeface="Arial"/>
+                          <a:highlight>
+                            <a:srgbClr val="FFFFFF">
+                              <a:alpha val="0"/>
+                            </a:srgbClr>
+                          </a:highlight>
+                        </a:rPr>
+                        <a:t>rowname</a:t>
+                      </a:r>
+                    </a:p>
+                  </a:txBody>
+                  <a:tcPr anchor="ctr" marB="0" marT="0" marR="0" marL="0">
+                    <a:lnL w="0" cmpd="sng" algn="ctr" cap="flat">
+                      <a:solidFill>
+                        <a:srgbClr val="FFFFFF">
+                          <a:alpha val="0"/>
+                        </a:srgbClr>
+                      </a:solidFill>
+                      <a:prstDash val="solid"/>
+                    </a:lnL>
+                    <a:lnR w="0" cmpd="sng" algn="ctr" cap="flat">
+                      <a:solidFill>
+                        <a:srgbClr val="FFFFFF">
+                          <a:alpha val="0"/>
+                        </a:srgbClr>
+                      </a:solidFill>
+                      <a:prstDash val="solid"/>
+                    </a:lnR>
+                    <a:lnT w="25400" cmpd="sng" algn="ctr" cap="flat">
+                      <a:solidFill>
+                        <a:srgbClr val="000000">
+                          <a:alpha val="100000"/>
+                        </a:srgbClr>
+                      </a:solidFill>
+                      <a:prstDash val="solid"/>
+                    </a:lnT>
+                    <a:lnB w="25400" cmpd="sng" algn="ctr" cap="flat">
+                      <a:solidFill>
+                        <a:srgbClr val="000000">
+                          <a:alpha val="100000"/>
+                        </a:srgbClr>
+                      </a:solidFill>
+                      <a:prstDash val="solid"/>
+                    </a:lnB>
+                  </a:tcPr>
+                </a:tc>
+                <a:tc>
+                  <a:txBody>
+                    <a:bodyPr/>
+                    <a:lstStyle/>
+                    <a:p>
+                      <a:pPr algn="ctr" marL="63500" marR="63500">
+                        <a:spcBef>
+                          <a:spcPts val="200"/>
+                        </a:spcBef>
+                        <a:spcAft>
+                          <a:spcPts val="200"/>
+                        </a:spcAft>
+                        <a:buNone/>
+                      </a:pPr>
+                      <a:r>
+                        <a:rPr sz="1100" b="1">
+                          <a:solidFill>
+                            <a:srgbClr val="111111">
+                              <a:alpha val="100000"/>
+                            </a:srgbClr>
+                          </a:solidFill>
+                          <a:latin typeface="Arial"/>
+                          <a:cs typeface="Arial"/>
+                          <a:highlight>
+                            <a:srgbClr val="FFFFFF">
+                              <a:alpha val="0"/>
+                            </a:srgbClr>
+                          </a:highlight>
+                        </a:rPr>
+                        <a:t>OR</a:t>
+                      </a:r>
+                    </a:p>
+                  </a:txBody>
+                  <a:tcPr anchor="ctr" marB="0" marT="0" marR="0" marL="0">
+                    <a:lnL w="0" cmpd="sng" algn="ctr" cap="flat">
+                      <a:solidFill>
+                        <a:srgbClr val="FFFFFF">
+                          <a:alpha val="0"/>
+                        </a:srgbClr>
+                      </a:solidFill>
+                      <a:prstDash val="solid"/>
+                    </a:lnL>
+                    <a:lnR w="0" cmpd="sng" algn="ctr" cap="flat">
+                      <a:solidFill>
+                        <a:srgbClr val="FFFFFF">
+                          <a:alpha val="0"/>
+                        </a:srgbClr>
+                      </a:solidFill>
+                      <a:prstDash val="solid"/>
+                    </a:lnR>
+                    <a:lnT w="25400" cmpd="sng" algn="ctr" cap="flat">
+                      <a:solidFill>
+                        <a:srgbClr val="000000">
+                          <a:alpha val="100000"/>
+                        </a:srgbClr>
+                      </a:solidFill>
+                      <a:prstDash val="solid"/>
+                    </a:lnT>
+                    <a:lnB w="25400" cmpd="sng" algn="ctr" cap="flat">
+                      <a:solidFill>
+                        <a:srgbClr val="000000">
+                          <a:alpha val="100000"/>
+                        </a:srgbClr>
+                      </a:solidFill>
+                      <a:prstDash val="solid"/>
+                    </a:lnB>
+                  </a:tcPr>
+                </a:tc>
+                <a:tc>
+                  <a:txBody>
+                    <a:bodyPr/>
+                    <a:lstStyle/>
+                    <a:p>
+                      <a:pPr algn="ctr" marL="63500" marR="63500">
+                        <a:spcBef>
+                          <a:spcPts val="200"/>
+                        </a:spcBef>
+                        <a:spcAft>
+                          <a:spcPts val="200"/>
+                        </a:spcAft>
+                        <a:buNone/>
+                      </a:pPr>
+                      <a:r>
+                        <a:rPr sz="1100" b="1">
+                          <a:solidFill>
+                            <a:srgbClr val="111111">
+                              <a:alpha val="100000"/>
+                            </a:srgbClr>
+                          </a:solidFill>
+                          <a:latin typeface="Arial"/>
+                          <a:cs typeface="Arial"/>
+                          <a:highlight>
+                            <a:srgbClr val="FFFFFF">
+                              <a:alpha val="0"/>
+                            </a:srgbClr>
+                          </a:highlight>
+                        </a:rPr>
+                        <a:t>2.5 %</a:t>
+                      </a:r>
+                    </a:p>
+                  </a:txBody>
+                  <a:tcPr anchor="ctr" marB="0" marT="0" marR="0" marL="0">
+                    <a:lnL w="0" cmpd="sng" algn="ctr" cap="flat">
+                      <a:solidFill>
+                        <a:srgbClr val="FFFFFF">
+                          <a:alpha val="0"/>
+                        </a:srgbClr>
+                      </a:solidFill>
+                      <a:prstDash val="solid"/>
+                    </a:lnL>
+                    <a:lnR w="0" cmpd="sng" algn="ctr" cap="flat">
+                      <a:solidFill>
+                        <a:srgbClr val="FFFFFF">
+                          <a:alpha val="0"/>
+                        </a:srgbClr>
+                      </a:solidFill>
+                      <a:prstDash val="solid"/>
+                    </a:lnR>
+                    <a:lnT w="25400" cmpd="sng" algn="ctr" cap="flat">
+                      <a:solidFill>
+                        <a:srgbClr val="000000">
+                          <a:alpha val="100000"/>
+                        </a:srgbClr>
+                      </a:solidFill>
+                      <a:prstDash val="solid"/>
+                    </a:lnT>
+                    <a:lnB w="25400" cmpd="sng" algn="ctr" cap="flat">
+                      <a:solidFill>
+                        <a:srgbClr val="000000">
+                          <a:alpha val="100000"/>
+                        </a:srgbClr>
+                      </a:solidFill>
+                      <a:prstDash val="solid"/>
+                    </a:lnB>
+                  </a:tcPr>
+                </a:tc>
+                <a:tc>
+                  <a:txBody>
+                    <a:bodyPr/>
+                    <a:lstStyle/>
+                    <a:p>
+                      <a:pPr algn="ctr" marL="63500" marR="63500">
+                        <a:spcBef>
+                          <a:spcPts val="200"/>
+                        </a:spcBef>
+                        <a:spcAft>
+                          <a:spcPts val="200"/>
+                        </a:spcAft>
+                        <a:buNone/>
+                      </a:pPr>
+                      <a:r>
+                        <a:rPr sz="1100" b="1">
+                          <a:solidFill>
+                            <a:srgbClr val="111111">
+                              <a:alpha val="100000"/>
+                            </a:srgbClr>
+                          </a:solidFill>
+                          <a:latin typeface="Arial"/>
+                          <a:cs typeface="Arial"/>
+                          <a:highlight>
+                            <a:srgbClr val="FFFFFF">
+                              <a:alpha val="0"/>
+                            </a:srgbClr>
+                          </a:highlight>
+                        </a:rPr>
+                        <a:t>97.5 %</a:t>
+                      </a:r>
+                    </a:p>
+                  </a:txBody>
+                  <a:tcPr anchor="ctr" marB="0" marT="0" marR="0" marL="0">
+                    <a:lnL w="0" cmpd="sng" algn="ctr" cap="flat">
+                      <a:solidFill>
+                        <a:srgbClr val="FFFFFF">
+                          <a:alpha val="0"/>
+                        </a:srgbClr>
+                      </a:solidFill>
+                      <a:prstDash val="solid"/>
+                    </a:lnL>
+                    <a:lnR w="0" cmpd="sng" algn="ctr" cap="flat">
+                      <a:solidFill>
+                        <a:srgbClr val="FFFFFF">
+                          <a:alpha val="0"/>
+                        </a:srgbClr>
+                      </a:solidFill>
+                      <a:prstDash val="solid"/>
+                    </a:lnR>
+                    <a:lnT w="25400" cmpd="sng" algn="ctr" cap="flat">
+                      <a:solidFill>
+                        <a:srgbClr val="000000">
+                          <a:alpha val="100000"/>
+                        </a:srgbClr>
+                      </a:solidFill>
+                      <a:prstDash val="solid"/>
+                    </a:lnT>
+                    <a:lnB w="25400" cmpd="sng" algn="ctr" cap="flat">
+                      <a:solidFill>
+                        <a:srgbClr val="000000">
+                          <a:alpha val="100000"/>
+                        </a:srgbClr>
+                      </a:solidFill>
+                      <a:prstDash val="solid"/>
+                    </a:lnB>
+                  </a:tcPr>
+                </a:tc>
+              </a:tr>
+              <a:tr h="457200">
+                <a:tc>
+                  <a:txBody>
+                    <a:bodyPr/>
+                    <a:lstStyle/>
+                    <a:p>
+                      <a:pPr algn="ctr" marL="63500" marR="63500">
+                        <a:spcBef>
+                          <a:spcPts val="200"/>
+                        </a:spcBef>
+                        <a:spcAft>
+                          <a:spcPts val="200"/>
+                        </a:spcAft>
+                        <a:buNone/>
+                      </a:pPr>
+                      <a:r>
+                        <a:rPr sz="1100">
+                          <a:solidFill>
+                            <a:srgbClr val="111111">
+                              <a:alpha val="100000"/>
+                            </a:srgbClr>
+                          </a:solidFill>
+                          <a:latin typeface="Arial"/>
+                          <a:cs typeface="Arial"/>
+                          <a:highlight>
+                            <a:srgbClr val="FFFFFF">
+                              <a:alpha val="0"/>
+                            </a:srgbClr>
+                          </a:highlight>
+                        </a:rPr>
+                        <a:t>nse</a:t>
+                      </a:r>
+                    </a:p>
+                  </a:txBody>
+                  <a:tcPr anchor="ctr" marB="0" marT="0" marR="0" marL="0">
+                    <a:lnL w="0" cmpd="sng" algn="ctr" cap="flat">
+                      <a:solidFill>
+                        <a:srgbClr val="FFFFFF">
+                          <a:alpha val="0"/>
+                        </a:srgbClr>
+                      </a:solidFill>
+                      <a:prstDash val="solid"/>
+                    </a:lnL>
+                    <a:lnR w="0" cmpd="sng" algn="ctr" cap="flat">
+                      <a:solidFill>
+                        <a:srgbClr val="FFFFFF">
+                          <a:alpha val="0"/>
+                        </a:srgbClr>
+                      </a:solidFill>
+                      <a:prstDash val="solid"/>
+                    </a:lnR>
+                    <a:lnT w="0" cmpd="sng" algn="ctr" cap="flat">
+                      <a:solidFill>
+                        <a:srgbClr val="FFFFFF">
+                          <a:alpha val="0"/>
+                        </a:srgbClr>
+                      </a:solidFill>
+                      <a:prstDash val="solid"/>
+                    </a:lnT>
+                    <a:lnB w="0" cmpd="sng" algn="ctr" cap="flat">
+                      <a:solidFill>
+                        <a:srgbClr val="FFFFFF">
+                          <a:alpha val="0"/>
+                        </a:srgbClr>
+                      </a:solidFill>
+                      <a:prstDash val="solid"/>
+                    </a:lnB>
+                  </a:tcPr>
+                </a:tc>
+                <a:tc>
+                  <a:txBody>
+                    <a:bodyPr/>
+                    <a:lstStyle/>
+                    <a:p>
+                      <a:pPr algn="ctr" marL="63500" marR="63500">
+                        <a:spcBef>
+                          <a:spcPts val="200"/>
+                        </a:spcBef>
+                        <a:spcAft>
+                          <a:spcPts val="200"/>
+                        </a:spcAft>
+                        <a:buNone/>
+                      </a:pPr>
+                      <a:r>
+                        <a:rPr sz="1100">
+                          <a:solidFill>
+                            <a:srgbClr val="111111">
+                              <a:alpha val="100000"/>
+                            </a:srgbClr>
+                          </a:solidFill>
+                          <a:latin typeface="Arial"/>
+                          <a:cs typeface="Arial"/>
+                          <a:highlight>
+                            <a:srgbClr val="FFFFFF">
+                              <a:alpha val="0"/>
+                            </a:srgbClr>
+                          </a:highlight>
+                        </a:rPr>
+                        <a:t>0.9064864</a:t>
+                      </a:r>
+                    </a:p>
+                  </a:txBody>
+                  <a:tcPr anchor="ctr" marB="0" marT="0" marR="0" marL="0">
+                    <a:lnL w="0" cmpd="sng" algn="ctr" cap="flat">
+                      <a:solidFill>
+                        <a:srgbClr val="FFFFFF">
+                          <a:alpha val="0"/>
+                        </a:srgbClr>
+                      </a:solidFill>
+                      <a:prstDash val="solid"/>
+                    </a:lnL>
+                    <a:lnR w="0" cmpd="sng" algn="ctr" cap="flat">
+                      <a:solidFill>
+                        <a:srgbClr val="FFFFFF">
+                          <a:alpha val="0"/>
+                        </a:srgbClr>
+                      </a:solidFill>
+                      <a:prstDash val="solid"/>
+                    </a:lnR>
+                    <a:lnT w="0" cmpd="sng" algn="ctr" cap="flat">
+                      <a:solidFill>
+                        <a:srgbClr val="FFFFFF">
+                          <a:alpha val="0"/>
+                        </a:srgbClr>
+                      </a:solidFill>
+                      <a:prstDash val="solid"/>
+                    </a:lnT>
+                    <a:lnB w="0" cmpd="sng" algn="ctr" cap="flat">
+                      <a:solidFill>
+                        <a:srgbClr val="FFFFFF">
+                          <a:alpha val="0"/>
+                        </a:srgbClr>
+                      </a:solidFill>
+                      <a:prstDash val="solid"/>
+                    </a:lnB>
+                  </a:tcPr>
+                </a:tc>
+                <a:tc>
+                  <a:txBody>
+                    <a:bodyPr/>
+                    <a:lstStyle/>
+                    <a:p>
+                      <a:pPr algn="ctr" marL="63500" marR="63500">
+                        <a:spcBef>
+                          <a:spcPts val="200"/>
+                        </a:spcBef>
+                        <a:spcAft>
+                          <a:spcPts val="200"/>
+                        </a:spcAft>
+                        <a:buNone/>
+                      </a:pPr>
+                      <a:r>
+                        <a:rPr sz="1100">
+                          <a:solidFill>
+                            <a:srgbClr val="111111">
+                              <a:alpha val="100000"/>
+                            </a:srgbClr>
+                          </a:solidFill>
+                          <a:latin typeface="Arial"/>
+                          <a:cs typeface="Arial"/>
+                          <a:highlight>
+                            <a:srgbClr val="FFFFFF">
+                              <a:alpha val="0"/>
+                            </a:srgbClr>
+                          </a:highlight>
+                        </a:rPr>
+                        <a:t>-0.33611484</a:t>
+                      </a:r>
+                    </a:p>
+                  </a:txBody>
+                  <a:tcPr anchor="ctr" marB="0" marT="0" marR="0" marL="0">
+                    <a:lnL w="0" cmpd="sng" algn="ctr" cap="flat">
+                      <a:solidFill>
+                        <a:srgbClr val="FFFFFF">
+                          <a:alpha val="0"/>
+                        </a:srgbClr>
+                      </a:solidFill>
+                      <a:prstDash val="solid"/>
+                    </a:lnL>
+                    <a:lnR w="0" cmpd="sng" algn="ctr" cap="flat">
+                      <a:solidFill>
+                        <a:srgbClr val="FFFFFF">
+                          <a:alpha val="0"/>
+                        </a:srgbClr>
+                      </a:solidFill>
+                      <a:prstDash val="solid"/>
+                    </a:lnR>
+                    <a:lnT w="0" cmpd="sng" algn="ctr" cap="flat">
+                      <a:solidFill>
+                        <a:srgbClr val="FFFFFF">
+                          <a:alpha val="0"/>
+                        </a:srgbClr>
+                      </a:solidFill>
+                      <a:prstDash val="solid"/>
+                    </a:lnT>
+                    <a:lnB w="0" cmpd="sng" algn="ctr" cap="flat">
+                      <a:solidFill>
+                        <a:srgbClr val="FFFFFF">
+                          <a:alpha val="0"/>
+                        </a:srgbClr>
+                      </a:solidFill>
+                      <a:prstDash val="solid"/>
+                    </a:lnB>
+                  </a:tcPr>
+                </a:tc>
+                <a:tc>
+                  <a:txBody>
+                    <a:bodyPr/>
+                    <a:lstStyle/>
+                    <a:p>
+                      <a:pPr algn="ctr" marL="63500" marR="63500">
+                        <a:spcBef>
+                          <a:spcPts val="200"/>
+                        </a:spcBef>
+                        <a:spcAft>
+                          <a:spcPts val="200"/>
+                        </a:spcAft>
+                        <a:buNone/>
+                      </a:pPr>
+                      <a:r>
+                        <a:rPr sz="1100">
+                          <a:solidFill>
+                            <a:srgbClr val="111111">
+                              <a:alpha val="100000"/>
+                            </a:srgbClr>
+                          </a:solidFill>
+                          <a:latin typeface="Arial"/>
+                          <a:cs typeface="Arial"/>
+                          <a:highlight>
+                            <a:srgbClr val="FFFFFF">
+                              <a:alpha val="0"/>
+                            </a:srgbClr>
+                          </a:highlight>
+                        </a:rPr>
+                        <a:t>0.13730300</a:t>
+                      </a:r>
+                    </a:p>
+                  </a:txBody>
+                  <a:tcPr anchor="ctr" marB="0" marT="0" marR="0" marL="0">
+                    <a:lnL w="0" cmpd="sng" algn="ctr" cap="flat">
+                      <a:solidFill>
+                        <a:srgbClr val="FFFFFF">
+                          <a:alpha val="0"/>
+                        </a:srgbClr>
+                      </a:solidFill>
+                      <a:prstDash val="solid"/>
+                    </a:lnL>
+                    <a:lnR w="0" cmpd="sng" algn="ctr" cap="flat">
+                      <a:solidFill>
+                        <a:srgbClr val="FFFFFF">
+                          <a:alpha val="0"/>
+                        </a:srgbClr>
+                      </a:solidFill>
+                      <a:prstDash val="solid"/>
+                    </a:lnR>
+                    <a:lnT w="0" cmpd="sng" algn="ctr" cap="flat">
+                      <a:solidFill>
+                        <a:srgbClr val="FFFFFF">
+                          <a:alpha val="0"/>
+                        </a:srgbClr>
+                      </a:solidFill>
+                      <a:prstDash val="solid"/>
+                    </a:lnT>
+                    <a:lnB w="0" cmpd="sng" algn="ctr" cap="flat">
+                      <a:solidFill>
+                        <a:srgbClr val="FFFFFF">
+                          <a:alpha val="0"/>
+                        </a:srgbClr>
+                      </a:solidFill>
+                      <a:prstDash val="solid"/>
+                    </a:lnB>
+                  </a:tcPr>
+                </a:tc>
+              </a:tr>
+              <a:tr h="457200">
+                <a:tc>
+                  <a:txBody>
+                    <a:bodyPr/>
+                    <a:lstStyle/>
+                    <a:p>
+                      <a:pPr algn="ctr" marL="63500" marR="63500">
+                        <a:spcBef>
+                          <a:spcPts val="200"/>
+                        </a:spcBef>
+                        <a:spcAft>
+                          <a:spcPts val="200"/>
+                        </a:spcAft>
+                        <a:buNone/>
+                      </a:pPr>
+                      <a:r>
+                        <a:rPr sz="1100">
+                          <a:solidFill>
+                            <a:srgbClr val="111111">
+                              <a:alpha val="100000"/>
+                            </a:srgbClr>
+                          </a:solidFill>
+                          <a:latin typeface="Arial"/>
+                          <a:cs typeface="Arial"/>
+                          <a:highlight>
+                            <a:srgbClr val="FFFFFF">
+                              <a:alpha val="0"/>
+                            </a:srgbClr>
+                          </a:highlight>
+                        </a:rPr>
+                        <a:t>esc</a:t>
+                      </a:r>
+                    </a:p>
+                  </a:txBody>
+                  <a:tcPr anchor="ctr" marB="0" marT="0" marR="0" marL="0">
+                    <a:lnL w="0" cmpd="sng" algn="ctr" cap="flat">
+                      <a:solidFill>
+                        <a:srgbClr val="FFFFFF">
+                          <a:alpha val="0"/>
+                        </a:srgbClr>
+                      </a:solidFill>
+                      <a:prstDash val="solid"/>
+                    </a:lnL>
+                    <a:lnR w="0" cmpd="sng" algn="ctr" cap="flat">
+                      <a:solidFill>
+                        <a:srgbClr val="FFFFFF">
+                          <a:alpha val="0"/>
+                        </a:srgbClr>
+                      </a:solidFill>
+                      <a:prstDash val="solid"/>
+                    </a:lnR>
+                    <a:lnT w="0" cmpd="sng" algn="ctr" cap="flat">
+                      <a:solidFill>
+                        <a:srgbClr val="FFFFFF">
+                          <a:alpha val="0"/>
+                        </a:srgbClr>
+                      </a:solidFill>
+                      <a:prstDash val="solid"/>
+                    </a:lnT>
+                    <a:lnB w="0" cmpd="sng" algn="ctr" cap="flat">
+                      <a:solidFill>
+                        <a:srgbClr val="FFFFFF">
+                          <a:alpha val="0"/>
+                        </a:srgbClr>
+                      </a:solidFill>
+                      <a:prstDash val="solid"/>
+                    </a:lnB>
+                  </a:tcPr>
+                </a:tc>
+                <a:tc>
+                  <a:txBody>
+                    <a:bodyPr/>
+                    <a:lstStyle/>
+                    <a:p>
+                      <a:pPr algn="ctr" marL="63500" marR="63500">
+                        <a:spcBef>
+                          <a:spcPts val="200"/>
+                        </a:spcBef>
+                        <a:spcAft>
+                          <a:spcPts val="200"/>
+                        </a:spcAft>
+                        <a:buNone/>
+                      </a:pPr>
+                      <a:r>
+                        <a:rPr sz="1100">
+                          <a:solidFill>
+                            <a:srgbClr val="111111">
+                              <a:alpha val="100000"/>
+                            </a:srgbClr>
+                          </a:solidFill>
+                          <a:latin typeface="Arial"/>
+                          <a:cs typeface="Arial"/>
+                          <a:highlight>
+                            <a:srgbClr val="FFFFFF">
+                              <a:alpha val="0"/>
+                            </a:srgbClr>
+                          </a:highlight>
+                        </a:rPr>
+                        <a:t>1.0060711</a:t>
+                      </a:r>
+                    </a:p>
+                  </a:txBody>
+                  <a:tcPr anchor="ctr" marB="0" marT="0" marR="0" marL="0">
+                    <a:lnL w="0" cmpd="sng" algn="ctr" cap="flat">
+                      <a:solidFill>
+                        <a:srgbClr val="FFFFFF">
+                          <a:alpha val="0"/>
+                        </a:srgbClr>
+                      </a:solidFill>
+                      <a:prstDash val="solid"/>
+                    </a:lnL>
+                    <a:lnR w="0" cmpd="sng" algn="ctr" cap="flat">
+                      <a:solidFill>
+                        <a:srgbClr val="FFFFFF">
+                          <a:alpha val="0"/>
+                        </a:srgbClr>
+                      </a:solidFill>
+                      <a:prstDash val="solid"/>
+                    </a:lnR>
+                    <a:lnT w="0" cmpd="sng" algn="ctr" cap="flat">
+                      <a:solidFill>
+                        <a:srgbClr val="FFFFFF">
+                          <a:alpha val="0"/>
+                        </a:srgbClr>
+                      </a:solidFill>
+                      <a:prstDash val="solid"/>
+                    </a:lnT>
+                    <a:lnB w="0" cmpd="sng" algn="ctr" cap="flat">
+                      <a:solidFill>
+                        <a:srgbClr val="FFFFFF">
+                          <a:alpha val="0"/>
+                        </a:srgbClr>
+                      </a:solidFill>
+                      <a:prstDash val="solid"/>
+                    </a:lnB>
+                  </a:tcPr>
+                </a:tc>
+                <a:tc>
+                  <a:txBody>
+                    <a:bodyPr/>
+                    <a:lstStyle/>
+                    <a:p>
+                      <a:pPr algn="ctr" marL="63500" marR="63500">
+                        <a:spcBef>
+                          <a:spcPts val="200"/>
+                        </a:spcBef>
+                        <a:spcAft>
+                          <a:spcPts val="200"/>
+                        </a:spcAft>
+                        <a:buNone/>
+                      </a:pPr>
+                      <a:r>
+                        <a:rPr sz="1100">
+                          <a:solidFill>
+                            <a:srgbClr val="111111">
+                              <a:alpha val="100000"/>
+                            </a:srgbClr>
+                          </a:solidFill>
+                          <a:latin typeface="Arial"/>
+                          <a:cs typeface="Arial"/>
+                          <a:highlight>
+                            <a:srgbClr val="FFFFFF">
+                              <a:alpha val="0"/>
+                            </a:srgbClr>
+                          </a:highlight>
+                        </a:rPr>
+                        <a:t>-0.06342761</a:t>
+                      </a:r>
+                    </a:p>
+                  </a:txBody>
+                  <a:tcPr anchor="ctr" marB="0" marT="0" marR="0" marL="0">
+                    <a:lnL w="0" cmpd="sng" algn="ctr" cap="flat">
+                      <a:solidFill>
+                        <a:srgbClr val="FFFFFF">
+                          <a:alpha val="0"/>
+                        </a:srgbClr>
+                      </a:solidFill>
+                      <a:prstDash val="solid"/>
+                    </a:lnL>
+                    <a:lnR w="0" cmpd="sng" algn="ctr" cap="flat">
+                      <a:solidFill>
+                        <a:srgbClr val="FFFFFF">
+                          <a:alpha val="0"/>
+                        </a:srgbClr>
+                      </a:solidFill>
+                      <a:prstDash val="solid"/>
+                    </a:lnR>
+                    <a:lnT w="0" cmpd="sng" algn="ctr" cap="flat">
+                      <a:solidFill>
+                        <a:srgbClr val="FFFFFF">
+                          <a:alpha val="0"/>
+                        </a:srgbClr>
+                      </a:solidFill>
+                      <a:prstDash val="solid"/>
+                    </a:lnT>
+                    <a:lnB w="0" cmpd="sng" algn="ctr" cap="flat">
+                      <a:solidFill>
+                        <a:srgbClr val="FFFFFF">
+                          <a:alpha val="0"/>
+                        </a:srgbClr>
+                      </a:solidFill>
+                      <a:prstDash val="solid"/>
+                    </a:lnB>
+                  </a:tcPr>
+                </a:tc>
+                <a:tc>
+                  <a:txBody>
+                    <a:bodyPr/>
+                    <a:lstStyle/>
+                    <a:p>
+                      <a:pPr algn="ctr" marL="63500" marR="63500">
+                        <a:spcBef>
+                          <a:spcPts val="200"/>
+                        </a:spcBef>
+                        <a:spcAft>
+                          <a:spcPts val="200"/>
+                        </a:spcAft>
+                        <a:buNone/>
+                      </a:pPr>
+                      <a:r>
+                        <a:rPr sz="1100">
+                          <a:solidFill>
+                            <a:srgbClr val="111111">
+                              <a:alpha val="100000"/>
+                            </a:srgbClr>
+                          </a:solidFill>
+                          <a:latin typeface="Arial"/>
+                          <a:cs typeface="Arial"/>
+                          <a:highlight>
+                            <a:srgbClr val="FFFFFF">
+                              <a:alpha val="0"/>
+                            </a:srgbClr>
+                          </a:highlight>
+                        </a:rPr>
+                        <a:t>0.07493642</a:t>
+                      </a:r>
+                    </a:p>
+                  </a:txBody>
+                  <a:tcPr anchor="ctr" marB="0" marT="0" marR="0" marL="0">
+                    <a:lnL w="0" cmpd="sng" algn="ctr" cap="flat">
+                      <a:solidFill>
+                        <a:srgbClr val="FFFFFF">
+                          <a:alpha val="0"/>
+                        </a:srgbClr>
+                      </a:solidFill>
+                      <a:prstDash val="solid"/>
+                    </a:lnL>
+                    <a:lnR w="0" cmpd="sng" algn="ctr" cap="flat">
+                      <a:solidFill>
+                        <a:srgbClr val="FFFFFF">
+                          <a:alpha val="0"/>
+                        </a:srgbClr>
+                      </a:solidFill>
+                      <a:prstDash val="solid"/>
+                    </a:lnR>
+                    <a:lnT w="0" cmpd="sng" algn="ctr" cap="flat">
+                      <a:solidFill>
+                        <a:srgbClr val="FFFFFF">
+                          <a:alpha val="0"/>
+                        </a:srgbClr>
+                      </a:solidFill>
+                      <a:prstDash val="solid"/>
+                    </a:lnT>
+                    <a:lnB w="0" cmpd="sng" algn="ctr" cap="flat">
+                      <a:solidFill>
+                        <a:srgbClr val="FFFFFF">
+                          <a:alpha val="0"/>
+                        </a:srgbClr>
+                      </a:solidFill>
+                      <a:prstDash val="solid"/>
+                    </a:lnB>
+                  </a:tcPr>
+                </a:tc>
+              </a:tr>
+              <a:tr h="457200">
+                <a:tc>
+                  <a:txBody>
+                    <a:bodyPr/>
+                    <a:lstStyle/>
+                    <a:p>
+                      <a:pPr algn="ctr" marL="63500" marR="63500">
+                        <a:spcBef>
+                          <a:spcPts val="200"/>
+                        </a:spcBef>
+                        <a:spcAft>
+                          <a:spcPts val="200"/>
+                        </a:spcAft>
+                        <a:buNone/>
+                      </a:pPr>
+                      <a:r>
+                        <a:rPr sz="1100">
+                          <a:solidFill>
+                            <a:srgbClr val="00FF00">
+                              <a:alpha val="100000"/>
+                            </a:srgbClr>
+                          </a:solidFill>
+                          <a:latin typeface="Arial"/>
+                          <a:cs typeface="Arial"/>
+                          <a:highlight>
+                            <a:srgbClr val="FFFFFF">
+                              <a:alpha val="0"/>
+                            </a:srgbClr>
+                          </a:highlight>
+                        </a:rPr>
+                        <a:t>pos.politico.std</a:t>
+                      </a:r>
+                    </a:p>
+                  </a:txBody>
+                  <a:tcPr anchor="ctr" marB="0" marT="0" marR="0" marL="0">
+                    <a:lnL w="0" cmpd="sng" algn="ctr" cap="flat">
+                      <a:solidFill>
+                        <a:srgbClr val="FFFFFF">
+                          <a:alpha val="0"/>
+                        </a:srgbClr>
+                      </a:solidFill>
+                      <a:prstDash val="solid"/>
+                    </a:lnL>
+                    <a:lnR w="0" cmpd="sng" algn="ctr" cap="flat">
+                      <a:solidFill>
+                        <a:srgbClr val="FFFFFF">
+                          <a:alpha val="0"/>
+                        </a:srgbClr>
+                      </a:solidFill>
+                      <a:prstDash val="solid"/>
+                    </a:lnR>
+                    <a:lnT w="0" cmpd="sng" algn="ctr" cap="flat">
+                      <a:solidFill>
+                        <a:srgbClr val="FFFFFF">
+                          <a:alpha val="0"/>
+                        </a:srgbClr>
+                      </a:solidFill>
+                      <a:prstDash val="solid"/>
+                    </a:lnT>
+                    <a:lnB w="0" cmpd="sng" algn="ctr" cap="flat">
+                      <a:solidFill>
+                        <a:srgbClr val="FFFFFF">
+                          <a:alpha val="0"/>
+                        </a:srgbClr>
+                      </a:solidFill>
+                      <a:prstDash val="solid"/>
+                    </a:lnB>
+                  </a:tcPr>
+                </a:tc>
+                <a:tc>
+                  <a:txBody>
+                    <a:bodyPr/>
+                    <a:lstStyle/>
+                    <a:p>
+                      <a:pPr algn="ctr" marL="63500" marR="63500">
+                        <a:spcBef>
+                          <a:spcPts val="200"/>
+                        </a:spcBef>
+                        <a:spcAft>
+                          <a:spcPts val="200"/>
+                        </a:spcAft>
+                        <a:buNone/>
+                      </a:pPr>
+                      <a:r>
+                        <a:rPr sz="1100">
+                          <a:solidFill>
+                            <a:srgbClr val="00FF00">
+                              <a:alpha val="100000"/>
+                            </a:srgbClr>
+                          </a:solidFill>
+                          <a:latin typeface="Arial"/>
+                          <a:cs typeface="Arial"/>
+                          <a:highlight>
+                            <a:srgbClr val="FFFFFF">
+                              <a:alpha val="0"/>
+                            </a:srgbClr>
+                          </a:highlight>
+                        </a:rPr>
+                        <a:t>1.3314750</a:t>
+                      </a:r>
+                    </a:p>
+                  </a:txBody>
+                  <a:tcPr anchor="ctr" marB="0" marT="0" marR="0" marL="0">
+                    <a:lnL w="0" cmpd="sng" algn="ctr" cap="flat">
+                      <a:solidFill>
+                        <a:srgbClr val="FFFFFF">
+                          <a:alpha val="0"/>
+                        </a:srgbClr>
+                      </a:solidFill>
+                      <a:prstDash val="solid"/>
+                    </a:lnL>
+                    <a:lnR w="0" cmpd="sng" algn="ctr" cap="flat">
+                      <a:solidFill>
+                        <a:srgbClr val="FFFFFF">
+                          <a:alpha val="0"/>
+                        </a:srgbClr>
+                      </a:solidFill>
+                      <a:prstDash val="solid"/>
+                    </a:lnR>
+                    <a:lnT w="0" cmpd="sng" algn="ctr" cap="flat">
+                      <a:solidFill>
+                        <a:srgbClr val="FFFFFF">
+                          <a:alpha val="0"/>
+                        </a:srgbClr>
+                      </a:solidFill>
+                      <a:prstDash val="solid"/>
+                    </a:lnT>
+                    <a:lnB w="0" cmpd="sng" algn="ctr" cap="flat">
+                      <a:solidFill>
+                        <a:srgbClr val="FFFFFF">
+                          <a:alpha val="0"/>
+                        </a:srgbClr>
+                      </a:solidFill>
+                      <a:prstDash val="solid"/>
+                    </a:lnB>
+                  </a:tcPr>
+                </a:tc>
+                <a:tc>
+                  <a:txBody>
+                    <a:bodyPr/>
+                    <a:lstStyle/>
+                    <a:p>
+                      <a:pPr algn="ctr" marL="63500" marR="63500">
+                        <a:spcBef>
+                          <a:spcPts val="200"/>
+                        </a:spcBef>
+                        <a:spcAft>
+                          <a:spcPts val="200"/>
+                        </a:spcAft>
+                        <a:buNone/>
+                      </a:pPr>
+                      <a:r>
+                        <a:rPr sz="1100">
+                          <a:solidFill>
+                            <a:srgbClr val="00FF00">
+                              <a:alpha val="100000"/>
+                            </a:srgbClr>
+                          </a:solidFill>
+                          <a:latin typeface="Arial"/>
+                          <a:cs typeface="Arial"/>
+                          <a:highlight>
+                            <a:srgbClr val="FFFFFF">
+                              <a:alpha val="0"/>
+                            </a:srgbClr>
+                          </a:highlight>
+                        </a:rPr>
+                        <a:t>0.09309519</a:t>
+                      </a:r>
+                    </a:p>
+                  </a:txBody>
+                  <a:tcPr anchor="ctr" marB="0" marT="0" marR="0" marL="0">
+                    <a:lnL w="0" cmpd="sng" algn="ctr" cap="flat">
+                      <a:solidFill>
+                        <a:srgbClr val="FFFFFF">
+                          <a:alpha val="0"/>
+                        </a:srgbClr>
+                      </a:solidFill>
+                      <a:prstDash val="solid"/>
+                    </a:lnL>
+                    <a:lnR w="0" cmpd="sng" algn="ctr" cap="flat">
+                      <a:solidFill>
+                        <a:srgbClr val="FFFFFF">
+                          <a:alpha val="0"/>
+                        </a:srgbClr>
+                      </a:solidFill>
+                      <a:prstDash val="solid"/>
+                    </a:lnR>
+                    <a:lnT w="0" cmpd="sng" algn="ctr" cap="flat">
+                      <a:solidFill>
+                        <a:srgbClr val="FFFFFF">
+                          <a:alpha val="0"/>
+                        </a:srgbClr>
+                      </a:solidFill>
+                      <a:prstDash val="solid"/>
+                    </a:lnT>
+                    <a:lnB w="0" cmpd="sng" algn="ctr" cap="flat">
+                      <a:solidFill>
+                        <a:srgbClr val="FFFFFF">
+                          <a:alpha val="0"/>
+                        </a:srgbClr>
+                      </a:solidFill>
+                      <a:prstDash val="solid"/>
+                    </a:lnB>
+                  </a:tcPr>
+                </a:tc>
+                <a:tc>
+                  <a:txBody>
+                    <a:bodyPr/>
+                    <a:lstStyle/>
+                    <a:p>
+                      <a:pPr algn="ctr" marL="63500" marR="63500">
+                        <a:spcBef>
+                          <a:spcPts val="200"/>
+                        </a:spcBef>
+                        <a:spcAft>
+                          <a:spcPts val="200"/>
+                        </a:spcAft>
+                        <a:buNone/>
+                      </a:pPr>
+                      <a:r>
+                        <a:rPr sz="1100">
+                          <a:solidFill>
+                            <a:srgbClr val="00FF00">
+                              <a:alpha val="100000"/>
+                            </a:srgbClr>
+                          </a:solidFill>
+                          <a:latin typeface="Arial"/>
+                          <a:cs typeface="Arial"/>
+                          <a:highlight>
+                            <a:srgbClr val="FFFFFF">
+                              <a:alpha val="0"/>
+                            </a:srgbClr>
+                          </a:highlight>
+                        </a:rPr>
+                        <a:t>0.48379094</a:t>
+                      </a:r>
+                    </a:p>
+                  </a:txBody>
+                  <a:tcPr anchor="ctr" marB="0" marT="0" marR="0" marL="0">
+                    <a:lnL w="0" cmpd="sng" algn="ctr" cap="flat">
+                      <a:solidFill>
+                        <a:srgbClr val="FFFFFF">
+                          <a:alpha val="0"/>
+                        </a:srgbClr>
+                      </a:solidFill>
+                      <a:prstDash val="solid"/>
+                    </a:lnL>
+                    <a:lnR w="0" cmpd="sng" algn="ctr" cap="flat">
+                      <a:solidFill>
+                        <a:srgbClr val="FFFFFF">
+                          <a:alpha val="0"/>
+                        </a:srgbClr>
+                      </a:solidFill>
+                      <a:prstDash val="solid"/>
+                    </a:lnR>
+                    <a:lnT w="0" cmpd="sng" algn="ctr" cap="flat">
+                      <a:solidFill>
+                        <a:srgbClr val="FFFFFF">
+                          <a:alpha val="0"/>
+                        </a:srgbClr>
+                      </a:solidFill>
+                      <a:prstDash val="solid"/>
+                    </a:lnT>
+                    <a:lnB w="0" cmpd="sng" algn="ctr" cap="flat">
+                      <a:solidFill>
+                        <a:srgbClr val="FFFFFF">
+                          <a:alpha val="0"/>
+                        </a:srgbClr>
+                      </a:solidFill>
+                      <a:prstDash val="solid"/>
+                    </a:lnB>
+                  </a:tcPr>
+                </a:tc>
+              </a:tr>
+              <a:tr h="457200">
+                <a:tc>
+                  <a:txBody>
+                    <a:bodyPr/>
+                    <a:lstStyle/>
+                    <a:p>
+                      <a:pPr algn="ctr" marL="63500" marR="63500">
+                        <a:spcBef>
+                          <a:spcPts val="200"/>
+                        </a:spcBef>
+                        <a:spcAft>
+                          <a:spcPts val="200"/>
+                        </a:spcAft>
+                        <a:buNone/>
+                      </a:pPr>
+                      <a:r>
+                        <a:rPr sz="1100">
+                          <a:solidFill>
+                            <a:srgbClr val="00FF00">
+                              <a:alpha val="100000"/>
+                            </a:srgbClr>
+                          </a:solidFill>
+                          <a:latin typeface="Arial"/>
+                          <a:cs typeface="Arial"/>
+                          <a:highlight>
+                            <a:srgbClr val="FFFFFF">
+                              <a:alpha val="0"/>
+                            </a:srgbClr>
+                          </a:highlight>
+                        </a:rPr>
+                        <a:t>scale(eval.acuerdo.reduc.num)</a:t>
+                      </a:r>
+                    </a:p>
+                  </a:txBody>
+                  <a:tcPr anchor="ctr" marB="0" marT="0" marR="0" marL="0">
+                    <a:lnL w="0" cmpd="sng" algn="ctr" cap="flat">
+                      <a:solidFill>
+                        <a:srgbClr val="FFFFFF">
+                          <a:alpha val="0"/>
+                        </a:srgbClr>
+                      </a:solidFill>
+                      <a:prstDash val="solid"/>
+                    </a:lnL>
+                    <a:lnR w="0" cmpd="sng" algn="ctr" cap="flat">
+                      <a:solidFill>
+                        <a:srgbClr val="FFFFFF">
+                          <a:alpha val="0"/>
+                        </a:srgbClr>
+                      </a:solidFill>
+                      <a:prstDash val="solid"/>
+                    </a:lnR>
+                    <a:lnT w="0" cmpd="sng" algn="ctr" cap="flat">
+                      <a:solidFill>
+                        <a:srgbClr val="FFFFFF">
+                          <a:alpha val="0"/>
+                        </a:srgbClr>
+                      </a:solidFill>
+                      <a:prstDash val="solid"/>
+                    </a:lnT>
+                    <a:lnB w="25400" cmpd="sng" algn="ctr" cap="flat">
+                      <a:solidFill>
+                        <a:srgbClr val="000000">
+                          <a:alpha val="100000"/>
+                        </a:srgbClr>
+                      </a:solidFill>
+                      <a:prstDash val="solid"/>
+                    </a:lnB>
+                  </a:tcPr>
+                </a:tc>
+                <a:tc>
+                  <a:txBody>
+                    <a:bodyPr/>
+                    <a:lstStyle/>
+                    <a:p>
+                      <a:pPr algn="ctr" marL="63500" marR="63500">
+                        <a:spcBef>
+                          <a:spcPts val="200"/>
+                        </a:spcBef>
+                        <a:spcAft>
+                          <a:spcPts val="200"/>
+                        </a:spcAft>
+                        <a:buNone/>
+                      </a:pPr>
+                      <a:r>
+                        <a:rPr sz="1100">
+                          <a:solidFill>
+                            <a:srgbClr val="00FF00">
+                              <a:alpha val="100000"/>
+                            </a:srgbClr>
+                          </a:solidFill>
+                          <a:latin typeface="Arial"/>
+                          <a:cs typeface="Arial"/>
+                          <a:highlight>
+                            <a:srgbClr val="FFFFFF">
+                              <a:alpha val="0"/>
+                            </a:srgbClr>
+                          </a:highlight>
+                        </a:rPr>
+                        <a:t>3.0777561</a:t>
+                      </a:r>
+                    </a:p>
+                  </a:txBody>
+                  <a:tcPr anchor="ctr" marB="0" marT="0" marR="0" marL="0">
+                    <a:lnL w="0" cmpd="sng" algn="ctr" cap="flat">
+                      <a:solidFill>
+                        <a:srgbClr val="FFFFFF">
+                          <a:alpha val="0"/>
+                        </a:srgbClr>
+                      </a:solidFill>
+                      <a:prstDash val="solid"/>
+                    </a:lnL>
+                    <a:lnR w="0" cmpd="sng" algn="ctr" cap="flat">
+                      <a:solidFill>
+                        <a:srgbClr val="FFFFFF">
+                          <a:alpha val="0"/>
+                        </a:srgbClr>
+                      </a:solidFill>
+                      <a:prstDash val="solid"/>
+                    </a:lnR>
+                    <a:lnT w="0" cmpd="sng" algn="ctr" cap="flat">
+                      <a:solidFill>
+                        <a:srgbClr val="FFFFFF">
+                          <a:alpha val="0"/>
+                        </a:srgbClr>
+                      </a:solidFill>
+                      <a:prstDash val="solid"/>
+                    </a:lnT>
+                    <a:lnB w="25400" cmpd="sng" algn="ctr" cap="flat">
+                      <a:solidFill>
+                        <a:srgbClr val="000000">
+                          <a:alpha val="100000"/>
+                        </a:srgbClr>
+                      </a:solidFill>
+                      <a:prstDash val="solid"/>
+                    </a:lnB>
+                  </a:tcPr>
+                </a:tc>
+                <a:tc>
+                  <a:txBody>
+                    <a:bodyPr/>
+                    <a:lstStyle/>
+                    <a:p>
+                      <a:pPr algn="ctr" marL="63500" marR="63500">
+                        <a:spcBef>
+                          <a:spcPts val="200"/>
+                        </a:spcBef>
+                        <a:spcAft>
+                          <a:spcPts val="200"/>
+                        </a:spcAft>
+                        <a:buNone/>
+                      </a:pPr>
+                      <a:r>
+                        <a:rPr sz="1100">
+                          <a:solidFill>
+                            <a:srgbClr val="00FF00">
+                              <a:alpha val="100000"/>
+                            </a:srgbClr>
+                          </a:solidFill>
+                          <a:latin typeface="Arial"/>
+                          <a:cs typeface="Arial"/>
+                          <a:highlight>
+                            <a:srgbClr val="FFFFFF">
+                              <a:alpha val="0"/>
+                            </a:srgbClr>
+                          </a:highlight>
+                        </a:rPr>
+                        <a:t>0.84159654</a:t>
+                      </a:r>
+                    </a:p>
+                  </a:txBody>
+                  <a:tcPr anchor="ctr" marB="0" marT="0" marR="0" marL="0">
+                    <a:lnL w="0" cmpd="sng" algn="ctr" cap="flat">
+                      <a:solidFill>
+                        <a:srgbClr val="FFFFFF">
+                          <a:alpha val="0"/>
+                        </a:srgbClr>
+                      </a:solidFill>
+                      <a:prstDash val="solid"/>
+                    </a:lnL>
+                    <a:lnR w="0" cmpd="sng" algn="ctr" cap="flat">
+                      <a:solidFill>
+                        <a:srgbClr val="FFFFFF">
+                          <a:alpha val="0"/>
+                        </a:srgbClr>
+                      </a:solidFill>
+                      <a:prstDash val="solid"/>
+                    </a:lnR>
+                    <a:lnT w="0" cmpd="sng" algn="ctr" cap="flat">
+                      <a:solidFill>
+                        <a:srgbClr val="FFFFFF">
+                          <a:alpha val="0"/>
+                        </a:srgbClr>
+                      </a:solidFill>
+                      <a:prstDash val="solid"/>
+                    </a:lnT>
+                    <a:lnB w="25400" cmpd="sng" algn="ctr" cap="flat">
+                      <a:solidFill>
+                        <a:srgbClr val="000000">
+                          <a:alpha val="100000"/>
+                        </a:srgbClr>
+                      </a:solidFill>
+                      <a:prstDash val="solid"/>
+                    </a:lnB>
+                  </a:tcPr>
+                </a:tc>
+                <a:tc>
+                  <a:txBody>
+                    <a:bodyPr/>
+                    <a:lstStyle/>
+                    <a:p>
+                      <a:pPr algn="ctr" marL="63500" marR="63500">
+                        <a:spcBef>
+                          <a:spcPts val="200"/>
+                        </a:spcBef>
+                        <a:spcAft>
+                          <a:spcPts val="200"/>
+                        </a:spcAft>
+                        <a:buNone/>
+                      </a:pPr>
+                      <a:r>
+                        <a:rPr sz="1100">
+                          <a:solidFill>
+                            <a:srgbClr val="00FF00">
+                              <a:alpha val="100000"/>
+                            </a:srgbClr>
+                          </a:solidFill>
+                          <a:latin typeface="Arial"/>
+                          <a:cs typeface="Arial"/>
+                          <a:highlight>
+                            <a:srgbClr val="FFFFFF">
+                              <a:alpha val="0"/>
+                            </a:srgbClr>
+                          </a:highlight>
+                        </a:rPr>
+                        <a:t>1.44349775</a:t>
+                      </a:r>
+                    </a:p>
+                  </a:txBody>
+                  <a:tcPr anchor="ctr" marB="0" marT="0" marR="0" marL="0">
+                    <a:lnL w="0" cmpd="sng" algn="ctr" cap="flat">
+                      <a:solidFill>
+                        <a:srgbClr val="FFFFFF">
+                          <a:alpha val="0"/>
+                        </a:srgbClr>
+                      </a:solidFill>
+                      <a:prstDash val="solid"/>
+                    </a:lnL>
+                    <a:lnR w="0" cmpd="sng" algn="ctr" cap="flat">
+                      <a:solidFill>
+                        <a:srgbClr val="FFFFFF">
+                          <a:alpha val="0"/>
+                        </a:srgbClr>
+                      </a:solidFill>
+                      <a:prstDash val="solid"/>
+                    </a:lnR>
+                    <a:lnT w="0" cmpd="sng" algn="ctr" cap="flat">
+                      <a:solidFill>
+                        <a:srgbClr val="FFFFFF">
+                          <a:alpha val="0"/>
+                        </a:srgbClr>
+                      </a:solidFill>
+                      <a:prstDash val="solid"/>
+                    </a:lnT>
+                    <a:lnB w="25400" cmpd="sng" algn="ctr" cap="flat">
+                      <a:solidFill>
+                        <a:srgbClr val="000000">
+                          <a:alpha val="100000"/>
+                        </a:srgbClr>
+                      </a:solidFill>
+                      <a:prstDash val="solid"/>
+                    </a:lnB>
+                  </a:tcPr>
+                </a:tc>
+              </a:tr>
+            </a:tbl>
+          </a:graphicData>
+        </a:graphic>
+      </p:graphicFrame>
+    </p:spTree>
+  </p:cSld>
+  <p:clrMapOvr>
+    <a:masterClrMapping/>
+  </p:clrMapOvr>
+</p:sld>
+</file>
+
+<file path=ppt/slides/slide18.xml><?xml version="1.0" encoding="utf-8"?>
+<p:sld xmlns:a="http://schemas.openxmlformats.org/drawingml/2006/main" xmlns:r="http://schemas.openxmlformats.org/officeDocument/2006/relationships" xmlns:p="http://schemas.openxmlformats.org/presentationml/2006/main">
+  <p:cSld>
+    <p:spTree>
+      <p:nvGrpSpPr>
+        <p:cNvPr id="1" name=""/>
+        <p:cNvGrpSpPr/>
+        <p:nvPr/>
+      </p:nvGrpSpPr>
+      <p:grpSpPr>
+        <a:xfrm>
+          <a:off x="0" y="0"/>
+          <a:ext cx="0" cy="0"/>
+          <a:chOff x="0" y="0"/>
+          <a:chExt cx="0" cy="0"/>
+        </a:xfrm>
+      </p:grpSpPr>
       <p:pic xmlns:a="http://schemas.openxmlformats.org/drawingml/2006/main" xmlns:r="http://schemas.openxmlformats.org/officeDocument/2006/relationships" xmlns:p="http://schemas.openxmlformats.org/presentationml/2006/main">
         <p:nvPicPr>
           <p:cNvPr id="2" name=""/>
@@ -2365,6 +8106,53 @@
       </p:grpSpPr>
       <p:pic xmlns:a="http://schemas.openxmlformats.org/drawingml/2006/main" xmlns:r="http://schemas.openxmlformats.org/officeDocument/2006/relationships" xmlns:p="http://schemas.openxmlformats.org/presentationml/2006/main">
         <p:nvPicPr>
+          <p:cNvPr id="2" name=""/>
+          <p:cNvPicPr/>
+          <p:nvPr/>
+        </p:nvPicPr>
+        <p:blipFill>
+          <a:blip cstate="print" r:embed="rId2"/>
+          <a:stretch>
+            <a:fillRect/>
+          </a:stretch>
+        </p:blipFill>
+        <p:spPr>
+          <a:xfrm>
+            <a:off x="0" y="0"/>
+            <a:ext cx="9144000" cy="6858000"/>
+          </a:xfrm>
+          <a:prstGeom prst="rect">
+            <a:avLst/>
+          </a:prstGeom>
+        </p:spPr>
+      </p:pic>
+    </p:spTree>
+  </p:cSld>
+  <p:clrMapOvr>
+    <a:masterClrMapping/>
+  </p:clrMapOvr>
+</p:sld>
+</file>
+
+<file path=ppt/slides/slide5.xml><?xml version="1.0" encoding="utf-8"?>
+<p:sld xmlns:a="http://schemas.openxmlformats.org/drawingml/2006/main" xmlns:r="http://schemas.openxmlformats.org/officeDocument/2006/relationships" xmlns:p="http://schemas.openxmlformats.org/presentationml/2006/main">
+  <p:cSld>
+    <p:spTree>
+      <p:nvGrpSpPr>
+        <p:cNvPr id="1" name=""/>
+        <p:cNvGrpSpPr/>
+        <p:nvPr/>
+      </p:nvGrpSpPr>
+      <p:grpSpPr>
+        <a:xfrm>
+          <a:off x="0" y="0"/>
+          <a:ext cx="0" cy="0"/>
+          <a:chOff x="0" y="0"/>
+          <a:chExt cx="0" cy="0"/>
+        </a:xfrm>
+      </p:grpSpPr>
+      <p:pic xmlns:a="http://schemas.openxmlformats.org/drawingml/2006/main" xmlns:r="http://schemas.openxmlformats.org/officeDocument/2006/relationships" xmlns:p="http://schemas.openxmlformats.org/presentationml/2006/main">
+        <p:nvPicPr>
           <p:cNvPr id="2" name="Content Placeholder 2"/>
           <p:cNvPicPr/>
           <p:nvPr/>
@@ -2401,53 +8189,6 @@
           <a:xfrm>
             <a:off x="4648200" y="1600200"/>
             <a:ext cx="4038600" cy="4525963"/>
-          </a:xfrm>
-          <a:prstGeom prst="rect">
-            <a:avLst/>
-          </a:prstGeom>
-        </p:spPr>
-      </p:pic>
-    </p:spTree>
-  </p:cSld>
-  <p:clrMapOvr>
-    <a:masterClrMapping/>
-  </p:clrMapOvr>
-</p:sld>
-</file>
-
-<file path=ppt/slides/slide5.xml><?xml version="1.0" encoding="utf-8"?>
-<p:sld xmlns:a="http://schemas.openxmlformats.org/drawingml/2006/main" xmlns:r="http://schemas.openxmlformats.org/officeDocument/2006/relationships" xmlns:p="http://schemas.openxmlformats.org/presentationml/2006/main">
-  <p:cSld>
-    <p:spTree>
-      <p:nvGrpSpPr>
-        <p:cNvPr id="1" name=""/>
-        <p:cNvGrpSpPr/>
-        <p:nvPr/>
-      </p:nvGrpSpPr>
-      <p:grpSpPr>
-        <a:xfrm>
-          <a:off x="0" y="0"/>
-          <a:ext cx="0" cy="0"/>
-          <a:chOff x="0" y="0"/>
-          <a:chExt cx="0" cy="0"/>
-        </a:xfrm>
-      </p:grpSpPr>
-      <p:pic xmlns:a="http://schemas.openxmlformats.org/drawingml/2006/main" xmlns:r="http://schemas.openxmlformats.org/officeDocument/2006/relationships" xmlns:p="http://schemas.openxmlformats.org/presentationml/2006/main">
-        <p:nvPicPr>
-          <p:cNvPr id="2" name=""/>
-          <p:cNvPicPr/>
-          <p:nvPr/>
-        </p:nvPicPr>
-        <p:blipFill>
-          <a:blip cstate="print" r:embed="rId2"/>
-          <a:stretch>
-            <a:fillRect/>
-          </a:stretch>
-        </p:blipFill>
-        <p:spPr>
-          <a:xfrm>
-            <a:off x="0" y="0"/>
-            <a:ext cx="9144000" cy="6858000"/>
           </a:xfrm>
           <a:prstGeom prst="rect">
             <a:avLst/>
@@ -2573,28 +8314,33 @@
           <a:chExt cx="0" cy="0"/>
         </a:xfrm>
       </p:grpSpPr>
-      <p:pic xmlns:a="http://schemas.openxmlformats.org/drawingml/2006/main" xmlns:r="http://schemas.openxmlformats.org/officeDocument/2006/relationships" xmlns:p="http://schemas.openxmlformats.org/presentationml/2006/main">
-        <p:nvPicPr>
-          <p:cNvPr id="2" name=""/>
-          <p:cNvPicPr/>
-          <p:nvPr/>
-        </p:nvPicPr>
-        <p:blipFill>
-          <a:blip cstate="print" r:embed="rId2"/>
-          <a:stretch>
-            <a:fillRect/>
-          </a:stretch>
-        </p:blipFill>
+      <p:sp xmlns:a="http://schemas.openxmlformats.org/drawingml/2006/main" xmlns:r="http://schemas.openxmlformats.org/officeDocument/2006/relationships" xmlns:p="http://schemas.openxmlformats.org/presentationml/2006/main">
+        <p:nvSpPr>
+          <p:cNvPr id="2" name="Title 1"/>
+          <p:cNvSpPr>
+            <a:spLocks noGrp="1"/>
+          </p:cNvSpPr>
+          <p:nvPr>
+            <p:ph type="title"/>
+          </p:nvPr>
+        </p:nvSpPr>
         <p:spPr>
-          <a:xfrm>
-            <a:off x="0" y="0"/>
-            <a:ext cx="9144000" cy="6858000"/>
+          <a:xfrm rot="-0">
+            <a:off x="457200" y="274638"/>
+            <a:ext cx="8229600" cy="1143000"/>
           </a:xfrm>
-          <a:prstGeom prst="rect">
-            <a:avLst/>
-          </a:prstGeom>
         </p:spPr>
-      </p:pic>
+        <p:txBody>
+          <a:bodyPr/>
+          <a:lstStyle/>
+          <a:p>
+            <a:r>
+              <a:rPr/>
+              <a:t>Preguntas clave sobre proceso</a:t>
+            </a:r>
+          </a:p>
+        </p:txBody>
+      </p:sp>
     </p:spTree>
   </p:cSld>
   <p:clrMapOvr>
